--- a/eece2160/sp18/lectures/eece.2160sp18_lec10_switch.pptx
+++ b/eece2160/sp18/lectures/eece.2160sp18_lec10_switch.pptx
@@ -5487,13 +5487,7 @@
               <a:rPr lang="en-US" dirty="0" smtClean="0">
                 <a:latin typeface="Arial" charset="0"/>
               </a:rPr>
-              <a:t>Switch </a:t>
-            </a:r>
-            <a:r>
-              <a:rPr lang="en-US" dirty="0" smtClean="0">
-                <a:latin typeface="Arial" charset="0"/>
-              </a:rPr>
-              <a:t>statements</a:t>
+              <a:t>Switch statements</a:t>
             </a:r>
           </a:p>
           <a:p>
@@ -5510,9 +5504,6 @@
               </a:rPr>
               <a:t>While loops</a:t>
             </a:r>
-            <a:endParaRPr lang="en-US" dirty="0" smtClean="0">
-              <a:latin typeface="Arial" charset="0"/>
-            </a:endParaRPr>
           </a:p>
         </p:txBody>
       </p:sp>
@@ -13816,24 +13807,40 @@
               <a:rPr lang="en-US" dirty="0">
                 <a:latin typeface="Arial" charset="0"/>
               </a:rPr>
-              <a:t>No calculators or other electronic devices allowed</a:t>
-            </a:r>
-          </a:p>
-          <a:p>
-            <a:pPr marL="0" indent="0">
-              <a:buNone/>
-            </a:pPr>
+              <a:t>No calculators or other electronic devices </a:t>
+            </a:r>
+            <a:r>
+              <a:rPr lang="en-US" dirty="0" smtClean="0">
+                <a:latin typeface="Arial" charset="0"/>
+              </a:rPr>
+              <a:t>allowed</a:t>
+            </a:r>
+          </a:p>
+          <a:p>
+            <a:pPr lvl="1"/>
+            <a:r>
+              <a:rPr lang="en-US" smtClean="0">
+                <a:latin typeface="Arial" charset="0"/>
+              </a:rPr>
+              <a:t>Thursday </a:t>
+            </a:r>
+            <a:r>
+              <a:rPr lang="en-US" dirty="0" smtClean="0">
+                <a:latin typeface="Arial" charset="0"/>
+              </a:rPr>
+              <a:t>office hours (2/15 only): 11:30 AM-1 PM</a:t>
+            </a:r>
+          </a:p>
+          <a:p>
+            <a:r>
+              <a:rPr lang="en-US" dirty="0" smtClean="0">
+                <a:latin typeface="Arial" charset="0"/>
+              </a:rPr>
+              <a:t>Review</a:t>
+            </a:r>
             <a:endParaRPr lang="en-US" dirty="0" smtClean="0">
               <a:latin typeface="Arial" charset="0"/>
             </a:endParaRPr>
-          </a:p>
-          <a:p>
-            <a:r>
-              <a:rPr lang="en-US" dirty="0" smtClean="0">
-                <a:latin typeface="Arial" charset="0"/>
-              </a:rPr>
-              <a:t>Review</a:t>
-            </a:r>
           </a:p>
           <a:p>
             <a:pPr lvl="1"/>
@@ -18603,13 +18610,7 @@
               <a:rPr lang="en-US" dirty="0" smtClean="0">
                 <a:latin typeface="Arial" charset="0"/>
               </a:rPr>
-              <a:t>More on while </a:t>
-            </a:r>
-            <a:r>
-              <a:rPr lang="en-US" dirty="0" smtClean="0">
-                <a:latin typeface="Arial" charset="0"/>
-              </a:rPr>
-              <a:t>loops</a:t>
+              <a:t>More on while loops</a:t>
             </a:r>
             <a:endParaRPr lang="en-US" dirty="0">
               <a:latin typeface="Arial" charset="0"/>
@@ -18656,8 +18657,32 @@
               <a:rPr lang="en-US" dirty="0">
                 <a:latin typeface="Arial" charset="0"/>
               </a:rPr>
-              <a:t>No calculators or other electronic devices allowed</a:t>
-            </a:r>
+              <a:t>No calculators or other electronic devices </a:t>
+            </a:r>
+            <a:r>
+              <a:rPr lang="en-US" dirty="0" smtClean="0">
+                <a:latin typeface="Arial" charset="0"/>
+              </a:rPr>
+              <a:t>allowed</a:t>
+            </a:r>
+          </a:p>
+          <a:p>
+            <a:pPr lvl="1"/>
+            <a:r>
+              <a:rPr lang="en-US" dirty="0" smtClean="0">
+                <a:latin typeface="Arial" charset="0"/>
+              </a:rPr>
+              <a:t>Thursday </a:t>
+            </a:r>
+            <a:r>
+              <a:rPr lang="en-US" dirty="0">
+                <a:latin typeface="Arial" charset="0"/>
+              </a:rPr>
+              <a:t>office hours (2/15 only): 11:30 AM-1 PM</a:t>
+            </a:r>
+          </a:p>
+          <a:p>
+            <a:pPr lvl="1"/>
             <a:endParaRPr lang="en-US" dirty="0">
               <a:latin typeface="Arial" charset="0"/>
             </a:endParaRPr>

--- a/eece2160/sp18/lectures/eece.2160sp18_lec10_switch.pptx
+++ b/eece2160/sp18/lectures/eece.2160sp18_lec10_switch.pptx
@@ -5,10 +5,10 @@
     <p:sldMasterId id="2147483792" r:id="rId1"/>
   </p:sldMasterIdLst>
   <p:notesMasterIdLst>
-    <p:notesMasterId r:id="rId28"/>
+    <p:notesMasterId r:id="rId21"/>
   </p:notesMasterIdLst>
   <p:handoutMasterIdLst>
-    <p:handoutMasterId r:id="rId29"/>
+    <p:handoutMasterId r:id="rId22"/>
   </p:handoutMasterIdLst>
   <p:sldIdLst>
     <p:sldId id="256" r:id="rId2"/>
@@ -29,14 +29,7 @@
     <p:sldId id="560" r:id="rId17"/>
     <p:sldId id="561" r:id="rId18"/>
     <p:sldId id="562" r:id="rId19"/>
-    <p:sldId id="563" r:id="rId20"/>
-    <p:sldId id="564" r:id="rId21"/>
-    <p:sldId id="565" r:id="rId22"/>
-    <p:sldId id="566" r:id="rId23"/>
-    <p:sldId id="567" r:id="rId24"/>
-    <p:sldId id="568" r:id="rId25"/>
-    <p:sldId id="569" r:id="rId26"/>
-    <p:sldId id="447" r:id="rId27"/>
+    <p:sldId id="447" r:id="rId20"/>
   </p:sldIdLst>
   <p:sldSz cx="9144000" cy="6858000" type="screen4x3"/>
   <p:notesSz cx="9144000" cy="6858000"/>
@@ -1341,7 +1334,7 @@
           <a:p>
             <a:fld id="{03625CE3-4AE5-664B-B503-38F5CBE099A1}" type="datetime1">
               <a:rPr lang="en-US" smtClean="0"/>
-              <a:t>2/14/18</a:t>
+              <a:t>2/15/18</a:t>
             </a:fld>
             <a:endParaRPr lang="en-US"/>
           </a:p>
@@ -1538,7 +1531,7 @@
           <a:p>
             <a:fld id="{48B9CE71-9050-2140-86A9-41342580213F}" type="datetime1">
               <a:rPr lang="en-US" smtClean="0"/>
-              <a:t>2/14/18</a:t>
+              <a:t>2/15/18</a:t>
             </a:fld>
             <a:endParaRPr lang="en-US"/>
           </a:p>
@@ -1744,7 +1737,7 @@
           <a:p>
             <a:fld id="{64D3DA2F-7469-8542-8B58-F4A8AA2E0C10}" type="datetime1">
               <a:rPr lang="en-US" smtClean="0"/>
-              <a:t>2/14/18</a:t>
+              <a:t>2/15/18</a:t>
             </a:fld>
             <a:endParaRPr lang="en-US"/>
           </a:p>
@@ -2007,7 +2000,7 @@
           <a:p>
             <a:fld id="{FA8E917D-EE01-B244-90AE-ED4EB19688E7}" type="datetime1">
               <a:rPr lang="en-US" smtClean="0"/>
-              <a:t>2/14/18</a:t>
+              <a:t>2/15/18</a:t>
             </a:fld>
             <a:endParaRPr lang="en-US"/>
           </a:p>
@@ -2270,7 +2263,7 @@
           <a:p>
             <a:fld id="{5FA507F9-2BEB-8C4B-BAF5-A161033DC75C}" type="datetime1">
               <a:rPr lang="en-US" smtClean="0"/>
-              <a:t>2/14/18</a:t>
+              <a:t>2/15/18</a:t>
             </a:fld>
             <a:endParaRPr lang="en-US"/>
           </a:p>
@@ -2466,7 +2459,7 @@
           <a:p>
             <a:fld id="{AFCB8BFC-5FD2-0449-AB03-1F6394552871}" type="datetime1">
               <a:rPr lang="en-US" smtClean="0"/>
-              <a:t>2/14/18</a:t>
+              <a:t>2/15/18</a:t>
             </a:fld>
             <a:endParaRPr lang="en-US"/>
           </a:p>
@@ -2684,7 +2677,7 @@
           <a:p>
             <a:fld id="{B2FE42BA-CC79-C840-93D8-EFAE0EA65C3F}" type="datetime1">
               <a:rPr lang="en-US" smtClean="0"/>
-              <a:t>2/14/18</a:t>
+              <a:t>2/15/18</a:t>
             </a:fld>
             <a:endParaRPr lang="en-US"/>
           </a:p>
@@ -2998,7 +2991,7 @@
           <a:p>
             <a:fld id="{0A063AE6-1546-C848-99AB-6E0A576678DC}" type="datetime1">
               <a:rPr lang="en-US" smtClean="0"/>
-              <a:t>2/14/18</a:t>
+              <a:t>2/15/18</a:t>
             </a:fld>
             <a:endParaRPr lang="en-US"/>
           </a:p>
@@ -3451,7 +3444,7 @@
           <a:p>
             <a:fld id="{C876F4C8-EF95-7149-AC6E-1ECA5C682D29}" type="datetime1">
               <a:rPr lang="en-US" smtClean="0"/>
-              <a:t>2/14/18</a:t>
+              <a:t>2/15/18</a:t>
             </a:fld>
             <a:endParaRPr lang="en-US"/>
           </a:p>
@@ -3595,7 +3588,7 @@
           <a:p>
             <a:fld id="{247132BA-5889-5745-91BB-88BE160AE983}" type="datetime1">
               <a:rPr lang="en-US" smtClean="0"/>
-              <a:t>2/14/18</a:t>
+              <a:t>2/15/18</a:t>
             </a:fld>
             <a:endParaRPr lang="en-US"/>
           </a:p>
@@ -3716,7 +3709,7 @@
           <a:p>
             <a:fld id="{DBFBA632-E6AB-0E45-A1AC-6D7E4F1DB375}" type="datetime1">
               <a:rPr lang="en-US" smtClean="0"/>
-              <a:t>2/14/18</a:t>
+              <a:t>2/15/18</a:t>
             </a:fld>
             <a:endParaRPr lang="en-US"/>
           </a:p>
@@ -4019,7 +4012,7 @@
           <a:p>
             <a:fld id="{E7ED6C91-4E81-7741-87B1-DC9E191B0850}" type="datetime1">
               <a:rPr lang="en-US" smtClean="0"/>
-              <a:t>2/14/18</a:t>
+              <a:t>2/15/18</a:t>
             </a:fld>
             <a:endParaRPr lang="en-US"/>
           </a:p>
@@ -4299,7 +4292,7 @@
           <a:p>
             <a:fld id="{94BDB053-DADA-8549-865C-8F03A824F72C}" type="datetime1">
               <a:rPr lang="en-US" smtClean="0"/>
-              <a:t>2/14/18</a:t>
+              <a:t>2/15/18</a:t>
             </a:fld>
             <a:endParaRPr lang="en-US"/>
           </a:p>
@@ -4598,7 +4591,7 @@
           <a:p>
             <a:fld id="{AD79D344-C1BA-1D44-920B-24D9687572D4}" type="datetime1">
               <a:rPr lang="en-US" smtClean="0"/>
-              <a:t>2/14/18</a:t>
+              <a:t>2/15/18</a:t>
             </a:fld>
             <a:endParaRPr lang="en-US"/>
           </a:p>
@@ -6270,7 +6263,7 @@
               <a:rPr lang="en-US" smtClean="0">
                 <a:latin typeface="Garamond" charset="0"/>
               </a:rPr>
-              <a:t>2/14/18</a:t>
+              <a:t>2/15/18</a:t>
             </a:fld>
             <a:endParaRPr lang="en-US">
               <a:latin typeface="Garamond" charset="0"/>
@@ -6779,7 +6772,7 @@
               <a:rPr lang="en-US" smtClean="0">
                 <a:latin typeface="Garamond" charset="0"/>
               </a:rPr>
-              <a:t>2/14/18</a:t>
+              <a:t>2/15/18</a:t>
             </a:fld>
             <a:endParaRPr lang="en-US">
               <a:latin typeface="Garamond" charset="0"/>
@@ -7472,7 +7465,7 @@
               <a:rPr lang="en-US" smtClean="0">
                 <a:latin typeface="Garamond" charset="0"/>
               </a:rPr>
-              <a:t>2/14/18</a:t>
+              <a:t>2/15/18</a:t>
             </a:fld>
             <a:endParaRPr lang="en-US">
               <a:latin typeface="Garamond" charset="0"/>
@@ -8429,7 +8422,7 @@
               <a:rPr lang="en-US" smtClean="0">
                 <a:latin typeface="Garamond" charset="0"/>
               </a:rPr>
-              <a:t>2/14/18</a:t>
+              <a:t>2/15/18</a:t>
             </a:fld>
             <a:endParaRPr lang="en-US">
               <a:latin typeface="Garamond" charset="0"/>
@@ -9439,7 +9432,7 @@
               <a:rPr lang="en-US" sz="1200" smtClean="0">
                 <a:latin typeface="Garamond" charset="0"/>
               </a:rPr>
-              <a:t>2/14/18</a:t>
+              <a:t>2/15/18</a:t>
             </a:fld>
             <a:endParaRPr lang="en-US" sz="1200">
               <a:latin typeface="Garamond" charset="0"/>
@@ -10036,7 +10029,7 @@
               <a:rPr lang="en-US" sz="1200" smtClean="0">
                 <a:latin typeface="Garamond" charset="0"/>
               </a:rPr>
-              <a:t>2/14/18</a:t>
+              <a:t>2/15/18</a:t>
             </a:fld>
             <a:endParaRPr lang="en-US" sz="1200">
               <a:latin typeface="Garamond" charset="0"/>
@@ -10614,7 +10607,7 @@
               <a:rPr lang="en-US" sz="1200" smtClean="0">
                 <a:latin typeface="Garamond" charset="0"/>
               </a:rPr>
-              <a:t>2/14/18</a:t>
+              <a:t>2/15/18</a:t>
             </a:fld>
             <a:endParaRPr lang="en-US" sz="1200">
               <a:latin typeface="Garamond" charset="0"/>
@@ -11458,7 +11451,7 @@
               <a:rPr lang="en-US" sz="1200" smtClean="0">
                 <a:latin typeface="Garamond" charset="0"/>
               </a:rPr>
-              <a:t>2/14/18</a:t>
+              <a:t>2/15/18</a:t>
             </a:fld>
             <a:endParaRPr lang="en-US" sz="1200">
               <a:latin typeface="Garamond" charset="0"/>
@@ -12795,7 +12788,7 @@
               <a:rPr lang="en-US" sz="1200" smtClean="0">
                 <a:latin typeface="Garamond" charset="0"/>
               </a:rPr>
-              <a:t>2/14/18</a:t>
+              <a:t>2/15/18</a:t>
             </a:fld>
             <a:endParaRPr lang="en-US" sz="1200">
               <a:latin typeface="Garamond" charset="0"/>
@@ -13005,7 +12998,7 @@
       </p:grpSpPr>
       <p:sp>
         <p:nvSpPr>
-          <p:cNvPr id="11266" name="Title 1"/>
+          <p:cNvPr id="19458" name="Title 1"/>
           <p:cNvSpPr>
             <a:spLocks noGrp="1"/>
           </p:cNvSpPr>
@@ -13022,14 +13015,14 @@
               <a:rPr lang="en-US">
                 <a:latin typeface="Garamond" charset="0"/>
               </a:rPr>
-              <a:t>Application: loop with flexible limit</a:t>
+              <a:t>Final notes</a:t>
             </a:r>
           </a:p>
         </p:txBody>
       </p:sp>
       <p:sp>
         <p:nvSpPr>
-          <p:cNvPr id="7" name="Content Placeholder 6"/>
+          <p:cNvPr id="19459" name="Content Placeholder 2"/>
           <p:cNvSpPr>
             <a:spLocks noGrp="1"/>
           </p:cNvSpPr>
@@ -13039,342 +13032,110 @@
         </p:nvSpPr>
         <p:spPr/>
         <p:txBody>
-          <a:bodyPr>
-            <a:normAutofit fontScale="77500" lnSpcReduction="20000"/>
-          </a:bodyPr>
+          <a:bodyPr/>
           <a:lstStyle/>
           <a:p>
-            <a:pPr>
-              <a:buFont typeface="Wingdings" pitchFamily="2" charset="2"/>
-              <a:buChar char="n"/>
-              <a:defRPr/>
-            </a:pPr>
+            <a:r>
+              <a:rPr lang="en-US" dirty="0">
+                <a:latin typeface="Arial" charset="0"/>
+              </a:rPr>
+              <a:t>Next </a:t>
+            </a:r>
             <a:r>
               <a:rPr lang="en-US" dirty="0" smtClean="0">
-                <a:ea typeface="+mn-ea"/>
-                <a:cs typeface="+mn-cs"/>
-              </a:rPr>
-              <a:t>Could determine loop limit based on variable</a:t>
-            </a:r>
-          </a:p>
-          <a:p>
-            <a:pPr lvl="1">
-              <a:buFont typeface="Wingdings" pitchFamily="2" charset="2"/>
-              <a:buChar char="q"/>
-              <a:defRPr/>
-            </a:pPr>
-            <a:r>
-              <a:rPr lang="en-US" dirty="0" smtClean="0"/>
-              <a:t>Result of calculation</a:t>
-            </a:r>
-          </a:p>
-          <a:p>
-            <a:pPr lvl="1">
-              <a:buFont typeface="Wingdings" pitchFamily="2" charset="2"/>
-              <a:buChar char="q"/>
-              <a:defRPr/>
-            </a:pPr>
-            <a:r>
-              <a:rPr lang="en-US" dirty="0" smtClean="0"/>
-              <a:t>Input value</a:t>
-            </a:r>
-          </a:p>
-          <a:p>
-            <a:pPr>
-              <a:buFont typeface="Wingdings" pitchFamily="2" charset="2"/>
-              <a:buChar char="n"/>
-              <a:defRPr/>
-            </a:pPr>
+                <a:latin typeface="Arial" charset="0"/>
+              </a:rPr>
+              <a:t>time </a:t>
+            </a:r>
+          </a:p>
+          <a:p>
+            <a:pPr lvl="1"/>
             <a:r>
               <a:rPr lang="en-US" dirty="0" smtClean="0">
-                <a:ea typeface="+mn-ea"/>
-                <a:cs typeface="+mn-cs"/>
-              </a:rPr>
-              <a:t>See </a:t>
+                <a:latin typeface="Arial" charset="0"/>
+              </a:rPr>
+              <a:t>More on while loops</a:t>
+            </a:r>
+            <a:endParaRPr lang="en-US" dirty="0">
+              <a:latin typeface="Arial" charset="0"/>
+            </a:endParaRPr>
+          </a:p>
+          <a:p>
+            <a:r>
+              <a:rPr lang="en-US" dirty="0">
+                <a:latin typeface="Arial" charset="0"/>
+              </a:rPr>
+              <a:t>Reminders:</a:t>
+            </a:r>
+          </a:p>
+          <a:p>
+            <a:pPr lvl="1"/>
+            <a:r>
+              <a:rPr lang="en-US" dirty="0">
+                <a:latin typeface="Arial" charset="0"/>
+              </a:rPr>
+              <a:t>Program 3 due 2/20</a:t>
+            </a:r>
+          </a:p>
+          <a:p>
+            <a:pPr lvl="1"/>
+            <a:r>
+              <a:rPr lang="en-US" dirty="0">
+                <a:latin typeface="Arial" charset="0"/>
+              </a:rPr>
+              <a:t>Exam 1: Friday, 2/23</a:t>
+            </a:r>
+          </a:p>
+          <a:p>
+            <a:pPr lvl="2"/>
+            <a:r>
+              <a:rPr lang="en-US" dirty="0">
+                <a:latin typeface="Arial" charset="0"/>
+              </a:rPr>
+              <a:t>Will be allowed one double-sided 8.5” x 11” note sheet</a:t>
+            </a:r>
+          </a:p>
+          <a:p>
+            <a:pPr lvl="2"/>
+            <a:r>
+              <a:rPr lang="en-US" dirty="0">
+                <a:latin typeface="Arial" charset="0"/>
+              </a:rPr>
+              <a:t>No calculators or other electronic devices </a:t>
             </a:r>
             <a:r>
               <a:rPr lang="en-US" dirty="0" smtClean="0">
-                <a:latin typeface="Courier New" pitchFamily="49" charset="0"/>
-                <a:ea typeface="+mn-ea"/>
-                <a:cs typeface="Courier New" pitchFamily="49" charset="0"/>
-              </a:rPr>
-              <a:t>while2.c</a:t>
-            </a:r>
+                <a:latin typeface="Arial" charset="0"/>
+              </a:rPr>
+              <a:t>allowed</a:t>
+            </a:r>
+          </a:p>
+          <a:p>
+            <a:pPr lvl="1"/>
             <a:r>
               <a:rPr lang="en-US" dirty="0" smtClean="0">
-                <a:ea typeface="+mn-ea"/>
-                <a:cs typeface="+mn-cs"/>
-              </a:rPr>
-              <a:t> for an example (on website)</a:t>
-            </a:r>
-          </a:p>
-          <a:p>
-            <a:pPr lvl="1">
-              <a:buFont typeface="Wingdings" pitchFamily="2" charset="2"/>
-              <a:buChar char="q"/>
-              <a:defRPr/>
-            </a:pPr>
-            <a:r>
-              <a:rPr lang="en-US" dirty="0" smtClean="0"/>
-              <a:t>Program to calculate average grade</a:t>
-            </a:r>
-          </a:p>
-          <a:p>
-            <a:pPr lvl="1">
-              <a:buFont typeface="Wingdings" pitchFamily="2" charset="2"/>
-              <a:buChar char="q"/>
-              <a:defRPr/>
-            </a:pPr>
-            <a:r>
-              <a:rPr lang="en-US" dirty="0" smtClean="0"/>
-              <a:t>First reads # of grades to enter, then list of grades</a:t>
-            </a:r>
-          </a:p>
-          <a:p>
-            <a:pPr lvl="1">
-              <a:buFont typeface="Wingdings" pitchFamily="2" charset="2"/>
-              <a:buChar char="q"/>
-              <a:defRPr/>
-            </a:pPr>
-            <a:r>
-              <a:rPr lang="en-US" dirty="0" smtClean="0"/>
-              <a:t>Keeps running sum of all grades entered</a:t>
-            </a:r>
-          </a:p>
-          <a:p>
-            <a:pPr lvl="1">
-              <a:buFont typeface="Wingdings" pitchFamily="2" charset="2"/>
-              <a:buChar char="q"/>
-              <a:defRPr/>
-            </a:pPr>
-            <a:r>
-              <a:rPr lang="en-US" dirty="0" smtClean="0"/>
-              <a:t>Calculates average at end</a:t>
-            </a:r>
-          </a:p>
-          <a:p>
-            <a:pPr lvl="1">
-              <a:buFont typeface="Wingdings" pitchFamily="2" charset="2"/>
-              <a:buChar char="q"/>
-              <a:defRPr/>
-            </a:pPr>
-            <a:r>
-              <a:rPr lang="en-US" dirty="0" smtClean="0"/>
-              <a:t>Loop:</a:t>
-            </a:r>
-          </a:p>
-          <a:p>
-            <a:pPr>
-              <a:buFont typeface="Wingdings" pitchFamily="2" charset="2"/>
-              <a:buNone/>
-              <a:defRPr/>
-            </a:pPr>
-            <a:r>
-              <a:rPr lang="en-US" sz="2600" dirty="0" smtClean="0">
-                <a:latin typeface="Courier New" pitchFamily="49" charset="0"/>
-                <a:ea typeface="+mn-ea"/>
-                <a:cs typeface="Courier New" pitchFamily="49" charset="0"/>
-              </a:rPr>
-              <a:t>while (</a:t>
-            </a:r>
-            <a:r>
-              <a:rPr lang="en-US" sz="2600" dirty="0" err="1" smtClean="0">
-                <a:latin typeface="Courier New" pitchFamily="49" charset="0"/>
-                <a:ea typeface="+mn-ea"/>
-                <a:cs typeface="Courier New" pitchFamily="49" charset="0"/>
-              </a:rPr>
-              <a:t>gradeCount</a:t>
-            </a:r>
-            <a:r>
-              <a:rPr lang="en-US" sz="2600" dirty="0" smtClean="0">
-                <a:latin typeface="Courier New" pitchFamily="49" charset="0"/>
-                <a:ea typeface="+mn-ea"/>
-                <a:cs typeface="Courier New" pitchFamily="49" charset="0"/>
-              </a:rPr>
-              <a:t> &lt; </a:t>
-            </a:r>
-            <a:r>
-              <a:rPr lang="en-US" sz="2600" dirty="0" err="1" smtClean="0">
-                <a:latin typeface="Courier New" pitchFamily="49" charset="0"/>
-                <a:ea typeface="+mn-ea"/>
-                <a:cs typeface="Courier New" pitchFamily="49" charset="0"/>
-              </a:rPr>
-              <a:t>numGrades</a:t>
-            </a:r>
-            <a:r>
-              <a:rPr lang="en-US" sz="2600" dirty="0" smtClean="0">
-                <a:latin typeface="Courier New" pitchFamily="49" charset="0"/>
-                <a:ea typeface="+mn-ea"/>
-                <a:cs typeface="Courier New" pitchFamily="49" charset="0"/>
-              </a:rPr>
-              <a:t>) {</a:t>
-            </a:r>
-          </a:p>
-          <a:p>
-            <a:pPr>
-              <a:buFont typeface="Wingdings" pitchFamily="2" charset="2"/>
-              <a:buNone/>
-              <a:defRPr/>
-            </a:pPr>
-            <a:r>
-              <a:rPr lang="en-US" sz="2600" dirty="0" smtClean="0">
-                <a:latin typeface="Courier New" pitchFamily="49" charset="0"/>
-                <a:ea typeface="+mn-ea"/>
-                <a:cs typeface="Courier New" pitchFamily="49" charset="0"/>
-              </a:rPr>
-              <a:t>	</a:t>
-            </a:r>
-            <a:r>
-              <a:rPr lang="en-US" sz="2600" dirty="0" err="1" smtClean="0">
-                <a:latin typeface="Courier New" pitchFamily="49" charset="0"/>
-                <a:ea typeface="+mn-ea"/>
-                <a:cs typeface="Courier New" pitchFamily="49" charset="0"/>
-              </a:rPr>
-              <a:t>scanf</a:t>
-            </a:r>
-            <a:r>
-              <a:rPr lang="en-US" sz="2600" dirty="0" smtClean="0">
-                <a:latin typeface="Courier New" pitchFamily="49" charset="0"/>
-                <a:ea typeface="+mn-ea"/>
-                <a:cs typeface="Courier New" pitchFamily="49" charset="0"/>
-              </a:rPr>
-              <a:t>("%lf", &amp;grade);			// Read grade</a:t>
-            </a:r>
-          </a:p>
-          <a:p>
-            <a:pPr>
-              <a:buFont typeface="Wingdings" pitchFamily="2" charset="2"/>
-              <a:buNone/>
-              <a:defRPr/>
-            </a:pPr>
-            <a:r>
-              <a:rPr lang="en-US" sz="2600" dirty="0" smtClean="0">
-                <a:latin typeface="Courier New" pitchFamily="49" charset="0"/>
-                <a:ea typeface="+mn-ea"/>
-                <a:cs typeface="Courier New" pitchFamily="49" charset="0"/>
-              </a:rPr>
-              <a:t>	</a:t>
-            </a:r>
-            <a:r>
-              <a:rPr lang="en-US" sz="2600" dirty="0" err="1" smtClean="0">
-                <a:latin typeface="Courier New" pitchFamily="49" charset="0"/>
-                <a:ea typeface="+mn-ea"/>
-                <a:cs typeface="Courier New" pitchFamily="49" charset="0"/>
-              </a:rPr>
-              <a:t>gradeSum</a:t>
-            </a:r>
-            <a:r>
-              <a:rPr lang="en-US" sz="2600" dirty="0" smtClean="0">
-                <a:latin typeface="Courier New" pitchFamily="49" charset="0"/>
-                <a:ea typeface="+mn-ea"/>
-                <a:cs typeface="Courier New" pitchFamily="49" charset="0"/>
-              </a:rPr>
-              <a:t> = </a:t>
-            </a:r>
-            <a:r>
-              <a:rPr lang="en-US" sz="2600" dirty="0" err="1" smtClean="0">
-                <a:latin typeface="Courier New" pitchFamily="49" charset="0"/>
-                <a:ea typeface="+mn-ea"/>
-                <a:cs typeface="Courier New" pitchFamily="49" charset="0"/>
-              </a:rPr>
-              <a:t>gradeSum</a:t>
-            </a:r>
-            <a:r>
-              <a:rPr lang="en-US" sz="2600" dirty="0" smtClean="0">
-                <a:latin typeface="Courier New" pitchFamily="49" charset="0"/>
-                <a:ea typeface="+mn-ea"/>
-                <a:cs typeface="Courier New" pitchFamily="49" charset="0"/>
-              </a:rPr>
-              <a:t> + grade;	// Add to sum</a:t>
-            </a:r>
-          </a:p>
-          <a:p>
-            <a:pPr>
-              <a:buFont typeface="Wingdings" pitchFamily="2" charset="2"/>
-              <a:buNone/>
-              <a:defRPr/>
-            </a:pPr>
-            <a:endParaRPr lang="en-US" sz="2600" dirty="0" smtClean="0">
-              <a:latin typeface="Courier New" pitchFamily="49" charset="0"/>
-              <a:ea typeface="+mn-ea"/>
-              <a:cs typeface="Courier New" pitchFamily="49" charset="0"/>
+                <a:latin typeface="Arial" charset="0"/>
+              </a:rPr>
+              <a:t>Thursday </a:t>
+            </a:r>
+            <a:r>
+              <a:rPr lang="en-US" dirty="0">
+                <a:latin typeface="Arial" charset="0"/>
+              </a:rPr>
+              <a:t>office hours (2/15 only): 11:30 AM-1 PM</a:t>
+            </a:r>
+          </a:p>
+          <a:p>
+            <a:pPr lvl="1"/>
+            <a:endParaRPr lang="en-US" dirty="0">
+              <a:latin typeface="Arial" charset="0"/>
             </a:endParaRPr>
-          </a:p>
-          <a:p>
-            <a:pPr>
-              <a:buFont typeface="Wingdings" pitchFamily="2" charset="2"/>
-              <a:buNone/>
-              <a:defRPr/>
-            </a:pPr>
-            <a:r>
-              <a:rPr lang="en-US" sz="2600" dirty="0" smtClean="0">
-                <a:latin typeface="Courier New" pitchFamily="49" charset="0"/>
-                <a:ea typeface="+mn-ea"/>
-                <a:cs typeface="Courier New" pitchFamily="49" charset="0"/>
-              </a:rPr>
-              <a:t>	</a:t>
-            </a:r>
-            <a:r>
-              <a:rPr lang="en-US" sz="2600" dirty="0" err="1" smtClean="0">
-                <a:latin typeface="Courier New" pitchFamily="49" charset="0"/>
-                <a:ea typeface="+mn-ea"/>
-                <a:cs typeface="Courier New" pitchFamily="49" charset="0"/>
-              </a:rPr>
-              <a:t>gradeCount</a:t>
-            </a:r>
-            <a:r>
-              <a:rPr lang="en-US" sz="2600" dirty="0" smtClean="0">
-                <a:latin typeface="Courier New" pitchFamily="49" charset="0"/>
-                <a:ea typeface="+mn-ea"/>
-                <a:cs typeface="Courier New" pitchFamily="49" charset="0"/>
-              </a:rPr>
-              <a:t> = </a:t>
-            </a:r>
-            <a:r>
-              <a:rPr lang="en-US" sz="2600" dirty="0" err="1" smtClean="0">
-                <a:latin typeface="Courier New" pitchFamily="49" charset="0"/>
-                <a:ea typeface="+mn-ea"/>
-                <a:cs typeface="Courier New" pitchFamily="49" charset="0"/>
-              </a:rPr>
-              <a:t>gradeCount</a:t>
-            </a:r>
-            <a:r>
-              <a:rPr lang="en-US" sz="2600" dirty="0" smtClean="0">
-                <a:latin typeface="Courier New" pitchFamily="49" charset="0"/>
-                <a:ea typeface="+mn-ea"/>
-                <a:cs typeface="Courier New" pitchFamily="49" charset="0"/>
-              </a:rPr>
-              <a:t> + 1;	// Inc. count</a:t>
-            </a:r>
-          </a:p>
-          <a:p>
-            <a:pPr>
-              <a:buFont typeface="Wingdings" pitchFamily="2" charset="2"/>
-              <a:buNone/>
-              <a:defRPr/>
-            </a:pPr>
-            <a:r>
-              <a:rPr lang="en-US" sz="2600" dirty="0" smtClean="0">
-                <a:latin typeface="Courier New" pitchFamily="49" charset="0"/>
-                <a:ea typeface="+mn-ea"/>
-                <a:cs typeface="Courier New" pitchFamily="49" charset="0"/>
-              </a:rPr>
-              <a:t>}</a:t>
-            </a:r>
-          </a:p>
-          <a:p>
-            <a:pPr lvl="1">
-              <a:buFont typeface="Wingdings" pitchFamily="2" charset="2"/>
-              <a:buNone/>
-              <a:defRPr/>
-            </a:pPr>
-            <a:endParaRPr lang="en-US" dirty="0"/>
           </a:p>
         </p:txBody>
       </p:sp>
       <p:sp>
         <p:nvSpPr>
-          <p:cNvPr id="11268" name="Date Placeholder 3"/>
+          <p:cNvPr id="19460" name="Date Placeholder 3"/>
           <p:cNvSpPr>
             <a:spLocks noGrp="1"/>
           </p:cNvSpPr>
@@ -13496,11 +13257,11 @@
             </a:lvl9pPr>
           </a:lstStyle>
           <a:p>
-            <a:fld id="{69BEC986-C39B-BE4C-9CB0-1C0E963FFC4B}" type="datetime1">
+            <a:fld id="{24C213A3-F72E-B64F-A133-56096033DB5B}" type="datetime1">
               <a:rPr lang="en-US" sz="1200" smtClean="0">
                 <a:latin typeface="Garamond" charset="0"/>
               </a:rPr>
-              <a:t>2/14/18</a:t>
+              <a:t>2/15/18</a:t>
             </a:fld>
             <a:endParaRPr lang="en-US" sz="1200">
               <a:latin typeface="Garamond" charset="0"/>
@@ -13536,7 +13297,7 @@
       </p:sp>
       <p:sp>
         <p:nvSpPr>
-          <p:cNvPr id="11270" name="Slide Number Placeholder 5"/>
+          <p:cNvPr id="19462" name="Slide Number Placeholder 5"/>
           <p:cNvSpPr>
             <a:spLocks noGrp="1"/>
           </p:cNvSpPr>
@@ -13658,7 +13419,7 @@
             </a:lvl9pPr>
           </a:lstStyle>
           <a:p>
-            <a:fld id="{7A48EA35-D6B5-FC45-8DB4-15C96A732D59}" type="slidenum">
+            <a:fld id="{EE1F3F54-BCAA-B040-A65E-A190E5336A91}" type="slidenum">
               <a:rPr lang="en-US" sz="1200">
                 <a:latin typeface="Garamond" charset="0"/>
               </a:rPr>
@@ -13672,11 +13433,6 @@
         </p:txBody>
       </p:sp>
     </p:spTree>
-    <p:extLst>
-      <p:ext uri="{BB962C8B-B14F-4D97-AF65-F5344CB8AC3E}">
-        <p14:creationId xmlns:p14="http://schemas.microsoft.com/office/powerpoint/2010/main" val="3210752619"/>
-      </p:ext>
-    </p:extLst>
   </p:cSld>
   <p:clrMapOvr>
     <a:masterClrMapping/>
@@ -13819,68 +13575,59 @@
           <a:p>
             <a:pPr lvl="1"/>
             <a:r>
+              <a:rPr lang="en-US" dirty="0" smtClean="0">
+                <a:latin typeface="Arial" charset="0"/>
+              </a:rPr>
+              <a:t>Thursday office hours (2/15 only): 11:30 AM-1 PM</a:t>
+            </a:r>
+          </a:p>
+          <a:p>
+            <a:r>
+              <a:rPr lang="en-US" dirty="0" smtClean="0">
+                <a:latin typeface="Arial" charset="0"/>
+              </a:rPr>
+              <a:t>Review</a:t>
+            </a:r>
+          </a:p>
+          <a:p>
+            <a:pPr lvl="1"/>
+            <a:r>
+              <a:rPr lang="en-US" dirty="0" smtClean="0">
+                <a:latin typeface="Arial" charset="0"/>
+              </a:rPr>
+              <a:t>Range checking with if statements</a:t>
+            </a:r>
+          </a:p>
+          <a:p>
+            <a:r>
+              <a:rPr lang="en-US" dirty="0" smtClean="0">
+                <a:latin typeface="Arial" charset="0"/>
+              </a:rPr>
+              <a:t>Today’s </a:t>
+            </a:r>
+            <a:r>
+              <a:rPr lang="en-US" dirty="0">
+                <a:latin typeface="Arial" charset="0"/>
+              </a:rPr>
+              <a:t>lecture</a:t>
+            </a:r>
+          </a:p>
+          <a:p>
+            <a:pPr lvl="1"/>
+            <a:r>
+              <a:rPr lang="en-US" dirty="0" smtClean="0">
+                <a:latin typeface="Arial" charset="0"/>
+              </a:rPr>
+              <a:t>Switch statements</a:t>
+            </a:r>
+          </a:p>
+          <a:p>
+            <a:pPr lvl="1"/>
+            <a:r>
               <a:rPr lang="en-US" smtClean="0">
                 <a:latin typeface="Arial" charset="0"/>
               </a:rPr>
-              <a:t>Thursday </a:t>
-            </a:r>
-            <a:r>
-              <a:rPr lang="en-US" dirty="0" smtClean="0">
-                <a:latin typeface="Arial" charset="0"/>
-              </a:rPr>
-              <a:t>office hours (2/15 only): 11:30 AM-1 PM</a:t>
-            </a:r>
-          </a:p>
-          <a:p>
-            <a:r>
-              <a:rPr lang="en-US" dirty="0" smtClean="0">
-                <a:latin typeface="Arial" charset="0"/>
-              </a:rPr>
-              <a:t>Review</a:t>
-            </a:r>
-            <a:endParaRPr lang="en-US" dirty="0" smtClean="0">
-              <a:latin typeface="Arial" charset="0"/>
-            </a:endParaRPr>
-          </a:p>
-          <a:p>
-            <a:pPr lvl="1"/>
-            <a:r>
-              <a:rPr lang="en-US" dirty="0" smtClean="0">
-                <a:latin typeface="Arial" charset="0"/>
-              </a:rPr>
-              <a:t>Range checking with if statements</a:t>
-            </a:r>
-          </a:p>
-          <a:p>
-            <a:r>
-              <a:rPr lang="en-US" dirty="0" smtClean="0">
-                <a:latin typeface="Arial" charset="0"/>
-              </a:rPr>
-              <a:t>Today’s </a:t>
-            </a:r>
-            <a:r>
-              <a:rPr lang="en-US" dirty="0">
-                <a:latin typeface="Arial" charset="0"/>
-              </a:rPr>
-              <a:t>lecture</a:t>
-            </a:r>
-          </a:p>
-          <a:p>
-            <a:pPr lvl="1"/>
-            <a:r>
-              <a:rPr lang="en-US" dirty="0" smtClean="0">
-                <a:latin typeface="Arial" charset="0"/>
-              </a:rPr>
-              <a:t>Switch statements</a:t>
-            </a:r>
-          </a:p>
-          <a:p>
-            <a:pPr lvl="1"/>
-            <a:r>
-              <a:rPr lang="en-US" dirty="0" smtClean="0">
-                <a:latin typeface="Arial" charset="0"/>
-              </a:rPr>
-              <a:t>Debugger demonstration</a:t>
+              <a:t>While loops</a:t>
             </a:r>
             <a:endParaRPr lang="en-US" dirty="0">
               <a:latin typeface="Arial" charset="0"/>
@@ -14016,7 +13763,7 @@
               <a:rPr lang="en-US" sz="1200" smtClean="0">
                 <a:latin typeface="Garamond" charset="0"/>
               </a:rPr>
-              <a:t>2/14/18</a:t>
+              <a:t>2/15/18</a:t>
             </a:fld>
             <a:endParaRPr lang="en-US" sz="1200">
               <a:latin typeface="Garamond" charset="0"/>
@@ -14180,4807 +13927,6 @@
               </a:rPr>
               <a:pPr/>
               <a:t>2</a:t>
-            </a:fld>
-            <a:endParaRPr lang="en-US" sz="1200">
-              <a:latin typeface="Garamond" charset="0"/>
-            </a:endParaRPr>
-          </a:p>
-        </p:txBody>
-      </p:sp>
-    </p:spTree>
-  </p:cSld>
-  <p:clrMapOvr>
-    <a:masterClrMapping/>
-  </p:clrMapOvr>
-  <p:timing>
-    <p:tnLst>
-      <p:par>
-        <p:cTn xmlns:p14="http://schemas.microsoft.com/office/powerpoint/2010/main" id="1" dur="indefinite" restart="never" nodeType="tmRoot"/>
-      </p:par>
-    </p:tnLst>
-  </p:timing>
-</p:sld>
-</file>
-
-<file path=ppt/slides/slide20.xml><?xml version="1.0" encoding="utf-8"?>
-<p:sld xmlns:a="http://schemas.openxmlformats.org/drawingml/2006/main" xmlns:r="http://schemas.openxmlformats.org/officeDocument/2006/relationships" xmlns:p="http://schemas.openxmlformats.org/presentationml/2006/main">
-  <p:cSld>
-    <p:spTree>
-      <p:nvGrpSpPr>
-        <p:cNvPr id="1" name=""/>
-        <p:cNvGrpSpPr/>
-        <p:nvPr/>
-      </p:nvGrpSpPr>
-      <p:grpSpPr>
-        <a:xfrm>
-          <a:off x="0" y="0"/>
-          <a:ext cx="0" cy="0"/>
-          <a:chOff x="0" y="0"/>
-          <a:chExt cx="0" cy="0"/>
-        </a:xfrm>
-      </p:grpSpPr>
-      <p:sp>
-        <p:nvSpPr>
-          <p:cNvPr id="12290" name="Title 1"/>
-          <p:cNvSpPr>
-            <a:spLocks noGrp="1"/>
-          </p:cNvSpPr>
-          <p:nvPr>
-            <p:ph type="title"/>
-          </p:nvPr>
-        </p:nvSpPr>
-        <p:spPr/>
-        <p:txBody>
-          <a:bodyPr/>
-          <a:lstStyle/>
-          <a:p>
-            <a:r>
-              <a:rPr lang="en-US">
-                <a:latin typeface="Garamond" charset="0"/>
-              </a:rPr>
-              <a:t>Application: sentinel value</a:t>
-            </a:r>
-          </a:p>
-        </p:txBody>
-      </p:sp>
-      <p:sp>
-        <p:nvSpPr>
-          <p:cNvPr id="12291" name="Content Placeholder 2"/>
-          <p:cNvSpPr>
-            <a:spLocks noGrp="1"/>
-          </p:cNvSpPr>
-          <p:nvPr>
-            <p:ph idx="1"/>
-          </p:nvPr>
-        </p:nvSpPr>
-        <p:spPr>
-          <a:xfrm>
-            <a:off x="457200" y="990600"/>
-            <a:ext cx="8229600" cy="5140325"/>
-          </a:xfrm>
-        </p:spPr>
-        <p:txBody>
-          <a:bodyPr/>
-          <a:lstStyle/>
-          <a:p>
-            <a:pPr>
-              <a:lnSpc>
-                <a:spcPct val="80000"/>
-              </a:lnSpc>
-            </a:pPr>
-            <a:r>
-              <a:rPr lang="en-US" sz="1700">
-                <a:latin typeface="Arial" charset="0"/>
-              </a:rPr>
-              <a:t>Common to read input until a certain value(</a:t>
-            </a:r>
-            <a:r>
-              <a:rPr lang="en-US" sz="1700">
-                <a:solidFill>
-                  <a:srgbClr val="FF0000"/>
-                </a:solidFill>
-                <a:latin typeface="Arial" charset="0"/>
-              </a:rPr>
-              <a:t>sentinel</a:t>
-            </a:r>
-            <a:r>
-              <a:rPr lang="en-US" sz="1700">
-                <a:latin typeface="Arial" charset="0"/>
-              </a:rPr>
-              <a:t>) is entered</a:t>
-            </a:r>
-          </a:p>
-          <a:p>
-            <a:pPr lvl="1">
-              <a:lnSpc>
-                <a:spcPct val="80000"/>
-              </a:lnSpc>
-            </a:pPr>
-            <a:r>
-              <a:rPr lang="en-US" sz="1400">
-                <a:latin typeface="Arial" charset="0"/>
-              </a:rPr>
-              <a:t>May be predetermined (i.e., run program until user enters </a:t>
-            </a:r>
-            <a:r>
-              <a:rPr lang="ja-JP" altLang="en-US" sz="1400">
-                <a:latin typeface="Arial" charset="0"/>
-              </a:rPr>
-              <a:t>‘</a:t>
-            </a:r>
-            <a:r>
-              <a:rPr lang="en-US" altLang="ja-JP" sz="1400">
-                <a:latin typeface="Arial" charset="0"/>
-              </a:rPr>
-              <a:t>q</a:t>
-            </a:r>
-            <a:r>
-              <a:rPr lang="ja-JP" altLang="en-US" sz="1400">
-                <a:latin typeface="Arial" charset="0"/>
-              </a:rPr>
-              <a:t>’</a:t>
-            </a:r>
-            <a:r>
-              <a:rPr lang="en-US" altLang="ja-JP" sz="1400">
-                <a:latin typeface="Arial" charset="0"/>
-              </a:rPr>
-              <a:t> for </a:t>
-            </a:r>
-            <a:r>
-              <a:rPr lang="ja-JP" altLang="en-US" sz="1400">
-                <a:latin typeface="Arial" charset="0"/>
-              </a:rPr>
-              <a:t>“</a:t>
-            </a:r>
-            <a:r>
-              <a:rPr lang="en-US" altLang="ja-JP" sz="1400">
-                <a:latin typeface="Arial" charset="0"/>
-              </a:rPr>
-              <a:t>quit</a:t>
-            </a:r>
-            <a:r>
-              <a:rPr lang="ja-JP" altLang="en-US" sz="1400">
-                <a:latin typeface="Arial" charset="0"/>
-              </a:rPr>
-              <a:t>”</a:t>
-            </a:r>
-            <a:r>
-              <a:rPr lang="en-US" altLang="ja-JP" sz="1400">
-                <a:latin typeface="Arial" charset="0"/>
-              </a:rPr>
-              <a:t>)</a:t>
-            </a:r>
-          </a:p>
-          <a:p>
-            <a:pPr lvl="1">
-              <a:lnSpc>
-                <a:spcPct val="80000"/>
-              </a:lnSpc>
-            </a:pPr>
-            <a:r>
-              <a:rPr lang="en-US" sz="1400">
-                <a:latin typeface="Arial" charset="0"/>
-              </a:rPr>
-              <a:t>Run until invalid value entered</a:t>
-            </a:r>
-          </a:p>
-          <a:p>
-            <a:pPr lvl="1">
-              <a:lnSpc>
-                <a:spcPct val="80000"/>
-              </a:lnSpc>
-            </a:pPr>
-            <a:r>
-              <a:rPr lang="en-US" sz="1400">
-                <a:latin typeface="Arial" charset="0"/>
-              </a:rPr>
-              <a:t>In file input, will often run until end of file</a:t>
-            </a:r>
-          </a:p>
-          <a:p>
-            <a:pPr>
-              <a:lnSpc>
-                <a:spcPct val="80000"/>
-              </a:lnSpc>
-            </a:pPr>
-            <a:r>
-              <a:rPr lang="en-US" sz="1700">
-                <a:latin typeface="Arial" charset="0"/>
-              </a:rPr>
-              <a:t>See </a:t>
-            </a:r>
-            <a:r>
-              <a:rPr lang="en-US" sz="1700">
-                <a:latin typeface="Courier New" charset="0"/>
-                <a:cs typeface="Courier New" charset="0"/>
-              </a:rPr>
-              <a:t>while3.c</a:t>
-            </a:r>
-            <a:r>
-              <a:rPr lang="en-US" sz="1700">
-                <a:latin typeface="Arial" charset="0"/>
-              </a:rPr>
-              <a:t> for an example (on website)</a:t>
-            </a:r>
-          </a:p>
-          <a:p>
-            <a:pPr lvl="1">
-              <a:lnSpc>
-                <a:spcPct val="80000"/>
-              </a:lnSpc>
-            </a:pPr>
-            <a:r>
-              <a:rPr lang="en-US" sz="1400">
-                <a:latin typeface="Arial" charset="0"/>
-              </a:rPr>
-              <a:t>Refined version of average grade program</a:t>
-            </a:r>
-          </a:p>
-          <a:p>
-            <a:pPr lvl="1">
-              <a:lnSpc>
-                <a:spcPct val="80000"/>
-              </a:lnSpc>
-            </a:pPr>
-            <a:r>
-              <a:rPr lang="en-US" sz="1400">
-                <a:latin typeface="Arial" charset="0"/>
-              </a:rPr>
-              <a:t>Core of program:</a:t>
-            </a:r>
-          </a:p>
-          <a:p>
-            <a:pPr>
-              <a:lnSpc>
-                <a:spcPct val="80000"/>
-              </a:lnSpc>
-              <a:buFont typeface="Wingdings" charset="0"/>
-              <a:buNone/>
-            </a:pPr>
-            <a:r>
-              <a:rPr lang="en-US" sz="1800">
-                <a:latin typeface="Courier New" charset="0"/>
-                <a:cs typeface="Courier New" charset="0"/>
-              </a:rPr>
-              <a:t>// Prompt for and read first grade</a:t>
-            </a:r>
-          </a:p>
-          <a:p>
-            <a:pPr>
-              <a:lnSpc>
-                <a:spcPct val="80000"/>
-              </a:lnSpc>
-              <a:buFont typeface="Wingdings" charset="0"/>
-              <a:buNone/>
-            </a:pPr>
-            <a:r>
-              <a:rPr lang="en-US" sz="1800">
-                <a:latin typeface="Courier New" charset="0"/>
-                <a:cs typeface="Courier New" charset="0"/>
-              </a:rPr>
-              <a:t>printf("Enter grade: ");</a:t>
-            </a:r>
-          </a:p>
-          <a:p>
-            <a:pPr>
-              <a:lnSpc>
-                <a:spcPct val="80000"/>
-              </a:lnSpc>
-              <a:buFont typeface="Wingdings" charset="0"/>
-              <a:buNone/>
-            </a:pPr>
-            <a:r>
-              <a:rPr lang="en-US" sz="1800">
-                <a:latin typeface="Courier New" charset="0"/>
-                <a:cs typeface="Courier New" charset="0"/>
-              </a:rPr>
-              <a:t>scanf("%lf", &amp;grade);</a:t>
-            </a:r>
-          </a:p>
-          <a:p>
-            <a:pPr>
-              <a:lnSpc>
-                <a:spcPct val="80000"/>
-              </a:lnSpc>
-              <a:buFont typeface="Wingdings" charset="0"/>
-              <a:buNone/>
-            </a:pPr>
-            <a:endParaRPr lang="en-US" sz="1800">
-              <a:latin typeface="Courier New" charset="0"/>
-              <a:cs typeface="Courier New" charset="0"/>
-            </a:endParaRPr>
-          </a:p>
-          <a:p>
-            <a:pPr>
-              <a:lnSpc>
-                <a:spcPct val="80000"/>
-              </a:lnSpc>
-              <a:buFont typeface="Wingdings" charset="0"/>
-              <a:buNone/>
-            </a:pPr>
-            <a:r>
-              <a:rPr lang="en-US" sz="1800">
-                <a:latin typeface="Courier New" charset="0"/>
-                <a:cs typeface="Courier New" charset="0"/>
-              </a:rPr>
-              <a:t>/* Continue reading/accumulating grades until invalid </a:t>
-            </a:r>
-          </a:p>
-          <a:p>
-            <a:pPr>
-              <a:lnSpc>
-                <a:spcPct val="80000"/>
-              </a:lnSpc>
-              <a:buFont typeface="Wingdings" charset="0"/>
-              <a:buNone/>
-            </a:pPr>
-            <a:r>
-              <a:rPr lang="en-US" sz="1800">
-                <a:latin typeface="Courier New" charset="0"/>
-                <a:cs typeface="Courier New" charset="0"/>
-              </a:rPr>
-              <a:t>		value entered */</a:t>
-            </a:r>
-          </a:p>
-          <a:p>
-            <a:pPr>
-              <a:lnSpc>
-                <a:spcPct val="80000"/>
-              </a:lnSpc>
-              <a:buFont typeface="Wingdings" charset="0"/>
-              <a:buNone/>
-            </a:pPr>
-            <a:r>
-              <a:rPr lang="en-US" sz="1800">
-                <a:latin typeface="Courier New" charset="0"/>
-                <a:cs typeface="Courier New" charset="0"/>
-              </a:rPr>
-              <a:t>while ((grade &gt;= 0.0) &amp;&amp; (grade &lt;= 100.0)) {</a:t>
-            </a:r>
-          </a:p>
-          <a:p>
-            <a:pPr>
-              <a:lnSpc>
-                <a:spcPct val="80000"/>
-              </a:lnSpc>
-              <a:buFont typeface="Wingdings" charset="0"/>
-              <a:buNone/>
-            </a:pPr>
-            <a:r>
-              <a:rPr lang="pt-BR" sz="1800">
-                <a:latin typeface="Courier New" charset="0"/>
-                <a:cs typeface="Courier New" charset="0"/>
-              </a:rPr>
-              <a:t>	gradeSum = gradeSum + grade;	// Accumulate grade</a:t>
-            </a:r>
-          </a:p>
-          <a:p>
-            <a:pPr>
-              <a:lnSpc>
-                <a:spcPct val="80000"/>
-              </a:lnSpc>
-              <a:buFont typeface="Wingdings" charset="0"/>
-              <a:buNone/>
-            </a:pPr>
-            <a:r>
-              <a:rPr lang="en-US" sz="1800">
-                <a:latin typeface="Courier New" charset="0"/>
-                <a:cs typeface="Courier New" charset="0"/>
-              </a:rPr>
-              <a:t>	gradeCount = gradeCount + 1;	// Increment grade count</a:t>
-            </a:r>
-          </a:p>
-          <a:p>
-            <a:pPr>
-              <a:lnSpc>
-                <a:spcPct val="80000"/>
-              </a:lnSpc>
-              <a:buFont typeface="Wingdings" charset="0"/>
-              <a:buNone/>
-            </a:pPr>
-            <a:r>
-              <a:rPr lang="en-US" sz="1800">
-                <a:latin typeface="Courier New" charset="0"/>
-                <a:cs typeface="Courier New" charset="0"/>
-              </a:rPr>
-              <a:t>	printf("Enter grade: ");		// Prompt for and</a:t>
-            </a:r>
-          </a:p>
-          <a:p>
-            <a:pPr>
-              <a:lnSpc>
-                <a:spcPct val="80000"/>
-              </a:lnSpc>
-              <a:buFont typeface="Wingdings" charset="0"/>
-              <a:buNone/>
-            </a:pPr>
-            <a:r>
-              <a:rPr lang="en-US" sz="1800">
-                <a:latin typeface="Courier New" charset="0"/>
-                <a:cs typeface="Courier New" charset="0"/>
-              </a:rPr>
-              <a:t>	scanf("%lf", &amp;grade);		//   read next grade</a:t>
-            </a:r>
-          </a:p>
-          <a:p>
-            <a:pPr>
-              <a:lnSpc>
-                <a:spcPct val="80000"/>
-              </a:lnSpc>
-              <a:buFont typeface="Wingdings" charset="0"/>
-              <a:buNone/>
-            </a:pPr>
-            <a:r>
-              <a:rPr lang="en-US" sz="1800">
-                <a:latin typeface="Courier New" charset="0"/>
-                <a:cs typeface="Courier New" charset="0"/>
-              </a:rPr>
-              <a:t>}</a:t>
-            </a:r>
-          </a:p>
-          <a:p>
-            <a:pPr lvl="1">
-              <a:lnSpc>
-                <a:spcPct val="80000"/>
-              </a:lnSpc>
-              <a:buFont typeface="Wingdings" charset="0"/>
-              <a:buNone/>
-            </a:pPr>
-            <a:endParaRPr lang="en-US" sz="1400">
-              <a:latin typeface="Arial" charset="0"/>
-            </a:endParaRPr>
-          </a:p>
-        </p:txBody>
-      </p:sp>
-      <p:sp>
-        <p:nvSpPr>
-          <p:cNvPr id="12292" name="Date Placeholder 3"/>
-          <p:cNvSpPr>
-            <a:spLocks noGrp="1"/>
-          </p:cNvSpPr>
-          <p:nvPr>
-            <p:ph type="dt" sz="quarter" idx="10"/>
-          </p:nvPr>
-        </p:nvSpPr>
-        <p:spPr>
-          <a:noFill/>
-          <a:ln/>
-          <a:extLst>
-            <a:ext uri="{909E8E84-426E-40dd-AFC4-6F175D3DCCD1}">
-              <a14:hiddenFill xmlns:a14="http://schemas.microsoft.com/office/drawing/2010/main">
-                <a:solidFill>
-                  <a:srgbClr val="FFFFFF"/>
-                </a:solidFill>
-              </a14:hiddenFill>
-            </a:ext>
-            <a:ext uri="{91240B29-F687-4f45-9708-019B960494DF}">
-              <a14:hiddenLine xmlns:a14="http://schemas.microsoft.com/office/drawing/2010/main" w="9525">
-                <a:solidFill>
-                  <a:srgbClr val="000000"/>
-                </a:solidFill>
-                <a:miter lim="800000"/>
-                <a:headEnd/>
-                <a:tailEnd/>
-              </a14:hiddenLine>
-            </a:ext>
-          </a:extLst>
-        </p:spPr>
-        <p:txBody>
-          <a:bodyPr/>
-          <a:lstStyle>
-            <a:lvl1pPr>
-              <a:defRPr sz="3000">
-                <a:solidFill>
-                  <a:schemeClr val="tx1"/>
-                </a:solidFill>
-                <a:latin typeface="Arial" charset="0"/>
-                <a:ea typeface="ＭＳ Ｐゴシック" charset="0"/>
-                <a:cs typeface="ＭＳ Ｐゴシック" charset="0"/>
-              </a:defRPr>
-            </a:lvl1pPr>
-            <a:lvl2pPr marL="742950" indent="-285750">
-              <a:defRPr sz="2600">
-                <a:solidFill>
-                  <a:schemeClr val="tx1"/>
-                </a:solidFill>
-                <a:latin typeface="Arial" charset="0"/>
-                <a:ea typeface="ＭＳ Ｐゴシック" charset="0"/>
-              </a:defRPr>
-            </a:lvl2pPr>
-            <a:lvl3pPr marL="1143000" indent="-228600">
-              <a:defRPr sz="2200">
-                <a:solidFill>
-                  <a:schemeClr val="tx1"/>
-                </a:solidFill>
-                <a:latin typeface="Arial" charset="0"/>
-                <a:ea typeface="ＭＳ Ｐゴシック" charset="0"/>
-              </a:defRPr>
-            </a:lvl3pPr>
-            <a:lvl4pPr marL="1600200" indent="-228600">
-              <a:defRPr sz="2000">
-                <a:solidFill>
-                  <a:schemeClr val="tx1"/>
-                </a:solidFill>
-                <a:latin typeface="Arial" charset="0"/>
-                <a:ea typeface="ＭＳ Ｐゴシック" charset="0"/>
-              </a:defRPr>
-            </a:lvl4pPr>
-            <a:lvl5pPr marL="2057400" indent="-228600">
-              <a:defRPr sz="2000">
-                <a:solidFill>
-                  <a:schemeClr val="tx1"/>
-                </a:solidFill>
-                <a:latin typeface="Arial" charset="0"/>
-                <a:ea typeface="ＭＳ Ｐゴシック" charset="0"/>
-              </a:defRPr>
-            </a:lvl5pPr>
-            <a:lvl6pPr marL="2514600" indent="-228600" eaLnBrk="0" hangingPunct="0">
-              <a:buFont typeface="Wingdings" charset="0"/>
-              <a:defRPr sz="2000">
-                <a:solidFill>
-                  <a:schemeClr val="tx1"/>
-                </a:solidFill>
-                <a:latin typeface="Arial" charset="0"/>
-                <a:ea typeface="ＭＳ Ｐゴシック" charset="0"/>
-              </a:defRPr>
-            </a:lvl6pPr>
-            <a:lvl7pPr marL="2971800" indent="-228600" eaLnBrk="0" hangingPunct="0">
-              <a:buFont typeface="Wingdings" charset="0"/>
-              <a:defRPr sz="2000">
-                <a:solidFill>
-                  <a:schemeClr val="tx1"/>
-                </a:solidFill>
-                <a:latin typeface="Arial" charset="0"/>
-                <a:ea typeface="ＭＳ Ｐゴシック" charset="0"/>
-              </a:defRPr>
-            </a:lvl7pPr>
-            <a:lvl8pPr marL="3429000" indent="-228600" eaLnBrk="0" hangingPunct="0">
-              <a:buFont typeface="Wingdings" charset="0"/>
-              <a:defRPr sz="2000">
-                <a:solidFill>
-                  <a:schemeClr val="tx1"/>
-                </a:solidFill>
-                <a:latin typeface="Arial" charset="0"/>
-                <a:ea typeface="ＭＳ Ｐゴシック" charset="0"/>
-              </a:defRPr>
-            </a:lvl8pPr>
-            <a:lvl9pPr marL="3886200" indent="-228600" eaLnBrk="0" hangingPunct="0">
-              <a:buFont typeface="Wingdings" charset="0"/>
-              <a:defRPr sz="2000">
-                <a:solidFill>
-                  <a:schemeClr val="tx1"/>
-                </a:solidFill>
-                <a:latin typeface="Arial" charset="0"/>
-                <a:ea typeface="ＭＳ Ｐゴシック" charset="0"/>
-              </a:defRPr>
-            </a:lvl9pPr>
-          </a:lstStyle>
-          <a:p>
-            <a:fld id="{33DB7743-4700-F040-834F-E7EB4F15C284}" type="datetime1">
-              <a:rPr lang="en-US" sz="1200" smtClean="0">
-                <a:latin typeface="Garamond" charset="0"/>
-              </a:rPr>
-              <a:t>2/14/18</a:t>
-            </a:fld>
-            <a:endParaRPr lang="en-US" sz="1200">
-              <a:latin typeface="Garamond" charset="0"/>
-            </a:endParaRPr>
-          </a:p>
-        </p:txBody>
-      </p:sp>
-      <p:sp>
-        <p:nvSpPr>
-          <p:cNvPr id="5" name="Footer Placeholder 4"/>
-          <p:cNvSpPr>
-            <a:spLocks noGrp="1"/>
-          </p:cNvSpPr>
-          <p:nvPr>
-            <p:ph type="ftr" sz="quarter" idx="11"/>
-          </p:nvPr>
-        </p:nvSpPr>
-        <p:spPr/>
-        <p:txBody>
-          <a:bodyPr/>
-          <a:lstStyle/>
-          <a:p>
-            <a:pPr>
-              <a:defRPr/>
-            </a:pPr>
-            <a:r>
-              <a:rPr lang="en-US" altLang="en-US" smtClean="0"/>
-              <a:t>ECE Application Programming: Lecture 10</a:t>
-            </a:r>
-            <a:endParaRPr lang="en-US" altLang="en-US"/>
-          </a:p>
-        </p:txBody>
-      </p:sp>
-      <p:sp>
-        <p:nvSpPr>
-          <p:cNvPr id="12294" name="Slide Number Placeholder 5"/>
-          <p:cNvSpPr>
-            <a:spLocks noGrp="1"/>
-          </p:cNvSpPr>
-          <p:nvPr>
-            <p:ph type="sldNum" sz="quarter" idx="12"/>
-          </p:nvPr>
-        </p:nvSpPr>
-        <p:spPr>
-          <a:noFill/>
-          <a:ln/>
-          <a:extLst>
-            <a:ext uri="{909E8E84-426E-40dd-AFC4-6F175D3DCCD1}">
-              <a14:hiddenFill xmlns:a14="http://schemas.microsoft.com/office/drawing/2010/main">
-                <a:solidFill>
-                  <a:srgbClr val="FFFFFF"/>
-                </a:solidFill>
-              </a14:hiddenFill>
-            </a:ext>
-            <a:ext uri="{91240B29-F687-4f45-9708-019B960494DF}">
-              <a14:hiddenLine xmlns:a14="http://schemas.microsoft.com/office/drawing/2010/main" w="9525">
-                <a:solidFill>
-                  <a:srgbClr val="000000"/>
-                </a:solidFill>
-                <a:miter lim="800000"/>
-                <a:headEnd/>
-                <a:tailEnd/>
-              </a14:hiddenLine>
-            </a:ext>
-          </a:extLst>
-        </p:spPr>
-        <p:txBody>
-          <a:bodyPr/>
-          <a:lstStyle>
-            <a:lvl1pPr>
-              <a:defRPr sz="3000">
-                <a:solidFill>
-                  <a:schemeClr val="tx1"/>
-                </a:solidFill>
-                <a:latin typeface="Arial" charset="0"/>
-                <a:ea typeface="ＭＳ Ｐゴシック" charset="0"/>
-                <a:cs typeface="ＭＳ Ｐゴシック" charset="0"/>
-              </a:defRPr>
-            </a:lvl1pPr>
-            <a:lvl2pPr marL="742950" indent="-285750">
-              <a:defRPr sz="2600">
-                <a:solidFill>
-                  <a:schemeClr val="tx1"/>
-                </a:solidFill>
-                <a:latin typeface="Arial" charset="0"/>
-                <a:ea typeface="ＭＳ Ｐゴシック" charset="0"/>
-              </a:defRPr>
-            </a:lvl2pPr>
-            <a:lvl3pPr marL="1143000" indent="-228600">
-              <a:defRPr sz="2200">
-                <a:solidFill>
-                  <a:schemeClr val="tx1"/>
-                </a:solidFill>
-                <a:latin typeface="Arial" charset="0"/>
-                <a:ea typeface="ＭＳ Ｐゴシック" charset="0"/>
-              </a:defRPr>
-            </a:lvl3pPr>
-            <a:lvl4pPr marL="1600200" indent="-228600">
-              <a:defRPr sz="2000">
-                <a:solidFill>
-                  <a:schemeClr val="tx1"/>
-                </a:solidFill>
-                <a:latin typeface="Arial" charset="0"/>
-                <a:ea typeface="ＭＳ Ｐゴシック" charset="0"/>
-              </a:defRPr>
-            </a:lvl4pPr>
-            <a:lvl5pPr marL="2057400" indent="-228600">
-              <a:defRPr sz="2000">
-                <a:solidFill>
-                  <a:schemeClr val="tx1"/>
-                </a:solidFill>
-                <a:latin typeface="Arial" charset="0"/>
-                <a:ea typeface="ＭＳ Ｐゴシック" charset="0"/>
-              </a:defRPr>
-            </a:lvl5pPr>
-            <a:lvl6pPr marL="2514600" indent="-228600" eaLnBrk="0" hangingPunct="0">
-              <a:buFont typeface="Wingdings" charset="0"/>
-              <a:defRPr sz="2000">
-                <a:solidFill>
-                  <a:schemeClr val="tx1"/>
-                </a:solidFill>
-                <a:latin typeface="Arial" charset="0"/>
-                <a:ea typeface="ＭＳ Ｐゴシック" charset="0"/>
-              </a:defRPr>
-            </a:lvl6pPr>
-            <a:lvl7pPr marL="2971800" indent="-228600" eaLnBrk="0" hangingPunct="0">
-              <a:buFont typeface="Wingdings" charset="0"/>
-              <a:defRPr sz="2000">
-                <a:solidFill>
-                  <a:schemeClr val="tx1"/>
-                </a:solidFill>
-                <a:latin typeface="Arial" charset="0"/>
-                <a:ea typeface="ＭＳ Ｐゴシック" charset="0"/>
-              </a:defRPr>
-            </a:lvl7pPr>
-            <a:lvl8pPr marL="3429000" indent="-228600" eaLnBrk="0" hangingPunct="0">
-              <a:buFont typeface="Wingdings" charset="0"/>
-              <a:defRPr sz="2000">
-                <a:solidFill>
-                  <a:schemeClr val="tx1"/>
-                </a:solidFill>
-                <a:latin typeface="Arial" charset="0"/>
-                <a:ea typeface="ＭＳ Ｐゴシック" charset="0"/>
-              </a:defRPr>
-            </a:lvl8pPr>
-            <a:lvl9pPr marL="3886200" indent="-228600" eaLnBrk="0" hangingPunct="0">
-              <a:buFont typeface="Wingdings" charset="0"/>
-              <a:defRPr sz="2000">
-                <a:solidFill>
-                  <a:schemeClr val="tx1"/>
-                </a:solidFill>
-                <a:latin typeface="Arial" charset="0"/>
-                <a:ea typeface="ＭＳ Ｐゴシック" charset="0"/>
-              </a:defRPr>
-            </a:lvl9pPr>
-          </a:lstStyle>
-          <a:p>
-            <a:fld id="{6138F0CF-227F-0448-AAB2-289BCF14B7DE}" type="slidenum">
-              <a:rPr lang="en-US" sz="1200">
-                <a:latin typeface="Garamond" charset="0"/>
-              </a:rPr>
-              <a:pPr/>
-              <a:t>20</a:t>
-            </a:fld>
-            <a:endParaRPr lang="en-US" sz="1200">
-              <a:latin typeface="Garamond" charset="0"/>
-            </a:endParaRPr>
-          </a:p>
-        </p:txBody>
-      </p:sp>
-    </p:spTree>
-    <p:extLst>
-      <p:ext uri="{BB962C8B-B14F-4D97-AF65-F5344CB8AC3E}">
-        <p14:creationId xmlns:p14="http://schemas.microsoft.com/office/powerpoint/2010/main" val="1173936220"/>
-      </p:ext>
-    </p:extLst>
-  </p:cSld>
-  <p:clrMapOvr>
-    <a:masterClrMapping/>
-  </p:clrMapOvr>
-  <p:timing>
-    <p:tnLst>
-      <p:par>
-        <p:cTn xmlns:p14="http://schemas.microsoft.com/office/powerpoint/2010/main" id="1" dur="indefinite" restart="never" nodeType="tmRoot"/>
-      </p:par>
-    </p:tnLst>
-  </p:timing>
-</p:sld>
-</file>
-
-<file path=ppt/slides/slide21.xml><?xml version="1.0" encoding="utf-8"?>
-<p:sld xmlns:a="http://schemas.openxmlformats.org/drawingml/2006/main" xmlns:r="http://schemas.openxmlformats.org/officeDocument/2006/relationships" xmlns:p="http://schemas.openxmlformats.org/presentationml/2006/main">
-  <p:cSld>
-    <p:spTree>
-      <p:nvGrpSpPr>
-        <p:cNvPr id="1" name=""/>
-        <p:cNvGrpSpPr/>
-        <p:nvPr/>
-      </p:nvGrpSpPr>
-      <p:grpSpPr>
-        <a:xfrm>
-          <a:off x="0" y="0"/>
-          <a:ext cx="0" cy="0"/>
-          <a:chOff x="0" y="0"/>
-          <a:chExt cx="0" cy="0"/>
-        </a:xfrm>
-      </p:grpSpPr>
-      <p:sp>
-        <p:nvSpPr>
-          <p:cNvPr id="13314" name="Rectangle 2"/>
-          <p:cNvSpPr>
-            <a:spLocks noGrp="1" noChangeArrowheads="1"/>
-          </p:cNvSpPr>
-          <p:nvPr>
-            <p:ph type="title"/>
-          </p:nvPr>
-        </p:nvSpPr>
-        <p:spPr/>
-        <p:txBody>
-          <a:bodyPr/>
-          <a:lstStyle/>
-          <a:p>
-            <a:r>
-              <a:rPr lang="en-US">
-                <a:latin typeface="Garamond" charset="0"/>
-              </a:rPr>
-              <a:t>do-while loops</a:t>
-            </a:r>
-          </a:p>
-        </p:txBody>
-      </p:sp>
-      <p:sp>
-        <p:nvSpPr>
-          <p:cNvPr id="13315" name="Content Placeholder 6"/>
-          <p:cNvSpPr>
-            <a:spLocks noGrp="1"/>
-          </p:cNvSpPr>
-          <p:nvPr>
-            <p:ph idx="1"/>
-          </p:nvPr>
-        </p:nvSpPr>
-        <p:spPr/>
-        <p:txBody>
-          <a:bodyPr/>
-          <a:lstStyle/>
-          <a:p>
-            <a:r>
-              <a:rPr lang="en-US">
-                <a:latin typeface="Courier New" charset="0"/>
-                <a:cs typeface="Courier New" charset="0"/>
-              </a:rPr>
-              <a:t>while</a:t>
-            </a:r>
-            <a:r>
-              <a:rPr lang="en-US">
-                <a:latin typeface="Arial" charset="0"/>
-              </a:rPr>
-              <a:t> loop is </a:t>
-            </a:r>
-            <a:r>
-              <a:rPr lang="en-US">
-                <a:solidFill>
-                  <a:srgbClr val="0000FF"/>
-                </a:solidFill>
-                <a:latin typeface="Arial" charset="0"/>
-              </a:rPr>
-              <a:t>pre-tested</a:t>
-            </a:r>
-          </a:p>
-          <a:p>
-            <a:pPr lvl="1"/>
-            <a:r>
-              <a:rPr lang="en-US">
-                <a:latin typeface="Arial" charset="0"/>
-              </a:rPr>
-              <a:t>Check condition at start; if false, don’t enter loop</a:t>
-            </a:r>
-          </a:p>
-          <a:p>
-            <a:r>
-              <a:rPr lang="en-US">
-                <a:latin typeface="Arial" charset="0"/>
-              </a:rPr>
-              <a:t>To guarantee at least one iteration, use </a:t>
-            </a:r>
-            <a:r>
-              <a:rPr lang="en-US">
-                <a:solidFill>
-                  <a:srgbClr val="0000FF"/>
-                </a:solidFill>
-                <a:latin typeface="Arial" charset="0"/>
-              </a:rPr>
-              <a:t>post-tested</a:t>
-            </a:r>
-            <a:r>
-              <a:rPr lang="en-US">
-                <a:latin typeface="Arial" charset="0"/>
-              </a:rPr>
-              <a:t> loop: </a:t>
-            </a:r>
-            <a:r>
-              <a:rPr lang="en-US">
-                <a:solidFill>
-                  <a:srgbClr val="FF0000"/>
-                </a:solidFill>
-                <a:latin typeface="Courier New" charset="0"/>
-                <a:cs typeface="Courier New" charset="0"/>
-              </a:rPr>
-              <a:t>do-while</a:t>
-            </a:r>
-          </a:p>
-          <a:p>
-            <a:pPr lvl="1"/>
-            <a:r>
-              <a:rPr lang="en-US">
-                <a:latin typeface="Arial" charset="0"/>
-              </a:rPr>
-              <a:t>Checks condition at end of loop</a:t>
-            </a:r>
-          </a:p>
-          <a:p>
-            <a:r>
-              <a:rPr lang="en-US">
-                <a:latin typeface="Courier New" charset="0"/>
-              </a:rPr>
-              <a:t>do {</a:t>
-            </a:r>
-            <a:br>
-              <a:rPr lang="en-US">
-                <a:latin typeface="Courier New" charset="0"/>
-              </a:rPr>
-            </a:br>
-            <a:r>
-              <a:rPr lang="en-US">
-                <a:latin typeface="Courier New" charset="0"/>
-              </a:rPr>
-              <a:t>	&lt;statements&gt;</a:t>
-            </a:r>
-            <a:br>
-              <a:rPr lang="en-US">
-                <a:latin typeface="Courier New" charset="0"/>
-              </a:rPr>
-            </a:br>
-            <a:r>
-              <a:rPr lang="en-US">
-                <a:latin typeface="Courier New" charset="0"/>
-              </a:rPr>
-              <a:t>} while ( &lt;expression&gt;  )</a:t>
-            </a:r>
-            <a:r>
-              <a:rPr lang="en-US" b="1">
-                <a:solidFill>
-                  <a:srgbClr val="FF0000"/>
-                </a:solidFill>
-                <a:latin typeface="Courier New" charset="0"/>
-              </a:rPr>
-              <a:t>;</a:t>
-            </a:r>
-            <a:r>
-              <a:rPr lang="en-US">
-                <a:latin typeface="Courier New" charset="0"/>
-              </a:rPr>
-              <a:t/>
-            </a:r>
-            <a:br>
-              <a:rPr lang="en-US">
-                <a:latin typeface="Courier New" charset="0"/>
-              </a:rPr>
-            </a:br>
-            <a:endParaRPr lang="en-US">
-              <a:latin typeface="Courier New" charset="0"/>
-            </a:endParaRPr>
-          </a:p>
-          <a:p>
-            <a:pPr>
-              <a:buFont typeface="Wingdings" charset="0"/>
-              <a:buNone/>
-            </a:pPr>
-            <a:r>
-              <a:rPr lang="en-US">
-                <a:latin typeface="Courier New" charset="0"/>
-              </a:rPr>
-              <a:t>				</a:t>
-            </a:r>
-            <a:r>
-              <a:rPr lang="en-US" i="1">
-                <a:solidFill>
-                  <a:srgbClr val="FF0000"/>
-                </a:solidFill>
-                <a:latin typeface="Arial" charset="0"/>
-              </a:rPr>
-              <a:t>Don’t forget semicolon!</a:t>
-            </a:r>
-          </a:p>
-          <a:p>
-            <a:endParaRPr lang="en-US">
-              <a:latin typeface="Arial" charset="0"/>
-            </a:endParaRPr>
-          </a:p>
-          <a:p>
-            <a:endParaRPr lang="en-US">
-              <a:latin typeface="Arial" charset="0"/>
-            </a:endParaRPr>
-          </a:p>
-        </p:txBody>
-      </p:sp>
-      <p:sp>
-        <p:nvSpPr>
-          <p:cNvPr id="13316" name="Date Placeholder 3"/>
-          <p:cNvSpPr>
-            <a:spLocks noGrp="1"/>
-          </p:cNvSpPr>
-          <p:nvPr>
-            <p:ph type="dt" sz="quarter" idx="10"/>
-          </p:nvPr>
-        </p:nvSpPr>
-        <p:spPr>
-          <a:noFill/>
-          <a:ln/>
-          <a:extLst>
-            <a:ext uri="{909E8E84-426E-40dd-AFC4-6F175D3DCCD1}">
-              <a14:hiddenFill xmlns:a14="http://schemas.microsoft.com/office/drawing/2010/main">
-                <a:solidFill>
-                  <a:srgbClr val="FFFFFF"/>
-                </a:solidFill>
-              </a14:hiddenFill>
-            </a:ext>
-            <a:ext uri="{91240B29-F687-4f45-9708-019B960494DF}">
-              <a14:hiddenLine xmlns:a14="http://schemas.microsoft.com/office/drawing/2010/main" w="9525">
-                <a:solidFill>
-                  <a:srgbClr val="000000"/>
-                </a:solidFill>
-                <a:miter lim="800000"/>
-                <a:headEnd/>
-                <a:tailEnd/>
-              </a14:hiddenLine>
-            </a:ext>
-          </a:extLst>
-        </p:spPr>
-        <p:txBody>
-          <a:bodyPr/>
-          <a:lstStyle>
-            <a:lvl1pPr>
-              <a:defRPr sz="3000">
-                <a:solidFill>
-                  <a:schemeClr val="tx1"/>
-                </a:solidFill>
-                <a:latin typeface="Arial" charset="0"/>
-                <a:ea typeface="ＭＳ Ｐゴシック" charset="0"/>
-                <a:cs typeface="ＭＳ Ｐゴシック" charset="0"/>
-              </a:defRPr>
-            </a:lvl1pPr>
-            <a:lvl2pPr marL="742950" indent="-285750">
-              <a:defRPr sz="2600">
-                <a:solidFill>
-                  <a:schemeClr val="tx1"/>
-                </a:solidFill>
-                <a:latin typeface="Arial" charset="0"/>
-                <a:ea typeface="ＭＳ Ｐゴシック" charset="0"/>
-              </a:defRPr>
-            </a:lvl2pPr>
-            <a:lvl3pPr marL="1143000" indent="-228600">
-              <a:defRPr sz="2200">
-                <a:solidFill>
-                  <a:schemeClr val="tx1"/>
-                </a:solidFill>
-                <a:latin typeface="Arial" charset="0"/>
-                <a:ea typeface="ＭＳ Ｐゴシック" charset="0"/>
-              </a:defRPr>
-            </a:lvl3pPr>
-            <a:lvl4pPr marL="1600200" indent="-228600">
-              <a:defRPr sz="2000">
-                <a:solidFill>
-                  <a:schemeClr val="tx1"/>
-                </a:solidFill>
-                <a:latin typeface="Arial" charset="0"/>
-                <a:ea typeface="ＭＳ Ｐゴシック" charset="0"/>
-              </a:defRPr>
-            </a:lvl4pPr>
-            <a:lvl5pPr marL="2057400" indent="-228600">
-              <a:defRPr sz="2000">
-                <a:solidFill>
-                  <a:schemeClr val="tx1"/>
-                </a:solidFill>
-                <a:latin typeface="Arial" charset="0"/>
-                <a:ea typeface="ＭＳ Ｐゴシック" charset="0"/>
-              </a:defRPr>
-            </a:lvl5pPr>
-            <a:lvl6pPr marL="2514600" indent="-228600" eaLnBrk="0" hangingPunct="0">
-              <a:buFont typeface="Wingdings" charset="0"/>
-              <a:defRPr sz="2000">
-                <a:solidFill>
-                  <a:schemeClr val="tx1"/>
-                </a:solidFill>
-                <a:latin typeface="Arial" charset="0"/>
-                <a:ea typeface="ＭＳ Ｐゴシック" charset="0"/>
-              </a:defRPr>
-            </a:lvl6pPr>
-            <a:lvl7pPr marL="2971800" indent="-228600" eaLnBrk="0" hangingPunct="0">
-              <a:buFont typeface="Wingdings" charset="0"/>
-              <a:defRPr sz="2000">
-                <a:solidFill>
-                  <a:schemeClr val="tx1"/>
-                </a:solidFill>
-                <a:latin typeface="Arial" charset="0"/>
-                <a:ea typeface="ＭＳ Ｐゴシック" charset="0"/>
-              </a:defRPr>
-            </a:lvl7pPr>
-            <a:lvl8pPr marL="3429000" indent="-228600" eaLnBrk="0" hangingPunct="0">
-              <a:buFont typeface="Wingdings" charset="0"/>
-              <a:defRPr sz="2000">
-                <a:solidFill>
-                  <a:schemeClr val="tx1"/>
-                </a:solidFill>
-                <a:latin typeface="Arial" charset="0"/>
-                <a:ea typeface="ＭＳ Ｐゴシック" charset="0"/>
-              </a:defRPr>
-            </a:lvl8pPr>
-            <a:lvl9pPr marL="3886200" indent="-228600" eaLnBrk="0" hangingPunct="0">
-              <a:buFont typeface="Wingdings" charset="0"/>
-              <a:defRPr sz="2000">
-                <a:solidFill>
-                  <a:schemeClr val="tx1"/>
-                </a:solidFill>
-                <a:latin typeface="Arial" charset="0"/>
-                <a:ea typeface="ＭＳ Ｐゴシック" charset="0"/>
-              </a:defRPr>
-            </a:lvl9pPr>
-          </a:lstStyle>
-          <a:p>
-            <a:fld id="{C89FEBD5-2485-E84B-9FBF-50B24B70B78C}" type="datetime1">
-              <a:rPr lang="en-US" sz="1200" smtClean="0">
-                <a:latin typeface="Garamond" charset="0"/>
-              </a:rPr>
-              <a:t>2/14/18</a:t>
-            </a:fld>
-            <a:endParaRPr lang="en-US" sz="1200">
-              <a:latin typeface="Garamond" charset="0"/>
-            </a:endParaRPr>
-          </a:p>
-        </p:txBody>
-      </p:sp>
-      <p:sp>
-        <p:nvSpPr>
-          <p:cNvPr id="6" name="Footer Placeholder 5"/>
-          <p:cNvSpPr>
-            <a:spLocks noGrp="1"/>
-          </p:cNvSpPr>
-          <p:nvPr>
-            <p:ph type="ftr" sz="quarter" idx="11"/>
-          </p:nvPr>
-        </p:nvSpPr>
-        <p:spPr/>
-        <p:txBody>
-          <a:bodyPr/>
-          <a:lstStyle/>
-          <a:p>
-            <a:pPr>
-              <a:defRPr/>
-            </a:pPr>
-            <a:r>
-              <a:rPr lang="en-US" altLang="en-US" smtClean="0"/>
-              <a:t>ECE Application Programming: Lecture 10</a:t>
-            </a:r>
-            <a:endParaRPr lang="en-US" altLang="en-US"/>
-          </a:p>
-        </p:txBody>
-      </p:sp>
-      <p:sp>
-        <p:nvSpPr>
-          <p:cNvPr id="13318" name="Slide Number Placeholder 4"/>
-          <p:cNvSpPr>
-            <a:spLocks noGrp="1"/>
-          </p:cNvSpPr>
-          <p:nvPr>
-            <p:ph type="sldNum" sz="quarter" idx="12"/>
-          </p:nvPr>
-        </p:nvSpPr>
-        <p:spPr>
-          <a:noFill/>
-          <a:ln/>
-          <a:extLst>
-            <a:ext uri="{909E8E84-426E-40dd-AFC4-6F175D3DCCD1}">
-              <a14:hiddenFill xmlns:a14="http://schemas.microsoft.com/office/drawing/2010/main">
-                <a:solidFill>
-                  <a:srgbClr val="FFFFFF"/>
-                </a:solidFill>
-              </a14:hiddenFill>
-            </a:ext>
-            <a:ext uri="{91240B29-F687-4f45-9708-019B960494DF}">
-              <a14:hiddenLine xmlns:a14="http://schemas.microsoft.com/office/drawing/2010/main" w="9525">
-                <a:solidFill>
-                  <a:srgbClr val="000000"/>
-                </a:solidFill>
-                <a:miter lim="800000"/>
-                <a:headEnd/>
-                <a:tailEnd/>
-              </a14:hiddenLine>
-            </a:ext>
-          </a:extLst>
-        </p:spPr>
-        <p:txBody>
-          <a:bodyPr/>
-          <a:lstStyle>
-            <a:lvl1pPr>
-              <a:defRPr sz="3000">
-                <a:solidFill>
-                  <a:schemeClr val="tx1"/>
-                </a:solidFill>
-                <a:latin typeface="Arial" charset="0"/>
-                <a:ea typeface="ＭＳ Ｐゴシック" charset="0"/>
-                <a:cs typeface="ＭＳ Ｐゴシック" charset="0"/>
-              </a:defRPr>
-            </a:lvl1pPr>
-            <a:lvl2pPr marL="742950" indent="-285750">
-              <a:defRPr sz="2600">
-                <a:solidFill>
-                  <a:schemeClr val="tx1"/>
-                </a:solidFill>
-                <a:latin typeface="Arial" charset="0"/>
-                <a:ea typeface="ＭＳ Ｐゴシック" charset="0"/>
-              </a:defRPr>
-            </a:lvl2pPr>
-            <a:lvl3pPr marL="1143000" indent="-228600">
-              <a:defRPr sz="2200">
-                <a:solidFill>
-                  <a:schemeClr val="tx1"/>
-                </a:solidFill>
-                <a:latin typeface="Arial" charset="0"/>
-                <a:ea typeface="ＭＳ Ｐゴシック" charset="0"/>
-              </a:defRPr>
-            </a:lvl3pPr>
-            <a:lvl4pPr marL="1600200" indent="-228600">
-              <a:defRPr sz="2000">
-                <a:solidFill>
-                  <a:schemeClr val="tx1"/>
-                </a:solidFill>
-                <a:latin typeface="Arial" charset="0"/>
-                <a:ea typeface="ＭＳ Ｐゴシック" charset="0"/>
-              </a:defRPr>
-            </a:lvl4pPr>
-            <a:lvl5pPr marL="2057400" indent="-228600">
-              <a:defRPr sz="2000">
-                <a:solidFill>
-                  <a:schemeClr val="tx1"/>
-                </a:solidFill>
-                <a:latin typeface="Arial" charset="0"/>
-                <a:ea typeface="ＭＳ Ｐゴシック" charset="0"/>
-              </a:defRPr>
-            </a:lvl5pPr>
-            <a:lvl6pPr marL="2514600" indent="-228600" eaLnBrk="0" hangingPunct="0">
-              <a:buFont typeface="Wingdings" charset="0"/>
-              <a:defRPr sz="2000">
-                <a:solidFill>
-                  <a:schemeClr val="tx1"/>
-                </a:solidFill>
-                <a:latin typeface="Arial" charset="0"/>
-                <a:ea typeface="ＭＳ Ｐゴシック" charset="0"/>
-              </a:defRPr>
-            </a:lvl6pPr>
-            <a:lvl7pPr marL="2971800" indent="-228600" eaLnBrk="0" hangingPunct="0">
-              <a:buFont typeface="Wingdings" charset="0"/>
-              <a:defRPr sz="2000">
-                <a:solidFill>
-                  <a:schemeClr val="tx1"/>
-                </a:solidFill>
-                <a:latin typeface="Arial" charset="0"/>
-                <a:ea typeface="ＭＳ Ｐゴシック" charset="0"/>
-              </a:defRPr>
-            </a:lvl7pPr>
-            <a:lvl8pPr marL="3429000" indent="-228600" eaLnBrk="0" hangingPunct="0">
-              <a:buFont typeface="Wingdings" charset="0"/>
-              <a:defRPr sz="2000">
-                <a:solidFill>
-                  <a:schemeClr val="tx1"/>
-                </a:solidFill>
-                <a:latin typeface="Arial" charset="0"/>
-                <a:ea typeface="ＭＳ Ｐゴシック" charset="0"/>
-              </a:defRPr>
-            </a:lvl8pPr>
-            <a:lvl9pPr marL="3886200" indent="-228600" eaLnBrk="0" hangingPunct="0">
-              <a:buFont typeface="Wingdings" charset="0"/>
-              <a:defRPr sz="2000">
-                <a:solidFill>
-                  <a:schemeClr val="tx1"/>
-                </a:solidFill>
-                <a:latin typeface="Arial" charset="0"/>
-                <a:ea typeface="ＭＳ Ｐゴシック" charset="0"/>
-              </a:defRPr>
-            </a:lvl9pPr>
-          </a:lstStyle>
-          <a:p>
-            <a:fld id="{5B6FB0A1-40D7-2646-BFBE-1D76272A92E6}" type="slidenum">
-              <a:rPr lang="en-US" sz="1200">
-                <a:latin typeface="Garamond" charset="0"/>
-              </a:rPr>
-              <a:pPr/>
-              <a:t>21</a:t>
-            </a:fld>
-            <a:endParaRPr lang="en-US" sz="1200">
-              <a:latin typeface="Garamond" charset="0"/>
-            </a:endParaRPr>
-          </a:p>
-        </p:txBody>
-      </p:sp>
-      <p:cxnSp>
-        <p:nvCxnSpPr>
-          <p:cNvPr id="9" name="Straight Arrow Connector 8"/>
-          <p:cNvCxnSpPr/>
-          <p:nvPr/>
-        </p:nvCxnSpPr>
-        <p:spPr>
-          <a:xfrm rot="5400000" flipH="1" flipV="1">
-            <a:off x="6248400" y="5257800"/>
-            <a:ext cx="533400" cy="228600"/>
-          </a:xfrm>
-          <a:prstGeom prst="straightConnector1">
-            <a:avLst/>
-          </a:prstGeom>
-          <a:ln>
-            <a:solidFill>
-              <a:srgbClr val="FF0000"/>
-            </a:solidFill>
-            <a:tailEnd type="arrow"/>
-          </a:ln>
-        </p:spPr>
-        <p:style>
-          <a:lnRef idx="1">
-            <a:schemeClr val="accent1"/>
-          </a:lnRef>
-          <a:fillRef idx="0">
-            <a:schemeClr val="accent1"/>
-          </a:fillRef>
-          <a:effectRef idx="0">
-            <a:schemeClr val="accent1"/>
-          </a:effectRef>
-          <a:fontRef idx="minor">
-            <a:schemeClr val="tx1"/>
-          </a:fontRef>
-        </p:style>
-      </p:cxnSp>
-    </p:spTree>
-    <p:extLst>
-      <p:ext uri="{BB962C8B-B14F-4D97-AF65-F5344CB8AC3E}">
-        <p14:creationId xmlns:p14="http://schemas.microsoft.com/office/powerpoint/2010/main" val="1614846950"/>
-      </p:ext>
-    </p:extLst>
-  </p:cSld>
-  <p:clrMapOvr>
-    <a:masterClrMapping/>
-  </p:clrMapOvr>
-  <p:timing>
-    <p:tnLst>
-      <p:par>
-        <p:cTn xmlns:p14="http://schemas.microsoft.com/office/powerpoint/2010/main" id="1" dur="indefinite" restart="never" nodeType="tmRoot"/>
-      </p:par>
-    </p:tnLst>
-  </p:timing>
-</p:sld>
-</file>
-
-<file path=ppt/slides/slide22.xml><?xml version="1.0" encoding="utf-8"?>
-<p:sld xmlns:a="http://schemas.openxmlformats.org/drawingml/2006/main" xmlns:r="http://schemas.openxmlformats.org/officeDocument/2006/relationships" xmlns:p="http://schemas.openxmlformats.org/presentationml/2006/main">
-  <p:cSld>
-    <p:spTree>
-      <p:nvGrpSpPr>
-        <p:cNvPr id="1" name=""/>
-        <p:cNvGrpSpPr/>
-        <p:nvPr/>
-      </p:nvGrpSpPr>
-      <p:grpSpPr>
-        <a:xfrm>
-          <a:off x="0" y="0"/>
-          <a:ext cx="0" cy="0"/>
-          <a:chOff x="0" y="0"/>
-          <a:chExt cx="0" cy="0"/>
-        </a:xfrm>
-      </p:grpSpPr>
-      <p:sp>
-        <p:nvSpPr>
-          <p:cNvPr id="15362" name="Rectangle 2"/>
-          <p:cNvSpPr>
-            <a:spLocks noGrp="1" noChangeArrowheads="1"/>
-          </p:cNvSpPr>
-          <p:nvPr>
-            <p:ph type="title"/>
-          </p:nvPr>
-        </p:nvSpPr>
-        <p:spPr/>
-        <p:txBody>
-          <a:bodyPr/>
-          <a:lstStyle/>
-          <a:p>
-            <a:r>
-              <a:rPr lang="en-US">
-                <a:latin typeface="Garamond" charset="0"/>
-              </a:rPr>
-              <a:t>comparison while vs do-while</a:t>
-            </a:r>
-          </a:p>
-        </p:txBody>
-      </p:sp>
-      <p:sp>
-        <p:nvSpPr>
-          <p:cNvPr id="15363" name="Text Box 3"/>
-          <p:cNvSpPr txBox="1">
-            <a:spLocks noChangeArrowheads="1"/>
-          </p:cNvSpPr>
-          <p:nvPr/>
-        </p:nvSpPr>
-        <p:spPr bwMode="auto">
-          <a:xfrm>
-            <a:off x="152400" y="1676400"/>
-            <a:ext cx="3886200" cy="3000375"/>
-          </a:xfrm>
-          <a:prstGeom prst="rect">
-            <a:avLst/>
-          </a:prstGeom>
-          <a:noFill/>
-          <a:ln>
-            <a:noFill/>
-          </a:ln>
-          <a:extLst>
-            <a:ext uri="{909E8E84-426E-40dd-AFC4-6F175D3DCCD1}">
-              <a14:hiddenFill xmlns:a14="http://schemas.microsoft.com/office/drawing/2010/main">
-                <a:solidFill>
-                  <a:srgbClr val="FFFFFF"/>
-                </a:solidFill>
-              </a14:hiddenFill>
-            </a:ext>
-            <a:ext uri="{91240B29-F687-4f45-9708-019B960494DF}">
-              <a14:hiddenLine xmlns:a14="http://schemas.microsoft.com/office/drawing/2010/main" w="9525">
-                <a:solidFill>
-                  <a:srgbClr val="000000"/>
-                </a:solidFill>
-                <a:miter lim="800000"/>
-                <a:headEnd/>
-                <a:tailEnd/>
-              </a14:hiddenLine>
-            </a:ext>
-          </a:extLst>
-        </p:spPr>
-        <p:txBody>
-          <a:bodyPr>
-            <a:spAutoFit/>
-          </a:bodyPr>
-          <a:lstStyle>
-            <a:lvl1pPr>
-              <a:defRPr sz="3000">
-                <a:solidFill>
-                  <a:schemeClr val="tx1"/>
-                </a:solidFill>
-                <a:latin typeface="Arial" charset="0"/>
-                <a:ea typeface="ＭＳ Ｐゴシック" charset="0"/>
-                <a:cs typeface="ＭＳ Ｐゴシック" charset="0"/>
-              </a:defRPr>
-            </a:lvl1pPr>
-            <a:lvl2pPr marL="742950" indent="-285750">
-              <a:defRPr sz="2600">
-                <a:solidFill>
-                  <a:schemeClr val="tx1"/>
-                </a:solidFill>
-                <a:latin typeface="Arial" charset="0"/>
-                <a:ea typeface="ＭＳ Ｐゴシック" charset="0"/>
-              </a:defRPr>
-            </a:lvl2pPr>
-            <a:lvl3pPr marL="1143000" indent="-228600">
-              <a:defRPr sz="2200">
-                <a:solidFill>
-                  <a:schemeClr val="tx1"/>
-                </a:solidFill>
-                <a:latin typeface="Arial" charset="0"/>
-                <a:ea typeface="ＭＳ Ｐゴシック" charset="0"/>
-              </a:defRPr>
-            </a:lvl3pPr>
-            <a:lvl4pPr marL="1600200" indent="-228600">
-              <a:defRPr sz="2000">
-                <a:solidFill>
-                  <a:schemeClr val="tx1"/>
-                </a:solidFill>
-                <a:latin typeface="Arial" charset="0"/>
-                <a:ea typeface="ＭＳ Ｐゴシック" charset="0"/>
-              </a:defRPr>
-            </a:lvl4pPr>
-            <a:lvl5pPr marL="2057400" indent="-228600">
-              <a:defRPr sz="2000">
-                <a:solidFill>
-                  <a:schemeClr val="tx1"/>
-                </a:solidFill>
-                <a:latin typeface="Arial" charset="0"/>
-                <a:ea typeface="ＭＳ Ｐゴシック" charset="0"/>
-              </a:defRPr>
-            </a:lvl5pPr>
-            <a:lvl6pPr marL="2514600" indent="-228600" eaLnBrk="0" hangingPunct="0">
-              <a:buFont typeface="Wingdings" charset="0"/>
-              <a:defRPr sz="2000">
-                <a:solidFill>
-                  <a:schemeClr val="tx1"/>
-                </a:solidFill>
-                <a:latin typeface="Arial" charset="0"/>
-                <a:ea typeface="ＭＳ Ｐゴシック" charset="0"/>
-              </a:defRPr>
-            </a:lvl6pPr>
-            <a:lvl7pPr marL="2971800" indent="-228600" eaLnBrk="0" hangingPunct="0">
-              <a:buFont typeface="Wingdings" charset="0"/>
-              <a:defRPr sz="2000">
-                <a:solidFill>
-                  <a:schemeClr val="tx1"/>
-                </a:solidFill>
-                <a:latin typeface="Arial" charset="0"/>
-                <a:ea typeface="ＭＳ Ｐゴシック" charset="0"/>
-              </a:defRPr>
-            </a:lvl7pPr>
-            <a:lvl8pPr marL="3429000" indent="-228600" eaLnBrk="0" hangingPunct="0">
-              <a:buFont typeface="Wingdings" charset="0"/>
-              <a:defRPr sz="2000">
-                <a:solidFill>
-                  <a:schemeClr val="tx1"/>
-                </a:solidFill>
-                <a:latin typeface="Arial" charset="0"/>
-                <a:ea typeface="ＭＳ Ｐゴシック" charset="0"/>
-              </a:defRPr>
-            </a:lvl8pPr>
-            <a:lvl9pPr marL="3886200" indent="-228600" eaLnBrk="0" hangingPunct="0">
-              <a:buFont typeface="Wingdings" charset="0"/>
-              <a:defRPr sz="2000">
-                <a:solidFill>
-                  <a:schemeClr val="tx1"/>
-                </a:solidFill>
-                <a:latin typeface="Arial" charset="0"/>
-                <a:ea typeface="ＭＳ Ｐゴシック" charset="0"/>
-              </a:defRPr>
-            </a:lvl9pPr>
-          </a:lstStyle>
-          <a:p>
-            <a:pPr>
-              <a:spcBef>
-                <a:spcPct val="50000"/>
-              </a:spcBef>
-            </a:pPr>
-            <a:r>
-              <a:rPr lang="en-US" sz="1800">
-                <a:latin typeface="Courier New" charset="0"/>
-              </a:rPr>
-              <a:t>x = 7;</a:t>
-            </a:r>
-            <a:br>
-              <a:rPr lang="en-US" sz="1800">
-                <a:latin typeface="Courier New" charset="0"/>
-              </a:rPr>
-            </a:br>
-            <a:r>
-              <a:rPr lang="en-US" sz="1800">
-                <a:latin typeface="Courier New" charset="0"/>
-              </a:rPr>
-              <a:t>do {</a:t>
-            </a:r>
-            <a:br>
-              <a:rPr lang="en-US" sz="1800">
-                <a:latin typeface="Courier New" charset="0"/>
-              </a:rPr>
-            </a:br>
-            <a:r>
-              <a:rPr lang="en-US" sz="1800">
-                <a:latin typeface="Courier New" charset="0"/>
-              </a:rPr>
-              <a:t>	printf("%d ",x);</a:t>
-            </a:r>
-            <a:br>
-              <a:rPr lang="en-US" sz="1800">
-                <a:latin typeface="Courier New" charset="0"/>
-              </a:rPr>
-            </a:br>
-            <a:r>
-              <a:rPr lang="en-US" sz="1800">
-                <a:latin typeface="Courier New" charset="0"/>
-              </a:rPr>
-              <a:t>	x = x + 1;</a:t>
-            </a:r>
-            <a:br>
-              <a:rPr lang="en-US" sz="1800">
-                <a:latin typeface="Courier New" charset="0"/>
-              </a:rPr>
-            </a:br>
-            <a:r>
-              <a:rPr lang="en-US" sz="1800">
-                <a:latin typeface="Courier New" charset="0"/>
-              </a:rPr>
-              <a:t>} while ( x &lt; 10  );</a:t>
-            </a:r>
-            <a:br>
-              <a:rPr lang="en-US" sz="1800">
-                <a:latin typeface="Courier New" charset="0"/>
-              </a:rPr>
-            </a:br>
-            <a:endParaRPr lang="en-US" sz="1800">
-              <a:latin typeface="Courier New" charset="0"/>
-            </a:endParaRPr>
-          </a:p>
-          <a:p>
-            <a:pPr>
-              <a:spcBef>
-                <a:spcPct val="50000"/>
-              </a:spcBef>
-            </a:pPr>
-            <a:endParaRPr lang="en-US" sz="1800"/>
-          </a:p>
-          <a:p>
-            <a:pPr>
-              <a:spcBef>
-                <a:spcPct val="50000"/>
-              </a:spcBef>
-            </a:pPr>
-            <a:r>
-              <a:rPr lang="en-US" sz="1800"/>
-              <a:t>OUTPUT:</a:t>
-            </a:r>
-          </a:p>
-          <a:p>
-            <a:pPr>
-              <a:spcBef>
-                <a:spcPct val="50000"/>
-              </a:spcBef>
-            </a:pPr>
-            <a:r>
-              <a:rPr lang="en-US" sz="1800"/>
-              <a:t>7 8 9</a:t>
-            </a:r>
-          </a:p>
-        </p:txBody>
-      </p:sp>
-      <p:sp>
-        <p:nvSpPr>
-          <p:cNvPr id="15364" name="Text Box 4"/>
-          <p:cNvSpPr txBox="1">
-            <a:spLocks noChangeArrowheads="1"/>
-          </p:cNvSpPr>
-          <p:nvPr/>
-        </p:nvSpPr>
-        <p:spPr bwMode="auto">
-          <a:xfrm>
-            <a:off x="4419600" y="1676400"/>
-            <a:ext cx="3886200" cy="3278188"/>
-          </a:xfrm>
-          <a:prstGeom prst="rect">
-            <a:avLst/>
-          </a:prstGeom>
-          <a:noFill/>
-          <a:ln>
-            <a:noFill/>
-          </a:ln>
-          <a:extLst>
-            <a:ext uri="{909E8E84-426E-40dd-AFC4-6F175D3DCCD1}">
-              <a14:hiddenFill xmlns:a14="http://schemas.microsoft.com/office/drawing/2010/main">
-                <a:solidFill>
-                  <a:srgbClr val="FFFFFF"/>
-                </a:solidFill>
-              </a14:hiddenFill>
-            </a:ext>
-            <a:ext uri="{91240B29-F687-4f45-9708-019B960494DF}">
-              <a14:hiddenLine xmlns:a14="http://schemas.microsoft.com/office/drawing/2010/main" w="9525">
-                <a:solidFill>
-                  <a:srgbClr val="000000"/>
-                </a:solidFill>
-                <a:miter lim="800000"/>
-                <a:headEnd/>
-                <a:tailEnd/>
-              </a14:hiddenLine>
-            </a:ext>
-          </a:extLst>
-        </p:spPr>
-        <p:txBody>
-          <a:bodyPr>
-            <a:spAutoFit/>
-          </a:bodyPr>
-          <a:lstStyle>
-            <a:lvl1pPr>
-              <a:defRPr sz="3000">
-                <a:solidFill>
-                  <a:schemeClr val="tx1"/>
-                </a:solidFill>
-                <a:latin typeface="Arial" charset="0"/>
-                <a:ea typeface="ＭＳ Ｐゴシック" charset="0"/>
-                <a:cs typeface="ＭＳ Ｐゴシック" charset="0"/>
-              </a:defRPr>
-            </a:lvl1pPr>
-            <a:lvl2pPr marL="742950" indent="-285750">
-              <a:defRPr sz="2600">
-                <a:solidFill>
-                  <a:schemeClr val="tx1"/>
-                </a:solidFill>
-                <a:latin typeface="Arial" charset="0"/>
-                <a:ea typeface="ＭＳ Ｐゴシック" charset="0"/>
-              </a:defRPr>
-            </a:lvl2pPr>
-            <a:lvl3pPr marL="1143000" indent="-228600">
-              <a:defRPr sz="2200">
-                <a:solidFill>
-                  <a:schemeClr val="tx1"/>
-                </a:solidFill>
-                <a:latin typeface="Arial" charset="0"/>
-                <a:ea typeface="ＭＳ Ｐゴシック" charset="0"/>
-              </a:defRPr>
-            </a:lvl3pPr>
-            <a:lvl4pPr marL="1600200" indent="-228600">
-              <a:defRPr sz="2000">
-                <a:solidFill>
-                  <a:schemeClr val="tx1"/>
-                </a:solidFill>
-                <a:latin typeface="Arial" charset="0"/>
-                <a:ea typeface="ＭＳ Ｐゴシック" charset="0"/>
-              </a:defRPr>
-            </a:lvl4pPr>
-            <a:lvl5pPr marL="2057400" indent="-228600">
-              <a:defRPr sz="2000">
-                <a:solidFill>
-                  <a:schemeClr val="tx1"/>
-                </a:solidFill>
-                <a:latin typeface="Arial" charset="0"/>
-                <a:ea typeface="ＭＳ Ｐゴシック" charset="0"/>
-              </a:defRPr>
-            </a:lvl5pPr>
-            <a:lvl6pPr marL="2514600" indent="-228600" eaLnBrk="0" hangingPunct="0">
-              <a:buFont typeface="Wingdings" charset="0"/>
-              <a:defRPr sz="2000">
-                <a:solidFill>
-                  <a:schemeClr val="tx1"/>
-                </a:solidFill>
-                <a:latin typeface="Arial" charset="0"/>
-                <a:ea typeface="ＭＳ Ｐゴシック" charset="0"/>
-              </a:defRPr>
-            </a:lvl6pPr>
-            <a:lvl7pPr marL="2971800" indent="-228600" eaLnBrk="0" hangingPunct="0">
-              <a:buFont typeface="Wingdings" charset="0"/>
-              <a:defRPr sz="2000">
-                <a:solidFill>
-                  <a:schemeClr val="tx1"/>
-                </a:solidFill>
-                <a:latin typeface="Arial" charset="0"/>
-                <a:ea typeface="ＭＳ Ｐゴシック" charset="0"/>
-              </a:defRPr>
-            </a:lvl7pPr>
-            <a:lvl8pPr marL="3429000" indent="-228600" eaLnBrk="0" hangingPunct="0">
-              <a:buFont typeface="Wingdings" charset="0"/>
-              <a:defRPr sz="2000">
-                <a:solidFill>
-                  <a:schemeClr val="tx1"/>
-                </a:solidFill>
-                <a:latin typeface="Arial" charset="0"/>
-                <a:ea typeface="ＭＳ Ｐゴシック" charset="0"/>
-              </a:defRPr>
-            </a:lvl8pPr>
-            <a:lvl9pPr marL="3886200" indent="-228600" eaLnBrk="0" hangingPunct="0">
-              <a:buFont typeface="Wingdings" charset="0"/>
-              <a:defRPr sz="2000">
-                <a:solidFill>
-                  <a:schemeClr val="tx1"/>
-                </a:solidFill>
-                <a:latin typeface="Arial" charset="0"/>
-                <a:ea typeface="ＭＳ Ｐゴシック" charset="0"/>
-              </a:defRPr>
-            </a:lvl9pPr>
-          </a:lstStyle>
-          <a:p>
-            <a:pPr>
-              <a:spcBef>
-                <a:spcPct val="50000"/>
-              </a:spcBef>
-            </a:pPr>
-            <a:r>
-              <a:rPr lang="en-US" sz="1800">
-                <a:latin typeface="Courier New" charset="0"/>
-              </a:rPr>
-              <a:t>x = 7;</a:t>
-            </a:r>
-            <a:br>
-              <a:rPr lang="en-US" sz="1800">
-                <a:latin typeface="Courier New" charset="0"/>
-              </a:rPr>
-            </a:br>
-            <a:r>
-              <a:rPr lang="en-US" sz="1800">
-                <a:latin typeface="Courier New" charset="0"/>
-              </a:rPr>
-              <a:t>while ( x &lt; 10  ) </a:t>
-            </a:r>
-            <a:br>
-              <a:rPr lang="en-US" sz="1800">
-                <a:latin typeface="Courier New" charset="0"/>
-              </a:rPr>
-            </a:br>
-            <a:r>
-              <a:rPr lang="en-US" sz="1800">
-                <a:latin typeface="Courier New" charset="0"/>
-              </a:rPr>
-              <a:t>{</a:t>
-            </a:r>
-            <a:br>
-              <a:rPr lang="en-US" sz="1800">
-                <a:latin typeface="Courier New" charset="0"/>
-              </a:rPr>
-            </a:br>
-            <a:r>
-              <a:rPr lang="en-US" sz="1800">
-                <a:latin typeface="Courier New" charset="0"/>
-              </a:rPr>
-              <a:t>	printf("%d",x);</a:t>
-            </a:r>
-            <a:br>
-              <a:rPr lang="en-US" sz="1800">
-                <a:latin typeface="Courier New" charset="0"/>
-              </a:rPr>
-            </a:br>
-            <a:r>
-              <a:rPr lang="en-US" sz="1800">
-                <a:latin typeface="Courier New" charset="0"/>
-              </a:rPr>
-              <a:t>	x = x + 1;</a:t>
-            </a:r>
-            <a:br>
-              <a:rPr lang="en-US" sz="1800">
-                <a:latin typeface="Courier New" charset="0"/>
-              </a:rPr>
-            </a:br>
-            <a:r>
-              <a:rPr lang="en-US" sz="1800">
-                <a:latin typeface="Courier New" charset="0"/>
-              </a:rPr>
-              <a:t>} </a:t>
-            </a:r>
-            <a:br>
-              <a:rPr lang="en-US" sz="1800">
-                <a:latin typeface="Courier New" charset="0"/>
-              </a:rPr>
-            </a:br>
-            <a:endParaRPr lang="en-US" sz="1800">
-              <a:latin typeface="Courier New" charset="0"/>
-            </a:endParaRPr>
-          </a:p>
-          <a:p>
-            <a:pPr>
-              <a:spcBef>
-                <a:spcPct val="50000"/>
-              </a:spcBef>
-            </a:pPr>
-            <a:r>
-              <a:rPr lang="en-US" sz="1800"/>
-              <a:t>OUTPUT:</a:t>
-            </a:r>
-          </a:p>
-          <a:p>
-            <a:pPr>
-              <a:spcBef>
-                <a:spcPct val="50000"/>
-              </a:spcBef>
-            </a:pPr>
-            <a:r>
-              <a:rPr lang="en-US" sz="1800"/>
-              <a:t>7 8 9</a:t>
-            </a:r>
-          </a:p>
-          <a:p>
-            <a:pPr>
-              <a:spcBef>
-                <a:spcPct val="50000"/>
-              </a:spcBef>
-            </a:pPr>
-            <a:endParaRPr lang="en-US" sz="1800"/>
-          </a:p>
-        </p:txBody>
-      </p:sp>
-      <p:sp>
-        <p:nvSpPr>
-          <p:cNvPr id="15365" name="Date Placeholder 4"/>
-          <p:cNvSpPr>
-            <a:spLocks noGrp="1"/>
-          </p:cNvSpPr>
-          <p:nvPr>
-            <p:ph type="dt" sz="quarter" idx="10"/>
-          </p:nvPr>
-        </p:nvSpPr>
-        <p:spPr>
-          <a:noFill/>
-          <a:ln/>
-          <a:extLst>
-            <a:ext uri="{909E8E84-426E-40dd-AFC4-6F175D3DCCD1}">
-              <a14:hiddenFill xmlns:a14="http://schemas.microsoft.com/office/drawing/2010/main">
-                <a:solidFill>
-                  <a:srgbClr val="FFFFFF"/>
-                </a:solidFill>
-              </a14:hiddenFill>
-            </a:ext>
-            <a:ext uri="{91240B29-F687-4f45-9708-019B960494DF}">
-              <a14:hiddenLine xmlns:a14="http://schemas.microsoft.com/office/drawing/2010/main" w="9525">
-                <a:solidFill>
-                  <a:srgbClr val="000000"/>
-                </a:solidFill>
-                <a:miter lim="800000"/>
-                <a:headEnd/>
-                <a:tailEnd/>
-              </a14:hiddenLine>
-            </a:ext>
-          </a:extLst>
-        </p:spPr>
-        <p:txBody>
-          <a:bodyPr/>
-          <a:lstStyle>
-            <a:lvl1pPr>
-              <a:defRPr sz="3000">
-                <a:solidFill>
-                  <a:schemeClr val="tx1"/>
-                </a:solidFill>
-                <a:latin typeface="Arial" charset="0"/>
-                <a:ea typeface="ＭＳ Ｐゴシック" charset="0"/>
-                <a:cs typeface="ＭＳ Ｐゴシック" charset="0"/>
-              </a:defRPr>
-            </a:lvl1pPr>
-            <a:lvl2pPr marL="742950" indent="-285750">
-              <a:defRPr sz="2600">
-                <a:solidFill>
-                  <a:schemeClr val="tx1"/>
-                </a:solidFill>
-                <a:latin typeface="Arial" charset="0"/>
-                <a:ea typeface="ＭＳ Ｐゴシック" charset="0"/>
-              </a:defRPr>
-            </a:lvl2pPr>
-            <a:lvl3pPr marL="1143000" indent="-228600">
-              <a:defRPr sz="2200">
-                <a:solidFill>
-                  <a:schemeClr val="tx1"/>
-                </a:solidFill>
-                <a:latin typeface="Arial" charset="0"/>
-                <a:ea typeface="ＭＳ Ｐゴシック" charset="0"/>
-              </a:defRPr>
-            </a:lvl3pPr>
-            <a:lvl4pPr marL="1600200" indent="-228600">
-              <a:defRPr sz="2000">
-                <a:solidFill>
-                  <a:schemeClr val="tx1"/>
-                </a:solidFill>
-                <a:latin typeface="Arial" charset="0"/>
-                <a:ea typeface="ＭＳ Ｐゴシック" charset="0"/>
-              </a:defRPr>
-            </a:lvl4pPr>
-            <a:lvl5pPr marL="2057400" indent="-228600">
-              <a:defRPr sz="2000">
-                <a:solidFill>
-                  <a:schemeClr val="tx1"/>
-                </a:solidFill>
-                <a:latin typeface="Arial" charset="0"/>
-                <a:ea typeface="ＭＳ Ｐゴシック" charset="0"/>
-              </a:defRPr>
-            </a:lvl5pPr>
-            <a:lvl6pPr marL="2514600" indent="-228600" eaLnBrk="0" hangingPunct="0">
-              <a:buFont typeface="Wingdings" charset="0"/>
-              <a:defRPr sz="2000">
-                <a:solidFill>
-                  <a:schemeClr val="tx1"/>
-                </a:solidFill>
-                <a:latin typeface="Arial" charset="0"/>
-                <a:ea typeface="ＭＳ Ｐゴシック" charset="0"/>
-              </a:defRPr>
-            </a:lvl6pPr>
-            <a:lvl7pPr marL="2971800" indent="-228600" eaLnBrk="0" hangingPunct="0">
-              <a:buFont typeface="Wingdings" charset="0"/>
-              <a:defRPr sz="2000">
-                <a:solidFill>
-                  <a:schemeClr val="tx1"/>
-                </a:solidFill>
-                <a:latin typeface="Arial" charset="0"/>
-                <a:ea typeface="ＭＳ Ｐゴシック" charset="0"/>
-              </a:defRPr>
-            </a:lvl7pPr>
-            <a:lvl8pPr marL="3429000" indent="-228600" eaLnBrk="0" hangingPunct="0">
-              <a:buFont typeface="Wingdings" charset="0"/>
-              <a:defRPr sz="2000">
-                <a:solidFill>
-                  <a:schemeClr val="tx1"/>
-                </a:solidFill>
-                <a:latin typeface="Arial" charset="0"/>
-                <a:ea typeface="ＭＳ Ｐゴシック" charset="0"/>
-              </a:defRPr>
-            </a:lvl8pPr>
-            <a:lvl9pPr marL="3886200" indent="-228600" eaLnBrk="0" hangingPunct="0">
-              <a:buFont typeface="Wingdings" charset="0"/>
-              <a:defRPr sz="2000">
-                <a:solidFill>
-                  <a:schemeClr val="tx1"/>
-                </a:solidFill>
-                <a:latin typeface="Arial" charset="0"/>
-                <a:ea typeface="ＭＳ Ｐゴシック" charset="0"/>
-              </a:defRPr>
-            </a:lvl9pPr>
-          </a:lstStyle>
-          <a:p>
-            <a:fld id="{A5F6BFCB-708D-E040-BA4B-07E4A538A024}" type="datetime1">
-              <a:rPr lang="en-US" sz="1200" smtClean="0">
-                <a:latin typeface="Garamond" charset="0"/>
-              </a:rPr>
-              <a:t>2/14/18</a:t>
-            </a:fld>
-            <a:endParaRPr lang="en-US" sz="1200">
-              <a:latin typeface="Garamond" charset="0"/>
-            </a:endParaRPr>
-          </a:p>
-        </p:txBody>
-      </p:sp>
-      <p:sp>
-        <p:nvSpPr>
-          <p:cNvPr id="15366" name="Slide Number Placeholder 5"/>
-          <p:cNvSpPr>
-            <a:spLocks noGrp="1"/>
-          </p:cNvSpPr>
-          <p:nvPr>
-            <p:ph type="sldNum" sz="quarter" idx="12"/>
-          </p:nvPr>
-        </p:nvSpPr>
-        <p:spPr>
-          <a:noFill/>
-          <a:ln/>
-          <a:extLst>
-            <a:ext uri="{909E8E84-426E-40dd-AFC4-6F175D3DCCD1}">
-              <a14:hiddenFill xmlns:a14="http://schemas.microsoft.com/office/drawing/2010/main">
-                <a:solidFill>
-                  <a:srgbClr val="FFFFFF"/>
-                </a:solidFill>
-              </a14:hiddenFill>
-            </a:ext>
-            <a:ext uri="{91240B29-F687-4f45-9708-019B960494DF}">
-              <a14:hiddenLine xmlns:a14="http://schemas.microsoft.com/office/drawing/2010/main" w="9525">
-                <a:solidFill>
-                  <a:srgbClr val="000000"/>
-                </a:solidFill>
-                <a:miter lim="800000"/>
-                <a:headEnd/>
-                <a:tailEnd/>
-              </a14:hiddenLine>
-            </a:ext>
-          </a:extLst>
-        </p:spPr>
-        <p:txBody>
-          <a:bodyPr/>
-          <a:lstStyle>
-            <a:lvl1pPr>
-              <a:defRPr sz="3000">
-                <a:solidFill>
-                  <a:schemeClr val="tx1"/>
-                </a:solidFill>
-                <a:latin typeface="Arial" charset="0"/>
-                <a:ea typeface="ＭＳ Ｐゴシック" charset="0"/>
-                <a:cs typeface="ＭＳ Ｐゴシック" charset="0"/>
-              </a:defRPr>
-            </a:lvl1pPr>
-            <a:lvl2pPr marL="742950" indent="-285750">
-              <a:defRPr sz="2600">
-                <a:solidFill>
-                  <a:schemeClr val="tx1"/>
-                </a:solidFill>
-                <a:latin typeface="Arial" charset="0"/>
-                <a:ea typeface="ＭＳ Ｐゴシック" charset="0"/>
-              </a:defRPr>
-            </a:lvl2pPr>
-            <a:lvl3pPr marL="1143000" indent="-228600">
-              <a:defRPr sz="2200">
-                <a:solidFill>
-                  <a:schemeClr val="tx1"/>
-                </a:solidFill>
-                <a:latin typeface="Arial" charset="0"/>
-                <a:ea typeface="ＭＳ Ｐゴシック" charset="0"/>
-              </a:defRPr>
-            </a:lvl3pPr>
-            <a:lvl4pPr marL="1600200" indent="-228600">
-              <a:defRPr sz="2000">
-                <a:solidFill>
-                  <a:schemeClr val="tx1"/>
-                </a:solidFill>
-                <a:latin typeface="Arial" charset="0"/>
-                <a:ea typeface="ＭＳ Ｐゴシック" charset="0"/>
-              </a:defRPr>
-            </a:lvl4pPr>
-            <a:lvl5pPr marL="2057400" indent="-228600">
-              <a:defRPr sz="2000">
-                <a:solidFill>
-                  <a:schemeClr val="tx1"/>
-                </a:solidFill>
-                <a:latin typeface="Arial" charset="0"/>
-                <a:ea typeface="ＭＳ Ｐゴシック" charset="0"/>
-              </a:defRPr>
-            </a:lvl5pPr>
-            <a:lvl6pPr marL="2514600" indent="-228600" eaLnBrk="0" hangingPunct="0">
-              <a:buFont typeface="Wingdings" charset="0"/>
-              <a:defRPr sz="2000">
-                <a:solidFill>
-                  <a:schemeClr val="tx1"/>
-                </a:solidFill>
-                <a:latin typeface="Arial" charset="0"/>
-                <a:ea typeface="ＭＳ Ｐゴシック" charset="0"/>
-              </a:defRPr>
-            </a:lvl6pPr>
-            <a:lvl7pPr marL="2971800" indent="-228600" eaLnBrk="0" hangingPunct="0">
-              <a:buFont typeface="Wingdings" charset="0"/>
-              <a:defRPr sz="2000">
-                <a:solidFill>
-                  <a:schemeClr val="tx1"/>
-                </a:solidFill>
-                <a:latin typeface="Arial" charset="0"/>
-                <a:ea typeface="ＭＳ Ｐゴシック" charset="0"/>
-              </a:defRPr>
-            </a:lvl7pPr>
-            <a:lvl8pPr marL="3429000" indent="-228600" eaLnBrk="0" hangingPunct="0">
-              <a:buFont typeface="Wingdings" charset="0"/>
-              <a:defRPr sz="2000">
-                <a:solidFill>
-                  <a:schemeClr val="tx1"/>
-                </a:solidFill>
-                <a:latin typeface="Arial" charset="0"/>
-                <a:ea typeface="ＭＳ Ｐゴシック" charset="0"/>
-              </a:defRPr>
-            </a:lvl8pPr>
-            <a:lvl9pPr marL="3886200" indent="-228600" eaLnBrk="0" hangingPunct="0">
-              <a:buFont typeface="Wingdings" charset="0"/>
-              <a:defRPr sz="2000">
-                <a:solidFill>
-                  <a:schemeClr val="tx1"/>
-                </a:solidFill>
-                <a:latin typeface="Arial" charset="0"/>
-                <a:ea typeface="ＭＳ Ｐゴシック" charset="0"/>
-              </a:defRPr>
-            </a:lvl9pPr>
-          </a:lstStyle>
-          <a:p>
-            <a:fld id="{F8A0954B-DB93-2549-B40B-F13D2D93F2C6}" type="slidenum">
-              <a:rPr lang="en-US" sz="1200">
-                <a:latin typeface="Garamond" charset="0"/>
-              </a:rPr>
-              <a:pPr/>
-              <a:t>22</a:t>
-            </a:fld>
-            <a:endParaRPr lang="en-US" sz="1200">
-              <a:latin typeface="Garamond" charset="0"/>
-            </a:endParaRPr>
-          </a:p>
-        </p:txBody>
-      </p:sp>
-      <p:sp>
-        <p:nvSpPr>
-          <p:cNvPr id="7" name="Footer Placeholder 6"/>
-          <p:cNvSpPr>
-            <a:spLocks noGrp="1"/>
-          </p:cNvSpPr>
-          <p:nvPr>
-            <p:ph type="ftr" sz="quarter" idx="11"/>
-          </p:nvPr>
-        </p:nvSpPr>
-        <p:spPr/>
-        <p:txBody>
-          <a:bodyPr/>
-          <a:lstStyle/>
-          <a:p>
-            <a:pPr>
-              <a:defRPr/>
-            </a:pPr>
-            <a:r>
-              <a:rPr lang="en-US" altLang="en-US" smtClean="0"/>
-              <a:t>ECE Application Programming: Lecture 10</a:t>
-            </a:r>
-            <a:endParaRPr lang="en-US" altLang="en-US"/>
-          </a:p>
-        </p:txBody>
-      </p:sp>
-    </p:spTree>
-    <p:extLst>
-      <p:ext uri="{BB962C8B-B14F-4D97-AF65-F5344CB8AC3E}">
-        <p14:creationId xmlns:p14="http://schemas.microsoft.com/office/powerpoint/2010/main" val="1930593473"/>
-      </p:ext>
-    </p:extLst>
-  </p:cSld>
-  <p:clrMapOvr>
-    <a:masterClrMapping/>
-  </p:clrMapOvr>
-  <p:timing>
-    <p:tnLst>
-      <p:par>
-        <p:cTn xmlns:p14="http://schemas.microsoft.com/office/powerpoint/2010/main" id="1" dur="indefinite" restart="never" nodeType="tmRoot"/>
-      </p:par>
-    </p:tnLst>
-  </p:timing>
-</p:sld>
-</file>
-
-<file path=ppt/slides/slide23.xml><?xml version="1.0" encoding="utf-8"?>
-<p:sld xmlns:a="http://schemas.openxmlformats.org/drawingml/2006/main" xmlns:r="http://schemas.openxmlformats.org/officeDocument/2006/relationships" xmlns:p="http://schemas.openxmlformats.org/presentationml/2006/main">
-  <p:cSld>
-    <p:spTree>
-      <p:nvGrpSpPr>
-        <p:cNvPr id="1" name=""/>
-        <p:cNvGrpSpPr/>
-        <p:nvPr/>
-      </p:nvGrpSpPr>
-      <p:grpSpPr>
-        <a:xfrm>
-          <a:off x="0" y="0"/>
-          <a:ext cx="0" cy="0"/>
-          <a:chOff x="0" y="0"/>
-          <a:chExt cx="0" cy="0"/>
-        </a:xfrm>
-      </p:grpSpPr>
-      <p:sp>
-        <p:nvSpPr>
-          <p:cNvPr id="16386" name="Rectangle 2"/>
-          <p:cNvSpPr>
-            <a:spLocks noGrp="1" noChangeArrowheads="1"/>
-          </p:cNvSpPr>
-          <p:nvPr>
-            <p:ph type="title"/>
-          </p:nvPr>
-        </p:nvSpPr>
-        <p:spPr/>
-        <p:txBody>
-          <a:bodyPr/>
-          <a:lstStyle/>
-          <a:p>
-            <a:r>
-              <a:rPr lang="en-US">
-                <a:latin typeface="Garamond" charset="0"/>
-              </a:rPr>
-              <a:t>comparison while vs do-while</a:t>
-            </a:r>
-          </a:p>
-        </p:txBody>
-      </p:sp>
-      <p:sp>
-        <p:nvSpPr>
-          <p:cNvPr id="16387" name="Text Box 3"/>
-          <p:cNvSpPr txBox="1">
-            <a:spLocks noChangeArrowheads="1"/>
-          </p:cNvSpPr>
-          <p:nvPr/>
-        </p:nvSpPr>
-        <p:spPr bwMode="auto">
-          <a:xfrm>
-            <a:off x="152400" y="1676400"/>
-            <a:ext cx="3886200" cy="3416300"/>
-          </a:xfrm>
-          <a:prstGeom prst="rect">
-            <a:avLst/>
-          </a:prstGeom>
-          <a:noFill/>
-          <a:ln>
-            <a:noFill/>
-          </a:ln>
-          <a:extLst>
-            <a:ext uri="{909E8E84-426E-40dd-AFC4-6F175D3DCCD1}">
-              <a14:hiddenFill xmlns:a14="http://schemas.microsoft.com/office/drawing/2010/main">
-                <a:solidFill>
-                  <a:srgbClr val="FFFFFF"/>
-                </a:solidFill>
-              </a14:hiddenFill>
-            </a:ext>
-            <a:ext uri="{91240B29-F687-4f45-9708-019B960494DF}">
-              <a14:hiddenLine xmlns:a14="http://schemas.microsoft.com/office/drawing/2010/main" w="9525">
-                <a:solidFill>
-                  <a:srgbClr val="000000"/>
-                </a:solidFill>
-                <a:miter lim="800000"/>
-                <a:headEnd/>
-                <a:tailEnd/>
-              </a14:hiddenLine>
-            </a:ext>
-          </a:extLst>
-        </p:spPr>
-        <p:txBody>
-          <a:bodyPr>
-            <a:spAutoFit/>
-          </a:bodyPr>
-          <a:lstStyle>
-            <a:lvl1pPr>
-              <a:defRPr sz="3000">
-                <a:solidFill>
-                  <a:schemeClr val="tx1"/>
-                </a:solidFill>
-                <a:latin typeface="Arial" charset="0"/>
-                <a:ea typeface="ＭＳ Ｐゴシック" charset="0"/>
-                <a:cs typeface="ＭＳ Ｐゴシック" charset="0"/>
-              </a:defRPr>
-            </a:lvl1pPr>
-            <a:lvl2pPr marL="742950" indent="-285750">
-              <a:defRPr sz="2600">
-                <a:solidFill>
-                  <a:schemeClr val="tx1"/>
-                </a:solidFill>
-                <a:latin typeface="Arial" charset="0"/>
-                <a:ea typeface="ＭＳ Ｐゴシック" charset="0"/>
-              </a:defRPr>
-            </a:lvl2pPr>
-            <a:lvl3pPr marL="1143000" indent="-228600">
-              <a:defRPr sz="2200">
-                <a:solidFill>
-                  <a:schemeClr val="tx1"/>
-                </a:solidFill>
-                <a:latin typeface="Arial" charset="0"/>
-                <a:ea typeface="ＭＳ Ｐゴシック" charset="0"/>
-              </a:defRPr>
-            </a:lvl3pPr>
-            <a:lvl4pPr marL="1600200" indent="-228600">
-              <a:defRPr sz="2000">
-                <a:solidFill>
-                  <a:schemeClr val="tx1"/>
-                </a:solidFill>
-                <a:latin typeface="Arial" charset="0"/>
-                <a:ea typeface="ＭＳ Ｐゴシック" charset="0"/>
-              </a:defRPr>
-            </a:lvl4pPr>
-            <a:lvl5pPr marL="2057400" indent="-228600">
-              <a:defRPr sz="2000">
-                <a:solidFill>
-                  <a:schemeClr val="tx1"/>
-                </a:solidFill>
-                <a:latin typeface="Arial" charset="0"/>
-                <a:ea typeface="ＭＳ Ｐゴシック" charset="0"/>
-              </a:defRPr>
-            </a:lvl5pPr>
-            <a:lvl6pPr marL="2514600" indent="-228600" eaLnBrk="0" hangingPunct="0">
-              <a:buFont typeface="Wingdings" charset="0"/>
-              <a:defRPr sz="2000">
-                <a:solidFill>
-                  <a:schemeClr val="tx1"/>
-                </a:solidFill>
-                <a:latin typeface="Arial" charset="0"/>
-                <a:ea typeface="ＭＳ Ｐゴシック" charset="0"/>
-              </a:defRPr>
-            </a:lvl6pPr>
-            <a:lvl7pPr marL="2971800" indent="-228600" eaLnBrk="0" hangingPunct="0">
-              <a:buFont typeface="Wingdings" charset="0"/>
-              <a:defRPr sz="2000">
-                <a:solidFill>
-                  <a:schemeClr val="tx1"/>
-                </a:solidFill>
-                <a:latin typeface="Arial" charset="0"/>
-                <a:ea typeface="ＭＳ Ｐゴシック" charset="0"/>
-              </a:defRPr>
-            </a:lvl7pPr>
-            <a:lvl8pPr marL="3429000" indent="-228600" eaLnBrk="0" hangingPunct="0">
-              <a:buFont typeface="Wingdings" charset="0"/>
-              <a:defRPr sz="2000">
-                <a:solidFill>
-                  <a:schemeClr val="tx1"/>
-                </a:solidFill>
-                <a:latin typeface="Arial" charset="0"/>
-                <a:ea typeface="ＭＳ Ｐゴシック" charset="0"/>
-              </a:defRPr>
-            </a:lvl8pPr>
-            <a:lvl9pPr marL="3886200" indent="-228600" eaLnBrk="0" hangingPunct="0">
-              <a:buFont typeface="Wingdings" charset="0"/>
-              <a:defRPr sz="2000">
-                <a:solidFill>
-                  <a:schemeClr val="tx1"/>
-                </a:solidFill>
-                <a:latin typeface="Arial" charset="0"/>
-                <a:ea typeface="ＭＳ Ｐゴシック" charset="0"/>
-              </a:defRPr>
-            </a:lvl9pPr>
-          </a:lstStyle>
-          <a:p>
-            <a:pPr>
-              <a:spcBef>
-                <a:spcPct val="50000"/>
-              </a:spcBef>
-            </a:pPr>
-            <a:r>
-              <a:rPr lang="en-US" sz="1800">
-                <a:latin typeface="Courier New" charset="0"/>
-              </a:rPr>
-              <a:t>x = 7;</a:t>
-            </a:r>
-            <a:br>
-              <a:rPr lang="en-US" sz="1800">
-                <a:latin typeface="Courier New" charset="0"/>
-              </a:rPr>
-            </a:br>
-            <a:r>
-              <a:rPr lang="en-US" sz="1800">
-                <a:latin typeface="Courier New" charset="0"/>
-              </a:rPr>
-              <a:t>do {</a:t>
-            </a:r>
-            <a:br>
-              <a:rPr lang="en-US" sz="1800">
-                <a:latin typeface="Courier New" charset="0"/>
-              </a:rPr>
-            </a:br>
-            <a:r>
-              <a:rPr lang="en-US" sz="1800">
-                <a:latin typeface="Courier New" charset="0"/>
-              </a:rPr>
-              <a:t>	printf("%d",x);</a:t>
-            </a:r>
-            <a:br>
-              <a:rPr lang="en-US" sz="1800">
-                <a:latin typeface="Courier New" charset="0"/>
-              </a:rPr>
-            </a:br>
-            <a:r>
-              <a:rPr lang="en-US" sz="1800">
-                <a:latin typeface="Courier New" charset="0"/>
-              </a:rPr>
-              <a:t>	x = x + 1;</a:t>
-            </a:r>
-            <a:br>
-              <a:rPr lang="en-US" sz="1800">
-                <a:latin typeface="Courier New" charset="0"/>
-              </a:rPr>
-            </a:br>
-            <a:r>
-              <a:rPr lang="en-US" sz="1800">
-                <a:latin typeface="Courier New" charset="0"/>
-              </a:rPr>
-              <a:t>} while ( x &lt; 3  );</a:t>
-            </a:r>
-            <a:br>
-              <a:rPr lang="en-US" sz="1800">
-                <a:latin typeface="Courier New" charset="0"/>
-              </a:rPr>
-            </a:br>
-            <a:endParaRPr lang="en-US" sz="1800">
-              <a:latin typeface="Courier New" charset="0"/>
-            </a:endParaRPr>
-          </a:p>
-          <a:p>
-            <a:pPr>
-              <a:spcBef>
-                <a:spcPct val="50000"/>
-              </a:spcBef>
-            </a:pPr>
-            <a:endParaRPr lang="en-US" sz="1800"/>
-          </a:p>
-          <a:p>
-            <a:pPr>
-              <a:spcBef>
-                <a:spcPct val="50000"/>
-              </a:spcBef>
-            </a:pPr>
-            <a:r>
-              <a:rPr lang="en-US" sz="1800"/>
-              <a:t>OUTPUT:</a:t>
-            </a:r>
-          </a:p>
-          <a:p>
-            <a:pPr>
-              <a:spcBef>
-                <a:spcPct val="50000"/>
-              </a:spcBef>
-            </a:pPr>
-            <a:r>
-              <a:rPr lang="en-US" sz="1800"/>
-              <a:t>7</a:t>
-            </a:r>
-          </a:p>
-          <a:p>
-            <a:pPr>
-              <a:spcBef>
-                <a:spcPct val="50000"/>
-              </a:spcBef>
-            </a:pPr>
-            <a:endParaRPr lang="en-US" sz="1800"/>
-          </a:p>
-        </p:txBody>
-      </p:sp>
-      <p:sp>
-        <p:nvSpPr>
-          <p:cNvPr id="16388" name="Text Box 4"/>
-          <p:cNvSpPr txBox="1">
-            <a:spLocks noChangeArrowheads="1"/>
-          </p:cNvSpPr>
-          <p:nvPr/>
-        </p:nvSpPr>
-        <p:spPr bwMode="auto">
-          <a:xfrm>
-            <a:off x="4419600" y="1676400"/>
-            <a:ext cx="3886200" cy="3278188"/>
-          </a:xfrm>
-          <a:prstGeom prst="rect">
-            <a:avLst/>
-          </a:prstGeom>
-          <a:noFill/>
-          <a:ln>
-            <a:noFill/>
-          </a:ln>
-          <a:extLst>
-            <a:ext uri="{909E8E84-426E-40dd-AFC4-6F175D3DCCD1}">
-              <a14:hiddenFill xmlns:a14="http://schemas.microsoft.com/office/drawing/2010/main">
-                <a:solidFill>
-                  <a:srgbClr val="FFFFFF"/>
-                </a:solidFill>
-              </a14:hiddenFill>
-            </a:ext>
-            <a:ext uri="{91240B29-F687-4f45-9708-019B960494DF}">
-              <a14:hiddenLine xmlns:a14="http://schemas.microsoft.com/office/drawing/2010/main" w="9525">
-                <a:solidFill>
-                  <a:srgbClr val="000000"/>
-                </a:solidFill>
-                <a:miter lim="800000"/>
-                <a:headEnd/>
-                <a:tailEnd/>
-              </a14:hiddenLine>
-            </a:ext>
-          </a:extLst>
-        </p:spPr>
-        <p:txBody>
-          <a:bodyPr>
-            <a:spAutoFit/>
-          </a:bodyPr>
-          <a:lstStyle>
-            <a:lvl1pPr>
-              <a:defRPr sz="3000">
-                <a:solidFill>
-                  <a:schemeClr val="tx1"/>
-                </a:solidFill>
-                <a:latin typeface="Arial" charset="0"/>
-                <a:ea typeface="ＭＳ Ｐゴシック" charset="0"/>
-                <a:cs typeface="ＭＳ Ｐゴシック" charset="0"/>
-              </a:defRPr>
-            </a:lvl1pPr>
-            <a:lvl2pPr marL="742950" indent="-285750">
-              <a:defRPr sz="2600">
-                <a:solidFill>
-                  <a:schemeClr val="tx1"/>
-                </a:solidFill>
-                <a:latin typeface="Arial" charset="0"/>
-                <a:ea typeface="ＭＳ Ｐゴシック" charset="0"/>
-              </a:defRPr>
-            </a:lvl2pPr>
-            <a:lvl3pPr marL="1143000" indent="-228600">
-              <a:defRPr sz="2200">
-                <a:solidFill>
-                  <a:schemeClr val="tx1"/>
-                </a:solidFill>
-                <a:latin typeface="Arial" charset="0"/>
-                <a:ea typeface="ＭＳ Ｐゴシック" charset="0"/>
-              </a:defRPr>
-            </a:lvl3pPr>
-            <a:lvl4pPr marL="1600200" indent="-228600">
-              <a:defRPr sz="2000">
-                <a:solidFill>
-                  <a:schemeClr val="tx1"/>
-                </a:solidFill>
-                <a:latin typeface="Arial" charset="0"/>
-                <a:ea typeface="ＭＳ Ｐゴシック" charset="0"/>
-              </a:defRPr>
-            </a:lvl4pPr>
-            <a:lvl5pPr marL="2057400" indent="-228600">
-              <a:defRPr sz="2000">
-                <a:solidFill>
-                  <a:schemeClr val="tx1"/>
-                </a:solidFill>
-                <a:latin typeface="Arial" charset="0"/>
-                <a:ea typeface="ＭＳ Ｐゴシック" charset="0"/>
-              </a:defRPr>
-            </a:lvl5pPr>
-            <a:lvl6pPr marL="2514600" indent="-228600" eaLnBrk="0" hangingPunct="0">
-              <a:buFont typeface="Wingdings" charset="0"/>
-              <a:defRPr sz="2000">
-                <a:solidFill>
-                  <a:schemeClr val="tx1"/>
-                </a:solidFill>
-                <a:latin typeface="Arial" charset="0"/>
-                <a:ea typeface="ＭＳ Ｐゴシック" charset="0"/>
-              </a:defRPr>
-            </a:lvl6pPr>
-            <a:lvl7pPr marL="2971800" indent="-228600" eaLnBrk="0" hangingPunct="0">
-              <a:buFont typeface="Wingdings" charset="0"/>
-              <a:defRPr sz="2000">
-                <a:solidFill>
-                  <a:schemeClr val="tx1"/>
-                </a:solidFill>
-                <a:latin typeface="Arial" charset="0"/>
-                <a:ea typeface="ＭＳ Ｐゴシック" charset="0"/>
-              </a:defRPr>
-            </a:lvl7pPr>
-            <a:lvl8pPr marL="3429000" indent="-228600" eaLnBrk="0" hangingPunct="0">
-              <a:buFont typeface="Wingdings" charset="0"/>
-              <a:defRPr sz="2000">
-                <a:solidFill>
-                  <a:schemeClr val="tx1"/>
-                </a:solidFill>
-                <a:latin typeface="Arial" charset="0"/>
-                <a:ea typeface="ＭＳ Ｐゴシック" charset="0"/>
-              </a:defRPr>
-            </a:lvl8pPr>
-            <a:lvl9pPr marL="3886200" indent="-228600" eaLnBrk="0" hangingPunct="0">
-              <a:buFont typeface="Wingdings" charset="0"/>
-              <a:defRPr sz="2000">
-                <a:solidFill>
-                  <a:schemeClr val="tx1"/>
-                </a:solidFill>
-                <a:latin typeface="Arial" charset="0"/>
-                <a:ea typeface="ＭＳ Ｐゴシック" charset="0"/>
-              </a:defRPr>
-            </a:lvl9pPr>
-          </a:lstStyle>
-          <a:p>
-            <a:pPr>
-              <a:spcBef>
-                <a:spcPct val="50000"/>
-              </a:spcBef>
-            </a:pPr>
-            <a:r>
-              <a:rPr lang="en-US" sz="1800">
-                <a:latin typeface="Courier New" charset="0"/>
-              </a:rPr>
-              <a:t>x = 7;</a:t>
-            </a:r>
-            <a:br>
-              <a:rPr lang="en-US" sz="1800">
-                <a:latin typeface="Courier New" charset="0"/>
-              </a:rPr>
-            </a:br>
-            <a:r>
-              <a:rPr lang="en-US" sz="1800">
-                <a:latin typeface="Courier New" charset="0"/>
-              </a:rPr>
-              <a:t>while ( x &lt; 3  ) </a:t>
-            </a:r>
-            <a:br>
-              <a:rPr lang="en-US" sz="1800">
-                <a:latin typeface="Courier New" charset="0"/>
-              </a:rPr>
-            </a:br>
-            <a:r>
-              <a:rPr lang="en-US" sz="1800">
-                <a:latin typeface="Courier New" charset="0"/>
-              </a:rPr>
-              <a:t>{</a:t>
-            </a:r>
-            <a:br>
-              <a:rPr lang="en-US" sz="1800">
-                <a:latin typeface="Courier New" charset="0"/>
-              </a:rPr>
-            </a:br>
-            <a:r>
-              <a:rPr lang="en-US" sz="1800">
-                <a:latin typeface="Courier New" charset="0"/>
-              </a:rPr>
-              <a:t>	printf("%d",x);</a:t>
-            </a:r>
-            <a:br>
-              <a:rPr lang="en-US" sz="1800">
-                <a:latin typeface="Courier New" charset="0"/>
-              </a:rPr>
-            </a:br>
-            <a:r>
-              <a:rPr lang="en-US" sz="1800">
-                <a:latin typeface="Courier New" charset="0"/>
-              </a:rPr>
-              <a:t>	x = x + 1;</a:t>
-            </a:r>
-            <a:br>
-              <a:rPr lang="en-US" sz="1800">
-                <a:latin typeface="Courier New" charset="0"/>
-              </a:rPr>
-            </a:br>
-            <a:r>
-              <a:rPr lang="en-US" sz="1800">
-                <a:latin typeface="Courier New" charset="0"/>
-              </a:rPr>
-              <a:t>} </a:t>
-            </a:r>
-            <a:br>
-              <a:rPr lang="en-US" sz="1800">
-                <a:latin typeface="Courier New" charset="0"/>
-              </a:rPr>
-            </a:br>
-            <a:endParaRPr lang="en-US" sz="1800">
-              <a:latin typeface="Courier New" charset="0"/>
-            </a:endParaRPr>
-          </a:p>
-          <a:p>
-            <a:pPr>
-              <a:spcBef>
-                <a:spcPct val="50000"/>
-              </a:spcBef>
-            </a:pPr>
-            <a:r>
-              <a:rPr lang="en-US" sz="1800"/>
-              <a:t>OUTPUT:</a:t>
-            </a:r>
-          </a:p>
-          <a:p>
-            <a:pPr>
-              <a:spcBef>
-                <a:spcPct val="50000"/>
-              </a:spcBef>
-            </a:pPr>
-            <a:r>
-              <a:rPr lang="en-US" sz="1800"/>
-              <a:t>(no output)</a:t>
-            </a:r>
-          </a:p>
-          <a:p>
-            <a:pPr>
-              <a:spcBef>
-                <a:spcPct val="50000"/>
-              </a:spcBef>
-            </a:pPr>
-            <a:endParaRPr lang="en-US" sz="1800"/>
-          </a:p>
-        </p:txBody>
-      </p:sp>
-      <p:sp>
-        <p:nvSpPr>
-          <p:cNvPr id="16389" name="Date Placeholder 4"/>
-          <p:cNvSpPr>
-            <a:spLocks noGrp="1"/>
-          </p:cNvSpPr>
-          <p:nvPr>
-            <p:ph type="dt" sz="quarter" idx="10"/>
-          </p:nvPr>
-        </p:nvSpPr>
-        <p:spPr>
-          <a:noFill/>
-          <a:ln/>
-          <a:extLst>
-            <a:ext uri="{909E8E84-426E-40dd-AFC4-6F175D3DCCD1}">
-              <a14:hiddenFill xmlns:a14="http://schemas.microsoft.com/office/drawing/2010/main">
-                <a:solidFill>
-                  <a:srgbClr val="FFFFFF"/>
-                </a:solidFill>
-              </a14:hiddenFill>
-            </a:ext>
-            <a:ext uri="{91240B29-F687-4f45-9708-019B960494DF}">
-              <a14:hiddenLine xmlns:a14="http://schemas.microsoft.com/office/drawing/2010/main" w="9525">
-                <a:solidFill>
-                  <a:srgbClr val="000000"/>
-                </a:solidFill>
-                <a:miter lim="800000"/>
-                <a:headEnd/>
-                <a:tailEnd/>
-              </a14:hiddenLine>
-            </a:ext>
-          </a:extLst>
-        </p:spPr>
-        <p:txBody>
-          <a:bodyPr/>
-          <a:lstStyle>
-            <a:lvl1pPr>
-              <a:defRPr sz="3000">
-                <a:solidFill>
-                  <a:schemeClr val="tx1"/>
-                </a:solidFill>
-                <a:latin typeface="Arial" charset="0"/>
-                <a:ea typeface="ＭＳ Ｐゴシック" charset="0"/>
-                <a:cs typeface="ＭＳ Ｐゴシック" charset="0"/>
-              </a:defRPr>
-            </a:lvl1pPr>
-            <a:lvl2pPr marL="742950" indent="-285750">
-              <a:defRPr sz="2600">
-                <a:solidFill>
-                  <a:schemeClr val="tx1"/>
-                </a:solidFill>
-                <a:latin typeface="Arial" charset="0"/>
-                <a:ea typeface="ＭＳ Ｐゴシック" charset="0"/>
-              </a:defRPr>
-            </a:lvl2pPr>
-            <a:lvl3pPr marL="1143000" indent="-228600">
-              <a:defRPr sz="2200">
-                <a:solidFill>
-                  <a:schemeClr val="tx1"/>
-                </a:solidFill>
-                <a:latin typeface="Arial" charset="0"/>
-                <a:ea typeface="ＭＳ Ｐゴシック" charset="0"/>
-              </a:defRPr>
-            </a:lvl3pPr>
-            <a:lvl4pPr marL="1600200" indent="-228600">
-              <a:defRPr sz="2000">
-                <a:solidFill>
-                  <a:schemeClr val="tx1"/>
-                </a:solidFill>
-                <a:latin typeface="Arial" charset="0"/>
-                <a:ea typeface="ＭＳ Ｐゴシック" charset="0"/>
-              </a:defRPr>
-            </a:lvl4pPr>
-            <a:lvl5pPr marL="2057400" indent="-228600">
-              <a:defRPr sz="2000">
-                <a:solidFill>
-                  <a:schemeClr val="tx1"/>
-                </a:solidFill>
-                <a:latin typeface="Arial" charset="0"/>
-                <a:ea typeface="ＭＳ Ｐゴシック" charset="0"/>
-              </a:defRPr>
-            </a:lvl5pPr>
-            <a:lvl6pPr marL="2514600" indent="-228600" eaLnBrk="0" hangingPunct="0">
-              <a:buFont typeface="Wingdings" charset="0"/>
-              <a:defRPr sz="2000">
-                <a:solidFill>
-                  <a:schemeClr val="tx1"/>
-                </a:solidFill>
-                <a:latin typeface="Arial" charset="0"/>
-                <a:ea typeface="ＭＳ Ｐゴシック" charset="0"/>
-              </a:defRPr>
-            </a:lvl6pPr>
-            <a:lvl7pPr marL="2971800" indent="-228600" eaLnBrk="0" hangingPunct="0">
-              <a:buFont typeface="Wingdings" charset="0"/>
-              <a:defRPr sz="2000">
-                <a:solidFill>
-                  <a:schemeClr val="tx1"/>
-                </a:solidFill>
-                <a:latin typeface="Arial" charset="0"/>
-                <a:ea typeface="ＭＳ Ｐゴシック" charset="0"/>
-              </a:defRPr>
-            </a:lvl7pPr>
-            <a:lvl8pPr marL="3429000" indent="-228600" eaLnBrk="0" hangingPunct="0">
-              <a:buFont typeface="Wingdings" charset="0"/>
-              <a:defRPr sz="2000">
-                <a:solidFill>
-                  <a:schemeClr val="tx1"/>
-                </a:solidFill>
-                <a:latin typeface="Arial" charset="0"/>
-                <a:ea typeface="ＭＳ Ｐゴシック" charset="0"/>
-              </a:defRPr>
-            </a:lvl8pPr>
-            <a:lvl9pPr marL="3886200" indent="-228600" eaLnBrk="0" hangingPunct="0">
-              <a:buFont typeface="Wingdings" charset="0"/>
-              <a:defRPr sz="2000">
-                <a:solidFill>
-                  <a:schemeClr val="tx1"/>
-                </a:solidFill>
-                <a:latin typeface="Arial" charset="0"/>
-                <a:ea typeface="ＭＳ Ｐゴシック" charset="0"/>
-              </a:defRPr>
-            </a:lvl9pPr>
-          </a:lstStyle>
-          <a:p>
-            <a:fld id="{96E21CE7-BEED-7740-877E-C850D9FD8D6D}" type="datetime1">
-              <a:rPr lang="en-US" sz="1200" smtClean="0">
-                <a:latin typeface="Garamond" charset="0"/>
-              </a:rPr>
-              <a:t>2/14/18</a:t>
-            </a:fld>
-            <a:endParaRPr lang="en-US" sz="1200">
-              <a:latin typeface="Garamond" charset="0"/>
-            </a:endParaRPr>
-          </a:p>
-        </p:txBody>
-      </p:sp>
-      <p:sp>
-        <p:nvSpPr>
-          <p:cNvPr id="16390" name="Slide Number Placeholder 5"/>
-          <p:cNvSpPr>
-            <a:spLocks noGrp="1"/>
-          </p:cNvSpPr>
-          <p:nvPr>
-            <p:ph type="sldNum" sz="quarter" idx="12"/>
-          </p:nvPr>
-        </p:nvSpPr>
-        <p:spPr>
-          <a:noFill/>
-          <a:ln/>
-          <a:extLst>
-            <a:ext uri="{909E8E84-426E-40dd-AFC4-6F175D3DCCD1}">
-              <a14:hiddenFill xmlns:a14="http://schemas.microsoft.com/office/drawing/2010/main">
-                <a:solidFill>
-                  <a:srgbClr val="FFFFFF"/>
-                </a:solidFill>
-              </a14:hiddenFill>
-            </a:ext>
-            <a:ext uri="{91240B29-F687-4f45-9708-019B960494DF}">
-              <a14:hiddenLine xmlns:a14="http://schemas.microsoft.com/office/drawing/2010/main" w="9525">
-                <a:solidFill>
-                  <a:srgbClr val="000000"/>
-                </a:solidFill>
-                <a:miter lim="800000"/>
-                <a:headEnd/>
-                <a:tailEnd/>
-              </a14:hiddenLine>
-            </a:ext>
-          </a:extLst>
-        </p:spPr>
-        <p:txBody>
-          <a:bodyPr/>
-          <a:lstStyle>
-            <a:lvl1pPr>
-              <a:defRPr sz="3000">
-                <a:solidFill>
-                  <a:schemeClr val="tx1"/>
-                </a:solidFill>
-                <a:latin typeface="Arial" charset="0"/>
-                <a:ea typeface="ＭＳ Ｐゴシック" charset="0"/>
-                <a:cs typeface="ＭＳ Ｐゴシック" charset="0"/>
-              </a:defRPr>
-            </a:lvl1pPr>
-            <a:lvl2pPr marL="742950" indent="-285750">
-              <a:defRPr sz="2600">
-                <a:solidFill>
-                  <a:schemeClr val="tx1"/>
-                </a:solidFill>
-                <a:latin typeface="Arial" charset="0"/>
-                <a:ea typeface="ＭＳ Ｐゴシック" charset="0"/>
-              </a:defRPr>
-            </a:lvl2pPr>
-            <a:lvl3pPr marL="1143000" indent="-228600">
-              <a:defRPr sz="2200">
-                <a:solidFill>
-                  <a:schemeClr val="tx1"/>
-                </a:solidFill>
-                <a:latin typeface="Arial" charset="0"/>
-                <a:ea typeface="ＭＳ Ｐゴシック" charset="0"/>
-              </a:defRPr>
-            </a:lvl3pPr>
-            <a:lvl4pPr marL="1600200" indent="-228600">
-              <a:defRPr sz="2000">
-                <a:solidFill>
-                  <a:schemeClr val="tx1"/>
-                </a:solidFill>
-                <a:latin typeface="Arial" charset="0"/>
-                <a:ea typeface="ＭＳ Ｐゴシック" charset="0"/>
-              </a:defRPr>
-            </a:lvl4pPr>
-            <a:lvl5pPr marL="2057400" indent="-228600">
-              <a:defRPr sz="2000">
-                <a:solidFill>
-                  <a:schemeClr val="tx1"/>
-                </a:solidFill>
-                <a:latin typeface="Arial" charset="0"/>
-                <a:ea typeface="ＭＳ Ｐゴシック" charset="0"/>
-              </a:defRPr>
-            </a:lvl5pPr>
-            <a:lvl6pPr marL="2514600" indent="-228600" eaLnBrk="0" hangingPunct="0">
-              <a:buFont typeface="Wingdings" charset="0"/>
-              <a:defRPr sz="2000">
-                <a:solidFill>
-                  <a:schemeClr val="tx1"/>
-                </a:solidFill>
-                <a:latin typeface="Arial" charset="0"/>
-                <a:ea typeface="ＭＳ Ｐゴシック" charset="0"/>
-              </a:defRPr>
-            </a:lvl6pPr>
-            <a:lvl7pPr marL="2971800" indent="-228600" eaLnBrk="0" hangingPunct="0">
-              <a:buFont typeface="Wingdings" charset="0"/>
-              <a:defRPr sz="2000">
-                <a:solidFill>
-                  <a:schemeClr val="tx1"/>
-                </a:solidFill>
-                <a:latin typeface="Arial" charset="0"/>
-                <a:ea typeface="ＭＳ Ｐゴシック" charset="0"/>
-              </a:defRPr>
-            </a:lvl7pPr>
-            <a:lvl8pPr marL="3429000" indent="-228600" eaLnBrk="0" hangingPunct="0">
-              <a:buFont typeface="Wingdings" charset="0"/>
-              <a:defRPr sz="2000">
-                <a:solidFill>
-                  <a:schemeClr val="tx1"/>
-                </a:solidFill>
-                <a:latin typeface="Arial" charset="0"/>
-                <a:ea typeface="ＭＳ Ｐゴシック" charset="0"/>
-              </a:defRPr>
-            </a:lvl8pPr>
-            <a:lvl9pPr marL="3886200" indent="-228600" eaLnBrk="0" hangingPunct="0">
-              <a:buFont typeface="Wingdings" charset="0"/>
-              <a:defRPr sz="2000">
-                <a:solidFill>
-                  <a:schemeClr val="tx1"/>
-                </a:solidFill>
-                <a:latin typeface="Arial" charset="0"/>
-                <a:ea typeface="ＭＳ Ｐゴシック" charset="0"/>
-              </a:defRPr>
-            </a:lvl9pPr>
-          </a:lstStyle>
-          <a:p>
-            <a:fld id="{6D794219-9225-1644-A26F-51B084EB597A}" type="slidenum">
-              <a:rPr lang="en-US" sz="1200">
-                <a:latin typeface="Garamond" charset="0"/>
-              </a:rPr>
-              <a:pPr/>
-              <a:t>23</a:t>
-            </a:fld>
-            <a:endParaRPr lang="en-US" sz="1200">
-              <a:latin typeface="Garamond" charset="0"/>
-            </a:endParaRPr>
-          </a:p>
-        </p:txBody>
-      </p:sp>
-      <p:sp>
-        <p:nvSpPr>
-          <p:cNvPr id="7" name="Footer Placeholder 6"/>
-          <p:cNvSpPr>
-            <a:spLocks noGrp="1"/>
-          </p:cNvSpPr>
-          <p:nvPr>
-            <p:ph type="ftr" sz="quarter" idx="11"/>
-          </p:nvPr>
-        </p:nvSpPr>
-        <p:spPr/>
-        <p:txBody>
-          <a:bodyPr/>
-          <a:lstStyle/>
-          <a:p>
-            <a:pPr>
-              <a:defRPr/>
-            </a:pPr>
-            <a:r>
-              <a:rPr lang="en-US" altLang="en-US" smtClean="0"/>
-              <a:t>ECE Application Programming: Lecture 10</a:t>
-            </a:r>
-            <a:endParaRPr lang="en-US" altLang="en-US"/>
-          </a:p>
-        </p:txBody>
-      </p:sp>
-    </p:spTree>
-    <p:extLst>
-      <p:ext uri="{BB962C8B-B14F-4D97-AF65-F5344CB8AC3E}">
-        <p14:creationId xmlns:p14="http://schemas.microsoft.com/office/powerpoint/2010/main" val="763123999"/>
-      </p:ext>
-    </p:extLst>
-  </p:cSld>
-  <p:clrMapOvr>
-    <a:masterClrMapping/>
-  </p:clrMapOvr>
-  <p:timing>
-    <p:tnLst>
-      <p:par>
-        <p:cTn xmlns:p14="http://schemas.microsoft.com/office/powerpoint/2010/main" id="1" dur="indefinite" restart="never" nodeType="tmRoot"/>
-      </p:par>
-    </p:tnLst>
-  </p:timing>
-</p:sld>
-</file>
-
-<file path=ppt/slides/slide24.xml><?xml version="1.0" encoding="utf-8"?>
-<p:sld xmlns:a="http://schemas.openxmlformats.org/drawingml/2006/main" xmlns:r="http://schemas.openxmlformats.org/officeDocument/2006/relationships" xmlns:p="http://schemas.openxmlformats.org/presentationml/2006/main">
-  <p:cSld>
-    <p:spTree>
-      <p:nvGrpSpPr>
-        <p:cNvPr id="1" name=""/>
-        <p:cNvGrpSpPr/>
-        <p:nvPr/>
-      </p:nvGrpSpPr>
-      <p:grpSpPr>
-        <a:xfrm>
-          <a:off x="0" y="0"/>
-          <a:ext cx="0" cy="0"/>
-          <a:chOff x="0" y="0"/>
-          <a:chExt cx="0" cy="0"/>
-        </a:xfrm>
-      </p:grpSpPr>
-      <p:sp>
-        <p:nvSpPr>
-          <p:cNvPr id="17410" name="Title 1"/>
-          <p:cNvSpPr>
-            <a:spLocks noGrp="1"/>
-          </p:cNvSpPr>
-          <p:nvPr>
-            <p:ph type="title"/>
-          </p:nvPr>
-        </p:nvSpPr>
-        <p:spPr/>
-        <p:txBody>
-          <a:bodyPr/>
-          <a:lstStyle/>
-          <a:p>
-            <a:r>
-              <a:rPr lang="en-US">
-                <a:latin typeface="Garamond" charset="0"/>
-              </a:rPr>
-              <a:t>Application: sentinel value</a:t>
-            </a:r>
-          </a:p>
-        </p:txBody>
-      </p:sp>
-      <p:sp>
-        <p:nvSpPr>
-          <p:cNvPr id="3" name="Content Placeholder 2"/>
-          <p:cNvSpPr>
-            <a:spLocks noGrp="1"/>
-          </p:cNvSpPr>
-          <p:nvPr>
-            <p:ph idx="1"/>
-          </p:nvPr>
-        </p:nvSpPr>
-        <p:spPr>
-          <a:xfrm>
-            <a:off x="457200" y="990600"/>
-            <a:ext cx="8229600" cy="5140325"/>
-          </a:xfrm>
-        </p:spPr>
-        <p:txBody>
-          <a:bodyPr>
-            <a:normAutofit fontScale="77500" lnSpcReduction="20000"/>
-          </a:bodyPr>
-          <a:lstStyle/>
-          <a:p>
-            <a:pPr>
-              <a:buFont typeface="Wingdings" pitchFamily="2" charset="2"/>
-              <a:buChar char="n"/>
-              <a:defRPr/>
-            </a:pPr>
-            <a:r>
-              <a:rPr lang="en-US" dirty="0" smtClean="0">
-                <a:ea typeface="+mn-ea"/>
-                <a:cs typeface="+mn-cs"/>
-              </a:rPr>
-              <a:t>Core of program demonstrating while loop</a:t>
-            </a:r>
-          </a:p>
-          <a:p>
-            <a:pPr marL="0" indent="0">
-              <a:buFont typeface="Wingdings" pitchFamily="2" charset="2"/>
-              <a:buNone/>
-              <a:defRPr/>
-            </a:pPr>
-            <a:endParaRPr lang="en-US" dirty="0" smtClean="0">
-              <a:ea typeface="+mn-ea"/>
-              <a:cs typeface="+mn-cs"/>
-            </a:endParaRPr>
-          </a:p>
-          <a:p>
-            <a:pPr>
-              <a:buFont typeface="Wingdings" pitchFamily="2" charset="2"/>
-              <a:buNone/>
-              <a:defRPr/>
-            </a:pPr>
-            <a:r>
-              <a:rPr lang="en-US" sz="2300" dirty="0" smtClean="0">
-                <a:latin typeface="Courier New" pitchFamily="49" charset="0"/>
-                <a:ea typeface="+mn-ea"/>
-                <a:cs typeface="Courier New" pitchFamily="49" charset="0"/>
-              </a:rPr>
-              <a:t>// Prompt for and read first grade</a:t>
-            </a:r>
-          </a:p>
-          <a:p>
-            <a:pPr>
-              <a:buFont typeface="Wingdings" pitchFamily="2" charset="2"/>
-              <a:buNone/>
-              <a:defRPr/>
-            </a:pPr>
-            <a:r>
-              <a:rPr lang="en-US" sz="2300" dirty="0" err="1" smtClean="0">
-                <a:latin typeface="Courier New" pitchFamily="49" charset="0"/>
-                <a:ea typeface="+mn-ea"/>
-                <a:cs typeface="Courier New" pitchFamily="49" charset="0"/>
-              </a:rPr>
-              <a:t>printf</a:t>
-            </a:r>
-            <a:r>
-              <a:rPr lang="en-US" sz="2300" dirty="0" smtClean="0">
-                <a:latin typeface="Courier New" pitchFamily="49" charset="0"/>
-                <a:ea typeface="+mn-ea"/>
-                <a:cs typeface="Courier New" pitchFamily="49" charset="0"/>
-              </a:rPr>
-              <a:t>("Enter grade: ");</a:t>
-            </a:r>
-          </a:p>
-          <a:p>
-            <a:pPr>
-              <a:buFont typeface="Wingdings" pitchFamily="2" charset="2"/>
-              <a:buNone/>
-              <a:defRPr/>
-            </a:pPr>
-            <a:r>
-              <a:rPr lang="en-US" sz="2300" dirty="0" err="1" smtClean="0">
-                <a:latin typeface="Courier New" pitchFamily="49" charset="0"/>
-                <a:ea typeface="+mn-ea"/>
-                <a:cs typeface="Courier New" pitchFamily="49" charset="0"/>
-              </a:rPr>
-              <a:t>scanf</a:t>
-            </a:r>
-            <a:r>
-              <a:rPr lang="en-US" sz="2300" dirty="0" smtClean="0">
-                <a:latin typeface="Courier New" pitchFamily="49" charset="0"/>
-                <a:ea typeface="+mn-ea"/>
-                <a:cs typeface="Courier New" pitchFamily="49" charset="0"/>
-              </a:rPr>
-              <a:t>("%lf", &amp;grade);</a:t>
-            </a:r>
-          </a:p>
-          <a:p>
-            <a:pPr>
-              <a:buFont typeface="Wingdings" pitchFamily="2" charset="2"/>
-              <a:buNone/>
-              <a:defRPr/>
-            </a:pPr>
-            <a:endParaRPr lang="en-US" sz="2300" dirty="0" smtClean="0">
-              <a:latin typeface="Courier New" pitchFamily="49" charset="0"/>
-              <a:ea typeface="+mn-ea"/>
-              <a:cs typeface="Courier New" pitchFamily="49" charset="0"/>
-            </a:endParaRPr>
-          </a:p>
-          <a:p>
-            <a:pPr>
-              <a:buFont typeface="Wingdings" pitchFamily="2" charset="2"/>
-              <a:buNone/>
-              <a:defRPr/>
-            </a:pPr>
-            <a:r>
-              <a:rPr lang="en-US" sz="2300" dirty="0" smtClean="0">
-                <a:latin typeface="Courier New" pitchFamily="49" charset="0"/>
-                <a:ea typeface="+mn-ea"/>
-                <a:cs typeface="Courier New" pitchFamily="49" charset="0"/>
-              </a:rPr>
-              <a:t>/* Continue reading/accumulating grades until invalid </a:t>
-            </a:r>
-          </a:p>
-          <a:p>
-            <a:pPr>
-              <a:buFont typeface="Wingdings" pitchFamily="2" charset="2"/>
-              <a:buNone/>
-              <a:defRPr/>
-            </a:pPr>
-            <a:r>
-              <a:rPr lang="en-US" sz="2300" dirty="0" smtClean="0">
-                <a:latin typeface="Courier New" pitchFamily="49" charset="0"/>
-                <a:ea typeface="+mn-ea"/>
-                <a:cs typeface="Courier New" pitchFamily="49" charset="0"/>
-              </a:rPr>
-              <a:t>		value entered */</a:t>
-            </a:r>
-          </a:p>
-          <a:p>
-            <a:pPr>
-              <a:buFont typeface="Wingdings" pitchFamily="2" charset="2"/>
-              <a:buNone/>
-              <a:defRPr/>
-            </a:pPr>
-            <a:r>
-              <a:rPr lang="en-US" sz="2300" dirty="0" smtClean="0">
-                <a:latin typeface="Courier New" pitchFamily="49" charset="0"/>
-                <a:ea typeface="+mn-ea"/>
-                <a:cs typeface="Courier New" pitchFamily="49" charset="0"/>
-              </a:rPr>
-              <a:t>while ((grade &gt;= 0.0) &amp;&amp; (grade &lt;= 100.0)) {</a:t>
-            </a:r>
-          </a:p>
-          <a:p>
-            <a:pPr>
-              <a:buFont typeface="Wingdings" pitchFamily="2" charset="2"/>
-              <a:buNone/>
-              <a:defRPr/>
-            </a:pPr>
-            <a:r>
-              <a:rPr lang="pt-BR" sz="2300" dirty="0" smtClean="0">
-                <a:latin typeface="Courier New" pitchFamily="49" charset="0"/>
-                <a:ea typeface="+mn-ea"/>
-                <a:cs typeface="Courier New" pitchFamily="49" charset="0"/>
-              </a:rPr>
-              <a:t>	gradeSum = gradeSum + grade;	// Accumulate grade</a:t>
-            </a:r>
-          </a:p>
-          <a:p>
-            <a:pPr>
-              <a:buFont typeface="Wingdings" pitchFamily="2" charset="2"/>
-              <a:buNone/>
-              <a:defRPr/>
-            </a:pPr>
-            <a:r>
-              <a:rPr lang="en-US" sz="2300" dirty="0" smtClean="0">
-                <a:latin typeface="Courier New" pitchFamily="49" charset="0"/>
-                <a:ea typeface="+mn-ea"/>
-                <a:cs typeface="Courier New" pitchFamily="49" charset="0"/>
-              </a:rPr>
-              <a:t>	</a:t>
-            </a:r>
-            <a:r>
-              <a:rPr lang="en-US" sz="2300" dirty="0" err="1" smtClean="0">
-                <a:latin typeface="Courier New" pitchFamily="49" charset="0"/>
-                <a:ea typeface="+mn-ea"/>
-                <a:cs typeface="Courier New" pitchFamily="49" charset="0"/>
-              </a:rPr>
-              <a:t>gradeCount</a:t>
-            </a:r>
-            <a:r>
-              <a:rPr lang="en-US" sz="2300" dirty="0" smtClean="0">
-                <a:latin typeface="Courier New" pitchFamily="49" charset="0"/>
-                <a:ea typeface="+mn-ea"/>
-                <a:cs typeface="Courier New" pitchFamily="49" charset="0"/>
-              </a:rPr>
-              <a:t> = </a:t>
-            </a:r>
-            <a:r>
-              <a:rPr lang="en-US" sz="2300" dirty="0" err="1" smtClean="0">
-                <a:latin typeface="Courier New" pitchFamily="49" charset="0"/>
-                <a:ea typeface="+mn-ea"/>
-                <a:cs typeface="Courier New" pitchFamily="49" charset="0"/>
-              </a:rPr>
-              <a:t>gradeCount</a:t>
-            </a:r>
-            <a:r>
-              <a:rPr lang="en-US" sz="2300" dirty="0" smtClean="0">
-                <a:latin typeface="Courier New" pitchFamily="49" charset="0"/>
-                <a:ea typeface="+mn-ea"/>
-                <a:cs typeface="Courier New" pitchFamily="49" charset="0"/>
-              </a:rPr>
-              <a:t> + 1;	// Increment grade count</a:t>
-            </a:r>
-          </a:p>
-          <a:p>
-            <a:pPr>
-              <a:buFont typeface="Wingdings" pitchFamily="2" charset="2"/>
-              <a:buNone/>
-              <a:defRPr/>
-            </a:pPr>
-            <a:r>
-              <a:rPr lang="en-US" sz="2300" dirty="0" smtClean="0">
-                <a:latin typeface="Courier New" pitchFamily="49" charset="0"/>
-                <a:ea typeface="+mn-ea"/>
-                <a:cs typeface="Courier New" pitchFamily="49" charset="0"/>
-              </a:rPr>
-              <a:t>	</a:t>
-            </a:r>
-            <a:r>
-              <a:rPr lang="en-US" sz="2300" dirty="0" err="1" smtClean="0">
-                <a:latin typeface="Courier New" pitchFamily="49" charset="0"/>
-                <a:ea typeface="+mn-ea"/>
-                <a:cs typeface="Courier New" pitchFamily="49" charset="0"/>
-              </a:rPr>
-              <a:t>printf</a:t>
-            </a:r>
-            <a:r>
-              <a:rPr lang="en-US" sz="2300" dirty="0" smtClean="0">
-                <a:latin typeface="Courier New" pitchFamily="49" charset="0"/>
-                <a:ea typeface="+mn-ea"/>
-                <a:cs typeface="Courier New" pitchFamily="49" charset="0"/>
-              </a:rPr>
-              <a:t>("Enter grade: ");		// Prompt for and</a:t>
-            </a:r>
-          </a:p>
-          <a:p>
-            <a:pPr>
-              <a:buFont typeface="Wingdings" pitchFamily="2" charset="2"/>
-              <a:buNone/>
-              <a:defRPr/>
-            </a:pPr>
-            <a:r>
-              <a:rPr lang="en-US" sz="2300" dirty="0" smtClean="0">
-                <a:latin typeface="Courier New" pitchFamily="49" charset="0"/>
-                <a:ea typeface="+mn-ea"/>
-                <a:cs typeface="Courier New" pitchFamily="49" charset="0"/>
-              </a:rPr>
-              <a:t>	</a:t>
-            </a:r>
-            <a:r>
-              <a:rPr lang="en-US" sz="2300" dirty="0" err="1" smtClean="0">
-                <a:latin typeface="Courier New" pitchFamily="49" charset="0"/>
-                <a:ea typeface="+mn-ea"/>
-                <a:cs typeface="Courier New" pitchFamily="49" charset="0"/>
-              </a:rPr>
-              <a:t>scanf</a:t>
-            </a:r>
-            <a:r>
-              <a:rPr lang="en-US" sz="2300" dirty="0" smtClean="0">
-                <a:latin typeface="Courier New" pitchFamily="49" charset="0"/>
-                <a:ea typeface="+mn-ea"/>
-                <a:cs typeface="Courier New" pitchFamily="49" charset="0"/>
-              </a:rPr>
-              <a:t>("%lf", &amp;grade);		//   read next grade</a:t>
-            </a:r>
-          </a:p>
-          <a:p>
-            <a:pPr>
-              <a:buFont typeface="Wingdings" pitchFamily="2" charset="2"/>
-              <a:buNone/>
-              <a:defRPr/>
-            </a:pPr>
-            <a:r>
-              <a:rPr lang="en-US" sz="2300" dirty="0" smtClean="0">
-                <a:latin typeface="Courier New" pitchFamily="49" charset="0"/>
-                <a:ea typeface="+mn-ea"/>
-                <a:cs typeface="Courier New" pitchFamily="49" charset="0"/>
-              </a:rPr>
-              <a:t>}</a:t>
-            </a:r>
-          </a:p>
-          <a:p>
-            <a:pPr lvl="1">
-              <a:buFont typeface="Wingdings" pitchFamily="2" charset="2"/>
-              <a:buNone/>
-              <a:defRPr/>
-            </a:pPr>
-            <a:endParaRPr lang="en-US" dirty="0"/>
-          </a:p>
-        </p:txBody>
-      </p:sp>
-      <p:sp>
-        <p:nvSpPr>
-          <p:cNvPr id="17412" name="Date Placeholder 3"/>
-          <p:cNvSpPr>
-            <a:spLocks noGrp="1"/>
-          </p:cNvSpPr>
-          <p:nvPr>
-            <p:ph type="dt" sz="quarter" idx="10"/>
-          </p:nvPr>
-        </p:nvSpPr>
-        <p:spPr>
-          <a:noFill/>
-          <a:ln/>
-          <a:extLst>
-            <a:ext uri="{909E8E84-426E-40dd-AFC4-6F175D3DCCD1}">
-              <a14:hiddenFill xmlns:a14="http://schemas.microsoft.com/office/drawing/2010/main">
-                <a:solidFill>
-                  <a:srgbClr val="FFFFFF"/>
-                </a:solidFill>
-              </a14:hiddenFill>
-            </a:ext>
-            <a:ext uri="{91240B29-F687-4f45-9708-019B960494DF}">
-              <a14:hiddenLine xmlns:a14="http://schemas.microsoft.com/office/drawing/2010/main" w="9525">
-                <a:solidFill>
-                  <a:srgbClr val="000000"/>
-                </a:solidFill>
-                <a:miter lim="800000"/>
-                <a:headEnd/>
-                <a:tailEnd/>
-              </a14:hiddenLine>
-            </a:ext>
-          </a:extLst>
-        </p:spPr>
-        <p:txBody>
-          <a:bodyPr/>
-          <a:lstStyle>
-            <a:lvl1pPr>
-              <a:defRPr sz="3000">
-                <a:solidFill>
-                  <a:schemeClr val="tx1"/>
-                </a:solidFill>
-                <a:latin typeface="Arial" charset="0"/>
-                <a:ea typeface="ＭＳ Ｐゴシック" charset="0"/>
-                <a:cs typeface="ＭＳ Ｐゴシック" charset="0"/>
-              </a:defRPr>
-            </a:lvl1pPr>
-            <a:lvl2pPr marL="742950" indent="-285750">
-              <a:defRPr sz="2600">
-                <a:solidFill>
-                  <a:schemeClr val="tx1"/>
-                </a:solidFill>
-                <a:latin typeface="Arial" charset="0"/>
-                <a:ea typeface="ＭＳ Ｐゴシック" charset="0"/>
-              </a:defRPr>
-            </a:lvl2pPr>
-            <a:lvl3pPr marL="1143000" indent="-228600">
-              <a:defRPr sz="2200">
-                <a:solidFill>
-                  <a:schemeClr val="tx1"/>
-                </a:solidFill>
-                <a:latin typeface="Arial" charset="0"/>
-                <a:ea typeface="ＭＳ Ｐゴシック" charset="0"/>
-              </a:defRPr>
-            </a:lvl3pPr>
-            <a:lvl4pPr marL="1600200" indent="-228600">
-              <a:defRPr sz="2000">
-                <a:solidFill>
-                  <a:schemeClr val="tx1"/>
-                </a:solidFill>
-                <a:latin typeface="Arial" charset="0"/>
-                <a:ea typeface="ＭＳ Ｐゴシック" charset="0"/>
-              </a:defRPr>
-            </a:lvl4pPr>
-            <a:lvl5pPr marL="2057400" indent="-228600">
-              <a:defRPr sz="2000">
-                <a:solidFill>
-                  <a:schemeClr val="tx1"/>
-                </a:solidFill>
-                <a:latin typeface="Arial" charset="0"/>
-                <a:ea typeface="ＭＳ Ｐゴシック" charset="0"/>
-              </a:defRPr>
-            </a:lvl5pPr>
-            <a:lvl6pPr marL="2514600" indent="-228600" eaLnBrk="0" hangingPunct="0">
-              <a:buFont typeface="Wingdings" charset="0"/>
-              <a:defRPr sz="2000">
-                <a:solidFill>
-                  <a:schemeClr val="tx1"/>
-                </a:solidFill>
-                <a:latin typeface="Arial" charset="0"/>
-                <a:ea typeface="ＭＳ Ｐゴシック" charset="0"/>
-              </a:defRPr>
-            </a:lvl6pPr>
-            <a:lvl7pPr marL="2971800" indent="-228600" eaLnBrk="0" hangingPunct="0">
-              <a:buFont typeface="Wingdings" charset="0"/>
-              <a:defRPr sz="2000">
-                <a:solidFill>
-                  <a:schemeClr val="tx1"/>
-                </a:solidFill>
-                <a:latin typeface="Arial" charset="0"/>
-                <a:ea typeface="ＭＳ Ｐゴシック" charset="0"/>
-              </a:defRPr>
-            </a:lvl7pPr>
-            <a:lvl8pPr marL="3429000" indent="-228600" eaLnBrk="0" hangingPunct="0">
-              <a:buFont typeface="Wingdings" charset="0"/>
-              <a:defRPr sz="2000">
-                <a:solidFill>
-                  <a:schemeClr val="tx1"/>
-                </a:solidFill>
-                <a:latin typeface="Arial" charset="0"/>
-                <a:ea typeface="ＭＳ Ｐゴシック" charset="0"/>
-              </a:defRPr>
-            </a:lvl8pPr>
-            <a:lvl9pPr marL="3886200" indent="-228600" eaLnBrk="0" hangingPunct="0">
-              <a:buFont typeface="Wingdings" charset="0"/>
-              <a:defRPr sz="2000">
-                <a:solidFill>
-                  <a:schemeClr val="tx1"/>
-                </a:solidFill>
-                <a:latin typeface="Arial" charset="0"/>
-                <a:ea typeface="ＭＳ Ｐゴシック" charset="0"/>
-              </a:defRPr>
-            </a:lvl9pPr>
-          </a:lstStyle>
-          <a:p>
-            <a:fld id="{AAD0577E-FE2F-114D-AF43-7C21CD9D5A10}" type="datetime1">
-              <a:rPr lang="en-US" sz="1200" smtClean="0">
-                <a:latin typeface="Garamond" charset="0"/>
-              </a:rPr>
-              <a:t>2/14/18</a:t>
-            </a:fld>
-            <a:endParaRPr lang="en-US" sz="1200">
-              <a:latin typeface="Garamond" charset="0"/>
-            </a:endParaRPr>
-          </a:p>
-        </p:txBody>
-      </p:sp>
-      <p:sp>
-        <p:nvSpPr>
-          <p:cNvPr id="5" name="Footer Placeholder 4"/>
-          <p:cNvSpPr>
-            <a:spLocks noGrp="1"/>
-          </p:cNvSpPr>
-          <p:nvPr>
-            <p:ph type="ftr" sz="quarter" idx="11"/>
-          </p:nvPr>
-        </p:nvSpPr>
-        <p:spPr/>
-        <p:txBody>
-          <a:bodyPr/>
-          <a:lstStyle/>
-          <a:p>
-            <a:pPr>
-              <a:defRPr/>
-            </a:pPr>
-            <a:r>
-              <a:rPr lang="en-US" altLang="en-US" smtClean="0"/>
-              <a:t>ECE Application Programming: Lecture 10</a:t>
-            </a:r>
-            <a:endParaRPr lang="en-US" altLang="en-US"/>
-          </a:p>
-        </p:txBody>
-      </p:sp>
-      <p:sp>
-        <p:nvSpPr>
-          <p:cNvPr id="17414" name="Slide Number Placeholder 5"/>
-          <p:cNvSpPr>
-            <a:spLocks noGrp="1"/>
-          </p:cNvSpPr>
-          <p:nvPr>
-            <p:ph type="sldNum" sz="quarter" idx="12"/>
-          </p:nvPr>
-        </p:nvSpPr>
-        <p:spPr>
-          <a:noFill/>
-          <a:ln/>
-          <a:extLst>
-            <a:ext uri="{909E8E84-426E-40dd-AFC4-6F175D3DCCD1}">
-              <a14:hiddenFill xmlns:a14="http://schemas.microsoft.com/office/drawing/2010/main">
-                <a:solidFill>
-                  <a:srgbClr val="FFFFFF"/>
-                </a:solidFill>
-              </a14:hiddenFill>
-            </a:ext>
-            <a:ext uri="{91240B29-F687-4f45-9708-019B960494DF}">
-              <a14:hiddenLine xmlns:a14="http://schemas.microsoft.com/office/drawing/2010/main" w="9525">
-                <a:solidFill>
-                  <a:srgbClr val="000000"/>
-                </a:solidFill>
-                <a:miter lim="800000"/>
-                <a:headEnd/>
-                <a:tailEnd/>
-              </a14:hiddenLine>
-            </a:ext>
-          </a:extLst>
-        </p:spPr>
-        <p:txBody>
-          <a:bodyPr/>
-          <a:lstStyle>
-            <a:lvl1pPr>
-              <a:defRPr sz="3000">
-                <a:solidFill>
-                  <a:schemeClr val="tx1"/>
-                </a:solidFill>
-                <a:latin typeface="Arial" charset="0"/>
-                <a:ea typeface="ＭＳ Ｐゴシック" charset="0"/>
-                <a:cs typeface="ＭＳ Ｐゴシック" charset="0"/>
-              </a:defRPr>
-            </a:lvl1pPr>
-            <a:lvl2pPr marL="742950" indent="-285750">
-              <a:defRPr sz="2600">
-                <a:solidFill>
-                  <a:schemeClr val="tx1"/>
-                </a:solidFill>
-                <a:latin typeface="Arial" charset="0"/>
-                <a:ea typeface="ＭＳ Ｐゴシック" charset="0"/>
-              </a:defRPr>
-            </a:lvl2pPr>
-            <a:lvl3pPr marL="1143000" indent="-228600">
-              <a:defRPr sz="2200">
-                <a:solidFill>
-                  <a:schemeClr val="tx1"/>
-                </a:solidFill>
-                <a:latin typeface="Arial" charset="0"/>
-                <a:ea typeface="ＭＳ Ｐゴシック" charset="0"/>
-              </a:defRPr>
-            </a:lvl3pPr>
-            <a:lvl4pPr marL="1600200" indent="-228600">
-              <a:defRPr sz="2000">
-                <a:solidFill>
-                  <a:schemeClr val="tx1"/>
-                </a:solidFill>
-                <a:latin typeface="Arial" charset="0"/>
-                <a:ea typeface="ＭＳ Ｐゴシック" charset="0"/>
-              </a:defRPr>
-            </a:lvl4pPr>
-            <a:lvl5pPr marL="2057400" indent="-228600">
-              <a:defRPr sz="2000">
-                <a:solidFill>
-                  <a:schemeClr val="tx1"/>
-                </a:solidFill>
-                <a:latin typeface="Arial" charset="0"/>
-                <a:ea typeface="ＭＳ Ｐゴシック" charset="0"/>
-              </a:defRPr>
-            </a:lvl5pPr>
-            <a:lvl6pPr marL="2514600" indent="-228600" eaLnBrk="0" hangingPunct="0">
-              <a:buFont typeface="Wingdings" charset="0"/>
-              <a:defRPr sz="2000">
-                <a:solidFill>
-                  <a:schemeClr val="tx1"/>
-                </a:solidFill>
-                <a:latin typeface="Arial" charset="0"/>
-                <a:ea typeface="ＭＳ Ｐゴシック" charset="0"/>
-              </a:defRPr>
-            </a:lvl6pPr>
-            <a:lvl7pPr marL="2971800" indent="-228600" eaLnBrk="0" hangingPunct="0">
-              <a:buFont typeface="Wingdings" charset="0"/>
-              <a:defRPr sz="2000">
-                <a:solidFill>
-                  <a:schemeClr val="tx1"/>
-                </a:solidFill>
-                <a:latin typeface="Arial" charset="0"/>
-                <a:ea typeface="ＭＳ Ｐゴシック" charset="0"/>
-              </a:defRPr>
-            </a:lvl7pPr>
-            <a:lvl8pPr marL="3429000" indent="-228600" eaLnBrk="0" hangingPunct="0">
-              <a:buFont typeface="Wingdings" charset="0"/>
-              <a:defRPr sz="2000">
-                <a:solidFill>
-                  <a:schemeClr val="tx1"/>
-                </a:solidFill>
-                <a:latin typeface="Arial" charset="0"/>
-                <a:ea typeface="ＭＳ Ｐゴシック" charset="0"/>
-              </a:defRPr>
-            </a:lvl8pPr>
-            <a:lvl9pPr marL="3886200" indent="-228600" eaLnBrk="0" hangingPunct="0">
-              <a:buFont typeface="Wingdings" charset="0"/>
-              <a:defRPr sz="2000">
-                <a:solidFill>
-                  <a:schemeClr val="tx1"/>
-                </a:solidFill>
-                <a:latin typeface="Arial" charset="0"/>
-                <a:ea typeface="ＭＳ Ｐゴシック" charset="0"/>
-              </a:defRPr>
-            </a:lvl9pPr>
-          </a:lstStyle>
-          <a:p>
-            <a:fld id="{64551E40-11CF-CE43-873E-6E28DFB25519}" type="slidenum">
-              <a:rPr lang="en-US" sz="1200">
-                <a:latin typeface="Garamond" charset="0"/>
-              </a:rPr>
-              <a:pPr/>
-              <a:t>24</a:t>
-            </a:fld>
-            <a:endParaRPr lang="en-US" sz="1200">
-              <a:latin typeface="Garamond" charset="0"/>
-            </a:endParaRPr>
-          </a:p>
-        </p:txBody>
-      </p:sp>
-    </p:spTree>
-    <p:extLst>
-      <p:ext uri="{BB962C8B-B14F-4D97-AF65-F5344CB8AC3E}">
-        <p14:creationId xmlns:p14="http://schemas.microsoft.com/office/powerpoint/2010/main" val="3211540736"/>
-      </p:ext>
-    </p:extLst>
-  </p:cSld>
-  <p:clrMapOvr>
-    <a:masterClrMapping/>
-  </p:clrMapOvr>
-  <p:timing>
-    <p:tnLst>
-      <p:par>
-        <p:cTn xmlns:p14="http://schemas.microsoft.com/office/powerpoint/2010/main" id="1" dur="indefinite" restart="never" nodeType="tmRoot"/>
-      </p:par>
-    </p:tnLst>
-  </p:timing>
-</p:sld>
-</file>
-
-<file path=ppt/slides/slide25.xml><?xml version="1.0" encoding="utf-8"?>
-<p:sld xmlns:a="http://schemas.openxmlformats.org/drawingml/2006/main" xmlns:r="http://schemas.openxmlformats.org/officeDocument/2006/relationships" xmlns:p="http://schemas.openxmlformats.org/presentationml/2006/main">
-  <p:cSld>
-    <p:spTree>
-      <p:nvGrpSpPr>
-        <p:cNvPr id="1" name=""/>
-        <p:cNvGrpSpPr/>
-        <p:nvPr/>
-      </p:nvGrpSpPr>
-      <p:grpSpPr>
-        <a:xfrm>
-          <a:off x="0" y="0"/>
-          <a:ext cx="0" cy="0"/>
-          <a:chOff x="0" y="0"/>
-          <a:chExt cx="0" cy="0"/>
-        </a:xfrm>
-      </p:grpSpPr>
-      <p:sp>
-        <p:nvSpPr>
-          <p:cNvPr id="18434" name="Title 5"/>
-          <p:cNvSpPr>
-            <a:spLocks noGrp="1"/>
-          </p:cNvSpPr>
-          <p:nvPr>
-            <p:ph type="title"/>
-          </p:nvPr>
-        </p:nvSpPr>
-        <p:spPr/>
-        <p:txBody>
-          <a:bodyPr/>
-          <a:lstStyle/>
-          <a:p>
-            <a:r>
-              <a:rPr lang="en-US">
-                <a:latin typeface="Garamond" charset="0"/>
-              </a:rPr>
-              <a:t>Application: sentinel value</a:t>
-            </a:r>
-          </a:p>
-        </p:txBody>
-      </p:sp>
-      <p:sp>
-        <p:nvSpPr>
-          <p:cNvPr id="7" name="Content Placeholder 6"/>
-          <p:cNvSpPr>
-            <a:spLocks noGrp="1"/>
-          </p:cNvSpPr>
-          <p:nvPr>
-            <p:ph idx="1"/>
-          </p:nvPr>
-        </p:nvSpPr>
-        <p:spPr/>
-        <p:txBody>
-          <a:bodyPr>
-            <a:normAutofit fontScale="62500" lnSpcReduction="20000"/>
-          </a:bodyPr>
-          <a:lstStyle/>
-          <a:p>
-            <a:pPr>
-              <a:buFont typeface="Wingdings" pitchFamily="2" charset="2"/>
-              <a:buChar char="n"/>
-              <a:defRPr/>
-            </a:pPr>
-            <a:r>
-              <a:rPr lang="en-US" dirty="0" smtClean="0">
-                <a:ea typeface="+mn-ea"/>
-                <a:cs typeface="+mn-cs"/>
-              </a:rPr>
-              <a:t>Rewrite grade average program to ensure at least one grade is read</a:t>
-            </a:r>
-          </a:p>
-          <a:p>
-            <a:pPr>
-              <a:buFont typeface="Wingdings" pitchFamily="2" charset="2"/>
-              <a:buChar char="n"/>
-              <a:defRPr/>
-            </a:pPr>
-            <a:r>
-              <a:rPr lang="en-US" dirty="0" smtClean="0">
-                <a:ea typeface="+mn-ea"/>
-                <a:cs typeface="+mn-cs"/>
-              </a:rPr>
-              <a:t>Change core of program (shown previously):</a:t>
-            </a:r>
-          </a:p>
-          <a:p>
-            <a:pPr>
-              <a:buFont typeface="Wingdings" pitchFamily="2" charset="2"/>
-              <a:buNone/>
-              <a:defRPr/>
-            </a:pPr>
-            <a:endParaRPr lang="en-US" sz="2800" dirty="0" smtClean="0">
-              <a:latin typeface="Courier New" pitchFamily="49" charset="0"/>
-              <a:ea typeface="+mn-ea"/>
-              <a:cs typeface="Courier New" pitchFamily="49" charset="0"/>
-            </a:endParaRPr>
-          </a:p>
-          <a:p>
-            <a:pPr>
-              <a:buFont typeface="Wingdings" pitchFamily="2" charset="2"/>
-              <a:buNone/>
-              <a:defRPr/>
-            </a:pPr>
-            <a:r>
-              <a:rPr lang="en-US" sz="2800" dirty="0" smtClean="0">
-                <a:latin typeface="Courier New" pitchFamily="49" charset="0"/>
-                <a:ea typeface="+mn-ea"/>
-                <a:cs typeface="Courier New" pitchFamily="49" charset="0"/>
-              </a:rPr>
-              <a:t>/* Prompt for and read grades until invalid</a:t>
-            </a:r>
-          </a:p>
-          <a:p>
-            <a:pPr>
-              <a:buFont typeface="Wingdings" pitchFamily="2" charset="2"/>
-              <a:buNone/>
-              <a:defRPr/>
-            </a:pPr>
-            <a:r>
-              <a:rPr lang="en-US" sz="2800" dirty="0" smtClean="0">
-                <a:latin typeface="Courier New" pitchFamily="49" charset="0"/>
-                <a:ea typeface="+mn-ea"/>
-                <a:cs typeface="Courier New" pitchFamily="49" charset="0"/>
-              </a:rPr>
-              <a:t>   value entered */</a:t>
-            </a:r>
-          </a:p>
-          <a:p>
-            <a:pPr>
-              <a:buFont typeface="Wingdings" pitchFamily="2" charset="2"/>
-              <a:buNone/>
-              <a:defRPr/>
-            </a:pPr>
-            <a:r>
-              <a:rPr lang="en-US" sz="2800" dirty="0" smtClean="0">
-                <a:latin typeface="Courier New" pitchFamily="49" charset="0"/>
-                <a:ea typeface="+mn-ea"/>
-                <a:cs typeface="Courier New" pitchFamily="49" charset="0"/>
-              </a:rPr>
-              <a:t>do {</a:t>
-            </a:r>
-          </a:p>
-          <a:p>
-            <a:pPr>
-              <a:buFont typeface="Wingdings" pitchFamily="2" charset="2"/>
-              <a:buNone/>
-              <a:defRPr/>
-            </a:pPr>
-            <a:r>
-              <a:rPr lang="pt-BR" sz="2800" dirty="0" smtClean="0">
-                <a:latin typeface="Courier New" pitchFamily="49" charset="0"/>
-                <a:ea typeface="+mn-ea"/>
-                <a:cs typeface="Courier New" pitchFamily="49" charset="0"/>
-              </a:rPr>
-              <a:t>	</a:t>
-            </a:r>
-            <a:r>
-              <a:rPr lang="en-US" sz="2800" dirty="0" err="1" smtClean="0">
-                <a:latin typeface="Courier New" pitchFamily="49" charset="0"/>
-                <a:ea typeface="+mn-ea"/>
-                <a:cs typeface="Courier New" pitchFamily="49" charset="0"/>
-              </a:rPr>
-              <a:t>printf</a:t>
-            </a:r>
-            <a:r>
-              <a:rPr lang="en-US" sz="2800" dirty="0" smtClean="0">
-                <a:latin typeface="Courier New" pitchFamily="49" charset="0"/>
-                <a:ea typeface="+mn-ea"/>
-                <a:cs typeface="Courier New" pitchFamily="49" charset="0"/>
-              </a:rPr>
-              <a:t>("Enter grade: ");		// Prompt for and</a:t>
-            </a:r>
-          </a:p>
-          <a:p>
-            <a:pPr>
-              <a:buFont typeface="Wingdings" pitchFamily="2" charset="2"/>
-              <a:buNone/>
-              <a:defRPr/>
-            </a:pPr>
-            <a:r>
-              <a:rPr lang="en-US" sz="2800" dirty="0" smtClean="0">
-                <a:latin typeface="Courier New" pitchFamily="49" charset="0"/>
-                <a:ea typeface="+mn-ea"/>
-                <a:cs typeface="Courier New" pitchFamily="49" charset="0"/>
-              </a:rPr>
-              <a:t>	</a:t>
-            </a:r>
-            <a:r>
-              <a:rPr lang="en-US" sz="2800" dirty="0" err="1" smtClean="0">
-                <a:latin typeface="Courier New" pitchFamily="49" charset="0"/>
-                <a:ea typeface="+mn-ea"/>
-                <a:cs typeface="Courier New" pitchFamily="49" charset="0"/>
-              </a:rPr>
-              <a:t>scanf</a:t>
-            </a:r>
-            <a:r>
-              <a:rPr lang="en-US" sz="2800" dirty="0" smtClean="0">
-                <a:latin typeface="Courier New" pitchFamily="49" charset="0"/>
-                <a:ea typeface="+mn-ea"/>
-                <a:cs typeface="Courier New" pitchFamily="49" charset="0"/>
-              </a:rPr>
-              <a:t>("%lf", &amp;grade);		//   read grade</a:t>
-            </a:r>
-            <a:endParaRPr lang="pt-BR" sz="2800" dirty="0" smtClean="0">
-              <a:latin typeface="Courier New" pitchFamily="49" charset="0"/>
-              <a:ea typeface="+mn-ea"/>
-              <a:cs typeface="Courier New" pitchFamily="49" charset="0"/>
-            </a:endParaRPr>
-          </a:p>
-          <a:p>
-            <a:pPr>
-              <a:buFont typeface="Wingdings" pitchFamily="2" charset="2"/>
-              <a:buNone/>
-              <a:defRPr/>
-            </a:pPr>
-            <a:r>
-              <a:rPr lang="pt-BR" sz="2800" dirty="0" smtClean="0">
-                <a:latin typeface="Courier New" pitchFamily="49" charset="0"/>
-                <a:ea typeface="+mn-ea"/>
-                <a:cs typeface="Courier New" pitchFamily="49" charset="0"/>
-              </a:rPr>
-              <a:t>	</a:t>
-            </a:r>
-          </a:p>
-          <a:p>
-            <a:pPr>
-              <a:buFont typeface="Wingdings" pitchFamily="2" charset="2"/>
-              <a:buNone/>
-              <a:defRPr/>
-            </a:pPr>
-            <a:r>
-              <a:rPr lang="pt-BR" sz="2800" dirty="0" smtClean="0">
-                <a:latin typeface="Courier New" pitchFamily="49" charset="0"/>
-                <a:ea typeface="+mn-ea"/>
-                <a:cs typeface="Courier New" pitchFamily="49" charset="0"/>
-              </a:rPr>
-              <a:t>	if ((grade &gt;= 0.0) &amp;&amp; (grade &lt;= 100.0)) {</a:t>
-            </a:r>
-          </a:p>
-          <a:p>
-            <a:pPr>
-              <a:buFont typeface="Wingdings" pitchFamily="2" charset="2"/>
-              <a:buNone/>
-              <a:defRPr/>
-            </a:pPr>
-            <a:r>
-              <a:rPr lang="pt-BR" sz="2800" dirty="0" smtClean="0">
-                <a:latin typeface="Courier New" pitchFamily="49" charset="0"/>
-                <a:ea typeface="+mn-ea"/>
-                <a:cs typeface="Courier New" pitchFamily="49" charset="0"/>
-              </a:rPr>
-              <a:t>		gradeSum = gradeSum + grade;    // Accumulate grade</a:t>
-            </a:r>
-          </a:p>
-          <a:p>
-            <a:pPr>
-              <a:buFont typeface="Wingdings" pitchFamily="2" charset="2"/>
-              <a:buNone/>
-              <a:defRPr/>
-            </a:pPr>
-            <a:r>
-              <a:rPr lang="en-US" sz="2800" dirty="0" smtClean="0">
-                <a:latin typeface="Courier New" pitchFamily="49" charset="0"/>
-                <a:ea typeface="+mn-ea"/>
-                <a:cs typeface="Courier New" pitchFamily="49" charset="0"/>
-              </a:rPr>
-              <a:t>		</a:t>
-            </a:r>
-            <a:r>
-              <a:rPr lang="en-US" sz="2800" dirty="0" err="1" smtClean="0">
-                <a:latin typeface="Courier New" pitchFamily="49" charset="0"/>
-                <a:ea typeface="+mn-ea"/>
-                <a:cs typeface="Courier New" pitchFamily="49" charset="0"/>
-              </a:rPr>
-              <a:t>gradeCount</a:t>
-            </a:r>
-            <a:r>
-              <a:rPr lang="en-US" sz="2800" dirty="0" smtClean="0">
-                <a:latin typeface="Courier New" pitchFamily="49" charset="0"/>
-                <a:ea typeface="+mn-ea"/>
-                <a:cs typeface="Courier New" pitchFamily="49" charset="0"/>
-              </a:rPr>
-              <a:t> = </a:t>
-            </a:r>
-            <a:r>
-              <a:rPr lang="en-US" sz="2800" dirty="0" err="1" smtClean="0">
-                <a:latin typeface="Courier New" pitchFamily="49" charset="0"/>
-                <a:ea typeface="+mn-ea"/>
-                <a:cs typeface="Courier New" pitchFamily="49" charset="0"/>
-              </a:rPr>
-              <a:t>gradeCount</a:t>
-            </a:r>
-            <a:r>
-              <a:rPr lang="en-US" sz="2800" dirty="0" smtClean="0">
-                <a:latin typeface="Courier New" pitchFamily="49" charset="0"/>
-                <a:ea typeface="+mn-ea"/>
-                <a:cs typeface="Courier New" pitchFamily="49" charset="0"/>
-              </a:rPr>
-              <a:t> + 1;    // Inc. grade count</a:t>
-            </a:r>
-          </a:p>
-          <a:p>
-            <a:pPr>
-              <a:buFont typeface="Wingdings" pitchFamily="2" charset="2"/>
-              <a:buNone/>
-              <a:defRPr/>
-            </a:pPr>
-            <a:r>
-              <a:rPr lang="en-US" sz="2800" dirty="0" smtClean="0">
-                <a:latin typeface="Courier New" pitchFamily="49" charset="0"/>
-                <a:ea typeface="+mn-ea"/>
-                <a:cs typeface="Courier New" pitchFamily="49" charset="0"/>
-              </a:rPr>
-              <a:t>	}</a:t>
-            </a:r>
-          </a:p>
-          <a:p>
-            <a:pPr>
-              <a:buFont typeface="Wingdings" pitchFamily="2" charset="2"/>
-              <a:buNone/>
-              <a:defRPr/>
-            </a:pPr>
-            <a:r>
-              <a:rPr lang="en-US" sz="2800" dirty="0" smtClean="0">
-                <a:latin typeface="Courier New" pitchFamily="49" charset="0"/>
-                <a:ea typeface="+mn-ea"/>
-                <a:cs typeface="Courier New" pitchFamily="49" charset="0"/>
-              </a:rPr>
-              <a:t>} while ((grade &gt;= 0.0) &amp;&amp; (grade &lt;= 100.0)); </a:t>
-            </a:r>
-          </a:p>
-          <a:p>
-            <a:pPr>
-              <a:buFont typeface="Wingdings" pitchFamily="2" charset="2"/>
-              <a:buNone/>
-              <a:defRPr/>
-            </a:pPr>
-            <a:endParaRPr lang="en-US" dirty="0" smtClean="0">
-              <a:ea typeface="+mn-ea"/>
-              <a:cs typeface="+mn-cs"/>
-            </a:endParaRPr>
-          </a:p>
-          <a:p>
-            <a:pPr>
-              <a:buFont typeface="Wingdings" pitchFamily="2" charset="2"/>
-              <a:buNone/>
-              <a:defRPr/>
-            </a:pPr>
-            <a:endParaRPr lang="en-US" dirty="0">
-              <a:ea typeface="+mn-ea"/>
-              <a:cs typeface="+mn-cs"/>
-            </a:endParaRPr>
-          </a:p>
-        </p:txBody>
-      </p:sp>
-      <p:sp>
-        <p:nvSpPr>
-          <p:cNvPr id="18436" name="Date Placeholder 2"/>
-          <p:cNvSpPr>
-            <a:spLocks noGrp="1"/>
-          </p:cNvSpPr>
-          <p:nvPr>
-            <p:ph type="dt" sz="quarter" idx="10"/>
-          </p:nvPr>
-        </p:nvSpPr>
-        <p:spPr>
-          <a:noFill/>
-          <a:ln/>
-          <a:extLst>
-            <a:ext uri="{909E8E84-426E-40dd-AFC4-6F175D3DCCD1}">
-              <a14:hiddenFill xmlns:a14="http://schemas.microsoft.com/office/drawing/2010/main">
-                <a:solidFill>
-                  <a:srgbClr val="FFFFFF"/>
-                </a:solidFill>
-              </a14:hiddenFill>
-            </a:ext>
-            <a:ext uri="{91240B29-F687-4f45-9708-019B960494DF}">
-              <a14:hiddenLine xmlns:a14="http://schemas.microsoft.com/office/drawing/2010/main" w="9525">
-                <a:solidFill>
-                  <a:srgbClr val="000000"/>
-                </a:solidFill>
-                <a:miter lim="800000"/>
-                <a:headEnd/>
-                <a:tailEnd/>
-              </a14:hiddenLine>
-            </a:ext>
-          </a:extLst>
-        </p:spPr>
-        <p:txBody>
-          <a:bodyPr/>
-          <a:lstStyle>
-            <a:lvl1pPr>
-              <a:defRPr sz="3000">
-                <a:solidFill>
-                  <a:schemeClr val="tx1"/>
-                </a:solidFill>
-                <a:latin typeface="Arial" charset="0"/>
-                <a:ea typeface="ＭＳ Ｐゴシック" charset="0"/>
-                <a:cs typeface="ＭＳ Ｐゴシック" charset="0"/>
-              </a:defRPr>
-            </a:lvl1pPr>
-            <a:lvl2pPr marL="742950" indent="-285750">
-              <a:defRPr sz="2600">
-                <a:solidFill>
-                  <a:schemeClr val="tx1"/>
-                </a:solidFill>
-                <a:latin typeface="Arial" charset="0"/>
-                <a:ea typeface="ＭＳ Ｐゴシック" charset="0"/>
-              </a:defRPr>
-            </a:lvl2pPr>
-            <a:lvl3pPr marL="1143000" indent="-228600">
-              <a:defRPr sz="2200">
-                <a:solidFill>
-                  <a:schemeClr val="tx1"/>
-                </a:solidFill>
-                <a:latin typeface="Arial" charset="0"/>
-                <a:ea typeface="ＭＳ Ｐゴシック" charset="0"/>
-              </a:defRPr>
-            </a:lvl3pPr>
-            <a:lvl4pPr marL="1600200" indent="-228600">
-              <a:defRPr sz="2000">
-                <a:solidFill>
-                  <a:schemeClr val="tx1"/>
-                </a:solidFill>
-                <a:latin typeface="Arial" charset="0"/>
-                <a:ea typeface="ＭＳ Ｐゴシック" charset="0"/>
-              </a:defRPr>
-            </a:lvl4pPr>
-            <a:lvl5pPr marL="2057400" indent="-228600">
-              <a:defRPr sz="2000">
-                <a:solidFill>
-                  <a:schemeClr val="tx1"/>
-                </a:solidFill>
-                <a:latin typeface="Arial" charset="0"/>
-                <a:ea typeface="ＭＳ Ｐゴシック" charset="0"/>
-              </a:defRPr>
-            </a:lvl5pPr>
-            <a:lvl6pPr marL="2514600" indent="-228600" eaLnBrk="0" hangingPunct="0">
-              <a:buFont typeface="Wingdings" charset="0"/>
-              <a:defRPr sz="2000">
-                <a:solidFill>
-                  <a:schemeClr val="tx1"/>
-                </a:solidFill>
-                <a:latin typeface="Arial" charset="0"/>
-                <a:ea typeface="ＭＳ Ｐゴシック" charset="0"/>
-              </a:defRPr>
-            </a:lvl6pPr>
-            <a:lvl7pPr marL="2971800" indent="-228600" eaLnBrk="0" hangingPunct="0">
-              <a:buFont typeface="Wingdings" charset="0"/>
-              <a:defRPr sz="2000">
-                <a:solidFill>
-                  <a:schemeClr val="tx1"/>
-                </a:solidFill>
-                <a:latin typeface="Arial" charset="0"/>
-                <a:ea typeface="ＭＳ Ｐゴシック" charset="0"/>
-              </a:defRPr>
-            </a:lvl7pPr>
-            <a:lvl8pPr marL="3429000" indent="-228600" eaLnBrk="0" hangingPunct="0">
-              <a:buFont typeface="Wingdings" charset="0"/>
-              <a:defRPr sz="2000">
-                <a:solidFill>
-                  <a:schemeClr val="tx1"/>
-                </a:solidFill>
-                <a:latin typeface="Arial" charset="0"/>
-                <a:ea typeface="ＭＳ Ｐゴシック" charset="0"/>
-              </a:defRPr>
-            </a:lvl8pPr>
-            <a:lvl9pPr marL="3886200" indent="-228600" eaLnBrk="0" hangingPunct="0">
-              <a:buFont typeface="Wingdings" charset="0"/>
-              <a:defRPr sz="2000">
-                <a:solidFill>
-                  <a:schemeClr val="tx1"/>
-                </a:solidFill>
-                <a:latin typeface="Arial" charset="0"/>
-                <a:ea typeface="ＭＳ Ｐゴシック" charset="0"/>
-              </a:defRPr>
-            </a:lvl9pPr>
-          </a:lstStyle>
-          <a:p>
-            <a:fld id="{F4E165F1-D604-954F-BE11-A2C65CE98CF2}" type="datetime1">
-              <a:rPr lang="en-US" sz="1200" smtClean="0">
-                <a:latin typeface="Garamond" charset="0"/>
-              </a:rPr>
-              <a:t>2/14/18</a:t>
-            </a:fld>
-            <a:endParaRPr lang="en-US" sz="1200">
-              <a:latin typeface="Garamond" charset="0"/>
-            </a:endParaRPr>
-          </a:p>
-        </p:txBody>
-      </p:sp>
-      <p:sp>
-        <p:nvSpPr>
-          <p:cNvPr id="4" name="Footer Placeholder 3"/>
-          <p:cNvSpPr>
-            <a:spLocks noGrp="1"/>
-          </p:cNvSpPr>
-          <p:nvPr>
-            <p:ph type="ftr" sz="quarter" idx="11"/>
-          </p:nvPr>
-        </p:nvSpPr>
-        <p:spPr/>
-        <p:txBody>
-          <a:bodyPr/>
-          <a:lstStyle/>
-          <a:p>
-            <a:pPr>
-              <a:defRPr/>
-            </a:pPr>
-            <a:r>
-              <a:rPr lang="en-US" altLang="en-US" smtClean="0"/>
-              <a:t>ECE Application Programming: Lecture 10</a:t>
-            </a:r>
-            <a:endParaRPr lang="en-US" altLang="en-US"/>
-          </a:p>
-        </p:txBody>
-      </p:sp>
-      <p:sp>
-        <p:nvSpPr>
-          <p:cNvPr id="18438" name="Slide Number Placeholder 4"/>
-          <p:cNvSpPr>
-            <a:spLocks noGrp="1"/>
-          </p:cNvSpPr>
-          <p:nvPr>
-            <p:ph type="sldNum" sz="quarter" idx="12"/>
-          </p:nvPr>
-        </p:nvSpPr>
-        <p:spPr>
-          <a:noFill/>
-          <a:ln/>
-          <a:extLst>
-            <a:ext uri="{909E8E84-426E-40dd-AFC4-6F175D3DCCD1}">
-              <a14:hiddenFill xmlns:a14="http://schemas.microsoft.com/office/drawing/2010/main">
-                <a:solidFill>
-                  <a:srgbClr val="FFFFFF"/>
-                </a:solidFill>
-              </a14:hiddenFill>
-            </a:ext>
-            <a:ext uri="{91240B29-F687-4f45-9708-019B960494DF}">
-              <a14:hiddenLine xmlns:a14="http://schemas.microsoft.com/office/drawing/2010/main" w="9525">
-                <a:solidFill>
-                  <a:srgbClr val="000000"/>
-                </a:solidFill>
-                <a:miter lim="800000"/>
-                <a:headEnd/>
-                <a:tailEnd/>
-              </a14:hiddenLine>
-            </a:ext>
-          </a:extLst>
-        </p:spPr>
-        <p:txBody>
-          <a:bodyPr/>
-          <a:lstStyle>
-            <a:lvl1pPr>
-              <a:defRPr sz="3000">
-                <a:solidFill>
-                  <a:schemeClr val="tx1"/>
-                </a:solidFill>
-                <a:latin typeface="Arial" charset="0"/>
-                <a:ea typeface="ＭＳ Ｐゴシック" charset="0"/>
-                <a:cs typeface="ＭＳ Ｐゴシック" charset="0"/>
-              </a:defRPr>
-            </a:lvl1pPr>
-            <a:lvl2pPr marL="742950" indent="-285750">
-              <a:defRPr sz="2600">
-                <a:solidFill>
-                  <a:schemeClr val="tx1"/>
-                </a:solidFill>
-                <a:latin typeface="Arial" charset="0"/>
-                <a:ea typeface="ＭＳ Ｐゴシック" charset="0"/>
-              </a:defRPr>
-            </a:lvl2pPr>
-            <a:lvl3pPr marL="1143000" indent="-228600">
-              <a:defRPr sz="2200">
-                <a:solidFill>
-                  <a:schemeClr val="tx1"/>
-                </a:solidFill>
-                <a:latin typeface="Arial" charset="0"/>
-                <a:ea typeface="ＭＳ Ｐゴシック" charset="0"/>
-              </a:defRPr>
-            </a:lvl3pPr>
-            <a:lvl4pPr marL="1600200" indent="-228600">
-              <a:defRPr sz="2000">
-                <a:solidFill>
-                  <a:schemeClr val="tx1"/>
-                </a:solidFill>
-                <a:latin typeface="Arial" charset="0"/>
-                <a:ea typeface="ＭＳ Ｐゴシック" charset="0"/>
-              </a:defRPr>
-            </a:lvl4pPr>
-            <a:lvl5pPr marL="2057400" indent="-228600">
-              <a:defRPr sz="2000">
-                <a:solidFill>
-                  <a:schemeClr val="tx1"/>
-                </a:solidFill>
-                <a:latin typeface="Arial" charset="0"/>
-                <a:ea typeface="ＭＳ Ｐゴシック" charset="0"/>
-              </a:defRPr>
-            </a:lvl5pPr>
-            <a:lvl6pPr marL="2514600" indent="-228600" eaLnBrk="0" hangingPunct="0">
-              <a:buFont typeface="Wingdings" charset="0"/>
-              <a:defRPr sz="2000">
-                <a:solidFill>
-                  <a:schemeClr val="tx1"/>
-                </a:solidFill>
-                <a:latin typeface="Arial" charset="0"/>
-                <a:ea typeface="ＭＳ Ｐゴシック" charset="0"/>
-              </a:defRPr>
-            </a:lvl6pPr>
-            <a:lvl7pPr marL="2971800" indent="-228600" eaLnBrk="0" hangingPunct="0">
-              <a:buFont typeface="Wingdings" charset="0"/>
-              <a:defRPr sz="2000">
-                <a:solidFill>
-                  <a:schemeClr val="tx1"/>
-                </a:solidFill>
-                <a:latin typeface="Arial" charset="0"/>
-                <a:ea typeface="ＭＳ Ｐゴシック" charset="0"/>
-              </a:defRPr>
-            </a:lvl7pPr>
-            <a:lvl8pPr marL="3429000" indent="-228600" eaLnBrk="0" hangingPunct="0">
-              <a:buFont typeface="Wingdings" charset="0"/>
-              <a:defRPr sz="2000">
-                <a:solidFill>
-                  <a:schemeClr val="tx1"/>
-                </a:solidFill>
-                <a:latin typeface="Arial" charset="0"/>
-                <a:ea typeface="ＭＳ Ｐゴシック" charset="0"/>
-              </a:defRPr>
-            </a:lvl8pPr>
-            <a:lvl9pPr marL="3886200" indent="-228600" eaLnBrk="0" hangingPunct="0">
-              <a:buFont typeface="Wingdings" charset="0"/>
-              <a:defRPr sz="2000">
-                <a:solidFill>
-                  <a:schemeClr val="tx1"/>
-                </a:solidFill>
-                <a:latin typeface="Arial" charset="0"/>
-                <a:ea typeface="ＭＳ Ｐゴシック" charset="0"/>
-              </a:defRPr>
-            </a:lvl9pPr>
-          </a:lstStyle>
-          <a:p>
-            <a:fld id="{462E4DA4-FC1B-754D-B396-BADB1BFD9820}" type="slidenum">
-              <a:rPr lang="en-US" sz="1200">
-                <a:latin typeface="Garamond" charset="0"/>
-              </a:rPr>
-              <a:pPr/>
-              <a:t>25</a:t>
-            </a:fld>
-            <a:endParaRPr lang="en-US" sz="1200">
-              <a:latin typeface="Garamond" charset="0"/>
-            </a:endParaRPr>
-          </a:p>
-        </p:txBody>
-      </p:sp>
-    </p:spTree>
-    <p:extLst>
-      <p:ext uri="{BB962C8B-B14F-4D97-AF65-F5344CB8AC3E}">
-        <p14:creationId xmlns:p14="http://schemas.microsoft.com/office/powerpoint/2010/main" val="1561253821"/>
-      </p:ext>
-    </p:extLst>
-  </p:cSld>
-  <p:clrMapOvr>
-    <a:masterClrMapping/>
-  </p:clrMapOvr>
-  <p:timing>
-    <p:tnLst>
-      <p:par>
-        <p:cTn xmlns:p14="http://schemas.microsoft.com/office/powerpoint/2010/main" id="1" dur="indefinite" restart="never" nodeType="tmRoot"/>
-      </p:par>
-    </p:tnLst>
-  </p:timing>
-</p:sld>
-</file>
-
-<file path=ppt/slides/slide26.xml><?xml version="1.0" encoding="utf-8"?>
-<p:sld xmlns:a="http://schemas.openxmlformats.org/drawingml/2006/main" xmlns:r="http://schemas.openxmlformats.org/officeDocument/2006/relationships" xmlns:p="http://schemas.openxmlformats.org/presentationml/2006/main">
-  <p:cSld>
-    <p:spTree>
-      <p:nvGrpSpPr>
-        <p:cNvPr id="1" name=""/>
-        <p:cNvGrpSpPr/>
-        <p:nvPr/>
-      </p:nvGrpSpPr>
-      <p:grpSpPr>
-        <a:xfrm>
-          <a:off x="0" y="0"/>
-          <a:ext cx="0" cy="0"/>
-          <a:chOff x="0" y="0"/>
-          <a:chExt cx="0" cy="0"/>
-        </a:xfrm>
-      </p:grpSpPr>
-      <p:sp>
-        <p:nvSpPr>
-          <p:cNvPr id="19458" name="Title 1"/>
-          <p:cNvSpPr>
-            <a:spLocks noGrp="1"/>
-          </p:cNvSpPr>
-          <p:nvPr>
-            <p:ph type="title"/>
-          </p:nvPr>
-        </p:nvSpPr>
-        <p:spPr/>
-        <p:txBody>
-          <a:bodyPr/>
-          <a:lstStyle/>
-          <a:p>
-            <a:r>
-              <a:rPr lang="en-US">
-                <a:latin typeface="Garamond" charset="0"/>
-              </a:rPr>
-              <a:t>Final notes</a:t>
-            </a:r>
-          </a:p>
-        </p:txBody>
-      </p:sp>
-      <p:sp>
-        <p:nvSpPr>
-          <p:cNvPr id="19459" name="Content Placeholder 2"/>
-          <p:cNvSpPr>
-            <a:spLocks noGrp="1"/>
-          </p:cNvSpPr>
-          <p:nvPr>
-            <p:ph idx="1"/>
-          </p:nvPr>
-        </p:nvSpPr>
-        <p:spPr/>
-        <p:txBody>
-          <a:bodyPr/>
-          <a:lstStyle/>
-          <a:p>
-            <a:r>
-              <a:rPr lang="en-US" dirty="0">
-                <a:latin typeface="Arial" charset="0"/>
-              </a:rPr>
-              <a:t>Next </a:t>
-            </a:r>
-            <a:r>
-              <a:rPr lang="en-US" dirty="0" smtClean="0">
-                <a:latin typeface="Arial" charset="0"/>
-              </a:rPr>
-              <a:t>time </a:t>
-            </a:r>
-          </a:p>
-          <a:p>
-            <a:pPr lvl="1"/>
-            <a:r>
-              <a:rPr lang="en-US" dirty="0" smtClean="0">
-                <a:latin typeface="Arial" charset="0"/>
-              </a:rPr>
-              <a:t>More on while loops</a:t>
-            </a:r>
-            <a:endParaRPr lang="en-US" dirty="0">
-              <a:latin typeface="Arial" charset="0"/>
-            </a:endParaRPr>
-          </a:p>
-          <a:p>
-            <a:r>
-              <a:rPr lang="en-US" dirty="0">
-                <a:latin typeface="Arial" charset="0"/>
-              </a:rPr>
-              <a:t>Reminders:</a:t>
-            </a:r>
-          </a:p>
-          <a:p>
-            <a:pPr lvl="1"/>
-            <a:r>
-              <a:rPr lang="en-US" dirty="0">
-                <a:latin typeface="Arial" charset="0"/>
-              </a:rPr>
-              <a:t>Program 3 due 2/20</a:t>
-            </a:r>
-          </a:p>
-          <a:p>
-            <a:pPr lvl="1"/>
-            <a:r>
-              <a:rPr lang="en-US" dirty="0">
-                <a:latin typeface="Arial" charset="0"/>
-              </a:rPr>
-              <a:t>Exam 1: Friday, 2/23</a:t>
-            </a:r>
-          </a:p>
-          <a:p>
-            <a:pPr lvl="2"/>
-            <a:r>
-              <a:rPr lang="en-US" dirty="0">
-                <a:latin typeface="Arial" charset="0"/>
-              </a:rPr>
-              <a:t>Will be allowed one double-sided 8.5” x 11” note sheet</a:t>
-            </a:r>
-          </a:p>
-          <a:p>
-            <a:pPr lvl="2"/>
-            <a:r>
-              <a:rPr lang="en-US" dirty="0">
-                <a:latin typeface="Arial" charset="0"/>
-              </a:rPr>
-              <a:t>No calculators or other electronic devices </a:t>
-            </a:r>
-            <a:r>
-              <a:rPr lang="en-US" dirty="0" smtClean="0">
-                <a:latin typeface="Arial" charset="0"/>
-              </a:rPr>
-              <a:t>allowed</a:t>
-            </a:r>
-          </a:p>
-          <a:p>
-            <a:pPr lvl="1"/>
-            <a:r>
-              <a:rPr lang="en-US" dirty="0" smtClean="0">
-                <a:latin typeface="Arial" charset="0"/>
-              </a:rPr>
-              <a:t>Thursday </a:t>
-            </a:r>
-            <a:r>
-              <a:rPr lang="en-US" dirty="0">
-                <a:latin typeface="Arial" charset="0"/>
-              </a:rPr>
-              <a:t>office hours (2/15 only): 11:30 AM-1 PM</a:t>
-            </a:r>
-          </a:p>
-          <a:p>
-            <a:pPr lvl="1"/>
-            <a:endParaRPr lang="en-US" dirty="0">
-              <a:latin typeface="Arial" charset="0"/>
-            </a:endParaRPr>
-          </a:p>
-        </p:txBody>
-      </p:sp>
-      <p:sp>
-        <p:nvSpPr>
-          <p:cNvPr id="19460" name="Date Placeholder 3"/>
-          <p:cNvSpPr>
-            <a:spLocks noGrp="1"/>
-          </p:cNvSpPr>
-          <p:nvPr>
-            <p:ph type="dt" sz="quarter" idx="10"/>
-          </p:nvPr>
-        </p:nvSpPr>
-        <p:spPr>
-          <a:noFill/>
-          <a:ln/>
-          <a:extLst>
-            <a:ext uri="{909E8E84-426E-40dd-AFC4-6F175D3DCCD1}">
-              <a14:hiddenFill xmlns:a14="http://schemas.microsoft.com/office/drawing/2010/main">
-                <a:solidFill>
-                  <a:srgbClr val="FFFFFF"/>
-                </a:solidFill>
-              </a14:hiddenFill>
-            </a:ext>
-            <a:ext uri="{91240B29-F687-4f45-9708-019B960494DF}">
-              <a14:hiddenLine xmlns:a14="http://schemas.microsoft.com/office/drawing/2010/main" w="9525">
-                <a:solidFill>
-                  <a:srgbClr val="000000"/>
-                </a:solidFill>
-                <a:miter lim="800000"/>
-                <a:headEnd/>
-                <a:tailEnd/>
-              </a14:hiddenLine>
-            </a:ext>
-          </a:extLst>
-        </p:spPr>
-        <p:txBody>
-          <a:bodyPr/>
-          <a:lstStyle>
-            <a:lvl1pPr>
-              <a:defRPr sz="3000">
-                <a:solidFill>
-                  <a:schemeClr val="tx1"/>
-                </a:solidFill>
-                <a:latin typeface="Arial" charset="0"/>
-                <a:ea typeface="ＭＳ Ｐゴシック" charset="0"/>
-                <a:cs typeface="ＭＳ Ｐゴシック" charset="0"/>
-              </a:defRPr>
-            </a:lvl1pPr>
-            <a:lvl2pPr marL="742950" indent="-285750">
-              <a:defRPr sz="2600">
-                <a:solidFill>
-                  <a:schemeClr val="tx1"/>
-                </a:solidFill>
-                <a:latin typeface="Arial" charset="0"/>
-                <a:ea typeface="ＭＳ Ｐゴシック" charset="0"/>
-              </a:defRPr>
-            </a:lvl2pPr>
-            <a:lvl3pPr marL="1143000" indent="-228600">
-              <a:defRPr sz="2200">
-                <a:solidFill>
-                  <a:schemeClr val="tx1"/>
-                </a:solidFill>
-                <a:latin typeface="Arial" charset="0"/>
-                <a:ea typeface="ＭＳ Ｐゴシック" charset="0"/>
-              </a:defRPr>
-            </a:lvl3pPr>
-            <a:lvl4pPr marL="1600200" indent="-228600">
-              <a:defRPr sz="2000">
-                <a:solidFill>
-                  <a:schemeClr val="tx1"/>
-                </a:solidFill>
-                <a:latin typeface="Arial" charset="0"/>
-                <a:ea typeface="ＭＳ Ｐゴシック" charset="0"/>
-              </a:defRPr>
-            </a:lvl4pPr>
-            <a:lvl5pPr marL="2057400" indent="-228600">
-              <a:defRPr sz="2000">
-                <a:solidFill>
-                  <a:schemeClr val="tx1"/>
-                </a:solidFill>
-                <a:latin typeface="Arial" charset="0"/>
-                <a:ea typeface="ＭＳ Ｐゴシック" charset="0"/>
-              </a:defRPr>
-            </a:lvl5pPr>
-            <a:lvl6pPr marL="2514600" indent="-228600" eaLnBrk="0" hangingPunct="0">
-              <a:buFont typeface="Wingdings" charset="0"/>
-              <a:defRPr sz="2000">
-                <a:solidFill>
-                  <a:schemeClr val="tx1"/>
-                </a:solidFill>
-                <a:latin typeface="Arial" charset="0"/>
-                <a:ea typeface="ＭＳ Ｐゴシック" charset="0"/>
-              </a:defRPr>
-            </a:lvl6pPr>
-            <a:lvl7pPr marL="2971800" indent="-228600" eaLnBrk="0" hangingPunct="0">
-              <a:buFont typeface="Wingdings" charset="0"/>
-              <a:defRPr sz="2000">
-                <a:solidFill>
-                  <a:schemeClr val="tx1"/>
-                </a:solidFill>
-                <a:latin typeface="Arial" charset="0"/>
-                <a:ea typeface="ＭＳ Ｐゴシック" charset="0"/>
-              </a:defRPr>
-            </a:lvl7pPr>
-            <a:lvl8pPr marL="3429000" indent="-228600" eaLnBrk="0" hangingPunct="0">
-              <a:buFont typeface="Wingdings" charset="0"/>
-              <a:defRPr sz="2000">
-                <a:solidFill>
-                  <a:schemeClr val="tx1"/>
-                </a:solidFill>
-                <a:latin typeface="Arial" charset="0"/>
-                <a:ea typeface="ＭＳ Ｐゴシック" charset="0"/>
-              </a:defRPr>
-            </a:lvl8pPr>
-            <a:lvl9pPr marL="3886200" indent="-228600" eaLnBrk="0" hangingPunct="0">
-              <a:buFont typeface="Wingdings" charset="0"/>
-              <a:defRPr sz="2000">
-                <a:solidFill>
-                  <a:schemeClr val="tx1"/>
-                </a:solidFill>
-                <a:latin typeface="Arial" charset="0"/>
-                <a:ea typeface="ＭＳ Ｐゴシック" charset="0"/>
-              </a:defRPr>
-            </a:lvl9pPr>
-          </a:lstStyle>
-          <a:p>
-            <a:fld id="{24C213A3-F72E-B64F-A133-56096033DB5B}" type="datetime1">
-              <a:rPr lang="en-US" sz="1200" smtClean="0">
-                <a:latin typeface="Garamond" charset="0"/>
-              </a:rPr>
-              <a:t>2/14/18</a:t>
-            </a:fld>
-            <a:endParaRPr lang="en-US" sz="1200">
-              <a:latin typeface="Garamond" charset="0"/>
-            </a:endParaRPr>
-          </a:p>
-        </p:txBody>
-      </p:sp>
-      <p:sp>
-        <p:nvSpPr>
-          <p:cNvPr id="5" name="Footer Placeholder 4"/>
-          <p:cNvSpPr>
-            <a:spLocks noGrp="1"/>
-          </p:cNvSpPr>
-          <p:nvPr>
-            <p:ph type="ftr" sz="quarter" idx="11"/>
-          </p:nvPr>
-        </p:nvSpPr>
-        <p:spPr/>
-        <p:txBody>
-          <a:bodyPr/>
-          <a:lstStyle/>
-          <a:p>
-            <a:pPr>
-              <a:defRPr/>
-            </a:pPr>
-            <a:r>
-              <a:rPr lang="en-US" altLang="en-US" smtClean="0"/>
-              <a:t>ECE Application Programming: Lecture 10</a:t>
-            </a:r>
-            <a:endParaRPr lang="en-US" altLang="en-US"/>
-          </a:p>
-        </p:txBody>
-      </p:sp>
-      <p:sp>
-        <p:nvSpPr>
-          <p:cNvPr id="19462" name="Slide Number Placeholder 5"/>
-          <p:cNvSpPr>
-            <a:spLocks noGrp="1"/>
-          </p:cNvSpPr>
-          <p:nvPr>
-            <p:ph type="sldNum" sz="quarter" idx="12"/>
-          </p:nvPr>
-        </p:nvSpPr>
-        <p:spPr>
-          <a:noFill/>
-          <a:ln/>
-          <a:extLst>
-            <a:ext uri="{909E8E84-426E-40dd-AFC4-6F175D3DCCD1}">
-              <a14:hiddenFill xmlns:a14="http://schemas.microsoft.com/office/drawing/2010/main">
-                <a:solidFill>
-                  <a:srgbClr val="FFFFFF"/>
-                </a:solidFill>
-              </a14:hiddenFill>
-            </a:ext>
-            <a:ext uri="{91240B29-F687-4f45-9708-019B960494DF}">
-              <a14:hiddenLine xmlns:a14="http://schemas.microsoft.com/office/drawing/2010/main" w="9525">
-                <a:solidFill>
-                  <a:srgbClr val="000000"/>
-                </a:solidFill>
-                <a:miter lim="800000"/>
-                <a:headEnd/>
-                <a:tailEnd/>
-              </a14:hiddenLine>
-            </a:ext>
-          </a:extLst>
-        </p:spPr>
-        <p:txBody>
-          <a:bodyPr/>
-          <a:lstStyle>
-            <a:lvl1pPr>
-              <a:defRPr sz="3000">
-                <a:solidFill>
-                  <a:schemeClr val="tx1"/>
-                </a:solidFill>
-                <a:latin typeface="Arial" charset="0"/>
-                <a:ea typeface="ＭＳ Ｐゴシック" charset="0"/>
-                <a:cs typeface="ＭＳ Ｐゴシック" charset="0"/>
-              </a:defRPr>
-            </a:lvl1pPr>
-            <a:lvl2pPr marL="742950" indent="-285750">
-              <a:defRPr sz="2600">
-                <a:solidFill>
-                  <a:schemeClr val="tx1"/>
-                </a:solidFill>
-                <a:latin typeface="Arial" charset="0"/>
-                <a:ea typeface="ＭＳ Ｐゴシック" charset="0"/>
-              </a:defRPr>
-            </a:lvl2pPr>
-            <a:lvl3pPr marL="1143000" indent="-228600">
-              <a:defRPr sz="2200">
-                <a:solidFill>
-                  <a:schemeClr val="tx1"/>
-                </a:solidFill>
-                <a:latin typeface="Arial" charset="0"/>
-                <a:ea typeface="ＭＳ Ｐゴシック" charset="0"/>
-              </a:defRPr>
-            </a:lvl3pPr>
-            <a:lvl4pPr marL="1600200" indent="-228600">
-              <a:defRPr sz="2000">
-                <a:solidFill>
-                  <a:schemeClr val="tx1"/>
-                </a:solidFill>
-                <a:latin typeface="Arial" charset="0"/>
-                <a:ea typeface="ＭＳ Ｐゴシック" charset="0"/>
-              </a:defRPr>
-            </a:lvl4pPr>
-            <a:lvl5pPr marL="2057400" indent="-228600">
-              <a:defRPr sz="2000">
-                <a:solidFill>
-                  <a:schemeClr val="tx1"/>
-                </a:solidFill>
-                <a:latin typeface="Arial" charset="0"/>
-                <a:ea typeface="ＭＳ Ｐゴシック" charset="0"/>
-              </a:defRPr>
-            </a:lvl5pPr>
-            <a:lvl6pPr marL="2514600" indent="-228600" eaLnBrk="0" hangingPunct="0">
-              <a:buFont typeface="Wingdings" charset="0"/>
-              <a:defRPr sz="2000">
-                <a:solidFill>
-                  <a:schemeClr val="tx1"/>
-                </a:solidFill>
-                <a:latin typeface="Arial" charset="0"/>
-                <a:ea typeface="ＭＳ Ｐゴシック" charset="0"/>
-              </a:defRPr>
-            </a:lvl6pPr>
-            <a:lvl7pPr marL="2971800" indent="-228600" eaLnBrk="0" hangingPunct="0">
-              <a:buFont typeface="Wingdings" charset="0"/>
-              <a:defRPr sz="2000">
-                <a:solidFill>
-                  <a:schemeClr val="tx1"/>
-                </a:solidFill>
-                <a:latin typeface="Arial" charset="0"/>
-                <a:ea typeface="ＭＳ Ｐゴシック" charset="0"/>
-              </a:defRPr>
-            </a:lvl7pPr>
-            <a:lvl8pPr marL="3429000" indent="-228600" eaLnBrk="0" hangingPunct="0">
-              <a:buFont typeface="Wingdings" charset="0"/>
-              <a:defRPr sz="2000">
-                <a:solidFill>
-                  <a:schemeClr val="tx1"/>
-                </a:solidFill>
-                <a:latin typeface="Arial" charset="0"/>
-                <a:ea typeface="ＭＳ Ｐゴシック" charset="0"/>
-              </a:defRPr>
-            </a:lvl8pPr>
-            <a:lvl9pPr marL="3886200" indent="-228600" eaLnBrk="0" hangingPunct="0">
-              <a:buFont typeface="Wingdings" charset="0"/>
-              <a:defRPr sz="2000">
-                <a:solidFill>
-                  <a:schemeClr val="tx1"/>
-                </a:solidFill>
-                <a:latin typeface="Arial" charset="0"/>
-                <a:ea typeface="ＭＳ Ｐゴシック" charset="0"/>
-              </a:defRPr>
-            </a:lvl9pPr>
-          </a:lstStyle>
-          <a:p>
-            <a:fld id="{EE1F3F54-BCAA-B040-A65E-A190E5336A91}" type="slidenum">
-              <a:rPr lang="en-US" sz="1200">
-                <a:latin typeface="Garamond" charset="0"/>
-              </a:rPr>
-              <a:pPr/>
-              <a:t>26</a:t>
             </a:fld>
             <a:endParaRPr lang="en-US" sz="1200">
               <a:latin typeface="Garamond" charset="0"/>
@@ -19159,7 +14105,7 @@
           <a:p>
             <a:fld id="{E3448257-046D-2A4A-A581-5CA339AD0A4B}" type="datetime1">
               <a:rPr lang="en-US" smtClean="0"/>
-              <a:t>2/14/18</a:t>
+              <a:t>2/15/18</a:t>
             </a:fld>
             <a:endParaRPr lang="en-US"/>
           </a:p>
@@ -19225,6 +14171,13 @@
   <p:clrMapOvr>
     <a:masterClrMapping/>
   </p:clrMapOvr>
+  <p:timing>
+    <p:tnLst>
+      <p:par>
+        <p:cTn xmlns:p14="http://schemas.microsoft.com/office/powerpoint/2010/main" id="1" dur="indefinite" restart="never" nodeType="tmRoot"/>
+      </p:par>
+    </p:tnLst>
+  </p:timing>
 </p:sld>
 </file>
 
@@ -19446,7 +14399,7 @@
               <a:rPr lang="en-US" smtClean="0">
                 <a:latin typeface="Garamond" charset="0"/>
               </a:rPr>
-              <a:t>2/14/18</a:t>
+              <a:t>2/15/18</a:t>
             </a:fld>
             <a:endParaRPr lang="en-US">
               <a:latin typeface="Garamond" charset="0"/>
@@ -20208,7 +15161,7 @@
               <a:rPr lang="en-US" smtClean="0">
                 <a:latin typeface="Garamond" charset="0"/>
               </a:rPr>
-              <a:t>2/14/18</a:t>
+              <a:t>2/15/18</a:t>
             </a:fld>
             <a:endParaRPr lang="en-US">
               <a:latin typeface="Garamond" charset="0"/>
@@ -20723,7 +15676,7 @@
               <a:rPr lang="en-US" smtClean="0">
                 <a:latin typeface="Garamond" charset="0"/>
               </a:rPr>
-              <a:t>2/14/18</a:t>
+              <a:t>2/15/18</a:t>
             </a:fld>
             <a:endParaRPr lang="en-US">
               <a:latin typeface="Garamond" charset="0"/>
@@ -21460,7 +16413,7 @@
               <a:rPr lang="en-US" smtClean="0">
                 <a:latin typeface="Garamond" charset="0"/>
               </a:rPr>
-              <a:t>2/14/18</a:t>
+              <a:t>2/15/18</a:t>
             </a:fld>
             <a:endParaRPr lang="en-US">
               <a:latin typeface="Garamond" charset="0"/>
@@ -22117,7 +17070,7 @@
               <a:rPr lang="en-US" smtClean="0">
                 <a:latin typeface="Garamond" charset="0"/>
               </a:rPr>
-              <a:t>2/14/18</a:t>
+              <a:t>2/15/18</a:t>
             </a:fld>
             <a:endParaRPr lang="en-US">
               <a:latin typeface="Garamond" charset="0"/>
@@ -22785,7 +17738,7 @@
               <a:rPr lang="en-US" smtClean="0">
                 <a:latin typeface="Garamond" charset="0"/>
               </a:rPr>
-              <a:t>2/14/18</a:t>
+              <a:t>2/15/18</a:t>
             </a:fld>
             <a:endParaRPr lang="en-US">
               <a:latin typeface="Garamond" charset="0"/>
